--- a/RelatorioEApresentação/Projeto mod 16.pptx
+++ b/RelatorioEApresentação/Projeto mod 16.pptx
@@ -5,7 +5,7 @@
     <p:sldMasterId id="2147483648" r:id="rId1"/>
   </p:sldMasterIdLst>
   <p:notesMasterIdLst>
-    <p:notesMasterId r:id="rId24"/>
+    <p:notesMasterId r:id="rId23"/>
   </p:notesMasterIdLst>
   <p:sldIdLst>
     <p:sldId id="256" r:id="rId2"/>
@@ -19,17 +19,16 @@
     <p:sldId id="260" r:id="rId10"/>
     <p:sldId id="273" r:id="rId11"/>
     <p:sldId id="279" r:id="rId12"/>
-    <p:sldId id="261" r:id="rId13"/>
-    <p:sldId id="269" r:id="rId14"/>
-    <p:sldId id="272" r:id="rId15"/>
-    <p:sldId id="271" r:id="rId16"/>
-    <p:sldId id="270" r:id="rId17"/>
-    <p:sldId id="262" r:id="rId18"/>
-    <p:sldId id="263" r:id="rId19"/>
-    <p:sldId id="264" r:id="rId20"/>
-    <p:sldId id="266" r:id="rId21"/>
-    <p:sldId id="276" r:id="rId22"/>
-    <p:sldId id="267" r:id="rId23"/>
+    <p:sldId id="282" r:id="rId13"/>
+    <p:sldId id="261" r:id="rId14"/>
+    <p:sldId id="269" r:id="rId15"/>
+    <p:sldId id="272" r:id="rId16"/>
+    <p:sldId id="271" r:id="rId17"/>
+    <p:sldId id="263" r:id="rId18"/>
+    <p:sldId id="264" r:id="rId19"/>
+    <p:sldId id="266" r:id="rId20"/>
+    <p:sldId id="276" r:id="rId21"/>
+    <p:sldId id="267" r:id="rId22"/>
   </p:sldIdLst>
   <p:sldSz cx="12192000" cy="6858000"/>
   <p:notesSz cx="6858000" cy="9144000"/>
@@ -140,13 +139,4017 @@
 <p1510:revInfo xmlns:a="http://schemas.openxmlformats.org/drawingml/2006/main" xmlns:r="http://schemas.openxmlformats.org/officeDocument/2006/relationships" xmlns:p1510="http://schemas.microsoft.com/office/powerpoint/2015/10/main">
   <p1510:revLst>
     <p1510:client id="{03D67CE0-1CE7-42F5-ACCB-1712046F8C25}" v="665" dt="2021-06-15T21:21:36.980"/>
+    <p1510:client id="{056FC595-3226-4A72-8858-842D67883BE5}" v="255" dt="2021-06-16T09:42:14.092"/>
     <p1510:client id="{12CED57F-3BF4-49B2-AEA6-C6BA72C12F5F}" v="205" dt="2021-06-15T22:36:07.131"/>
     <p1510:client id="{170ABBC1-2E07-450A-856C-343D9C1762AE}" v="88" dt="2021-06-16T07:55:28.377"/>
     <p1510:client id="{5E0B6C1D-F82B-45E7-98BE-032096AB1B0E}" v="260" dt="2021-06-15T12:33:40.846"/>
     <p1510:client id="{7AC2A2AA-6B1F-441D-A7D7-A71918A71059}" v="95" dt="2021-06-15T14:53:52.817"/>
     <p1510:client id="{7DD89261-8AC3-4C44-8965-47A0D4775825}" v="850" dt="2021-06-15T12:41:44.991"/>
+    <p1510:client id="{96B4A73F-887B-4BF6-8EC6-76F392777F60}" v="26" dt="2021-06-16T14:30:14.579"/>
+    <p1510:client id="{9950C982-5C96-4989-A1D9-9931F5A468E1}" v="5" dt="2021-06-16T08:49:53.138"/>
+    <p1510:client id="{DA281CFD-28F7-43E1-8286-B87420DB3B3B}" v="7" dt="2021-06-16T14:32:40.424"/>
+    <p1510:client id="{DFDA5ECF-C408-46C4-B919-F791AA4D3407}" v="43" dt="2021-06-16T10:11:07.229"/>
   </p1510:revLst>
 </p1510:revInfo>
+</file>
+
+<file path=ppt/diagrams/colors1.xml><?xml version="1.0" encoding="utf-8"?>
+<dgm:colorsDef xmlns:dgm="http://schemas.openxmlformats.org/drawingml/2006/diagram" xmlns:a="http://schemas.openxmlformats.org/drawingml/2006/main" uniqueId="urn:microsoft.com/office/officeart/2005/8/colors/colorful1">
+  <dgm:title val=""/>
+  <dgm:desc val=""/>
+  <dgm:catLst>
+    <dgm:cat type="colorful" pri="10100"/>
+  </dgm:catLst>
+  <dgm:styleLbl name="node0">
+    <dgm:fillClrLst meth="repeat">
+      <a:schemeClr val="accent1"/>
+    </dgm:fillClrLst>
+    <dgm:linClrLst meth="repeat">
+      <a:schemeClr val="lt1"/>
+    </dgm:linClrLst>
+    <dgm:effectClrLst/>
+    <dgm:txLinClrLst/>
+    <dgm:txFillClrLst/>
+    <dgm:txEffectClrLst/>
+  </dgm:styleLbl>
+  <dgm:styleLbl name="node1">
+    <dgm:fillClrLst meth="repeat">
+      <a:schemeClr val="accent2"/>
+      <a:schemeClr val="accent3"/>
+      <a:schemeClr val="accent4"/>
+      <a:schemeClr val="accent5"/>
+      <a:schemeClr val="accent6"/>
+    </dgm:fillClrLst>
+    <dgm:linClrLst meth="repeat">
+      <a:schemeClr val="lt1"/>
+    </dgm:linClrLst>
+    <dgm:effectClrLst/>
+    <dgm:txLinClrLst/>
+    <dgm:txFillClrLst/>
+    <dgm:txEffectClrLst/>
+  </dgm:styleLbl>
+  <dgm:styleLbl name="alignNode1">
+    <dgm:fillClrLst meth="repeat">
+      <a:schemeClr val="accent2"/>
+      <a:schemeClr val="accent3"/>
+      <a:schemeClr val="accent4"/>
+      <a:schemeClr val="accent5"/>
+      <a:schemeClr val="accent6"/>
+    </dgm:fillClrLst>
+    <dgm:linClrLst meth="repeat">
+      <a:schemeClr val="accent2"/>
+      <a:schemeClr val="accent3"/>
+      <a:schemeClr val="accent4"/>
+      <a:schemeClr val="accent5"/>
+      <a:schemeClr val="accent6"/>
+    </dgm:linClrLst>
+    <dgm:effectClrLst/>
+    <dgm:txLinClrLst/>
+    <dgm:txFillClrLst/>
+    <dgm:txEffectClrLst/>
+  </dgm:styleLbl>
+  <dgm:styleLbl name="lnNode1">
+    <dgm:fillClrLst meth="repeat">
+      <a:schemeClr val="accent2"/>
+      <a:schemeClr val="accent3"/>
+      <a:schemeClr val="accent4"/>
+      <a:schemeClr val="accent5"/>
+      <a:schemeClr val="accent6"/>
+    </dgm:fillClrLst>
+    <dgm:linClrLst meth="repeat">
+      <a:schemeClr val="lt1"/>
+    </dgm:linClrLst>
+    <dgm:effectClrLst/>
+    <dgm:txLinClrLst/>
+    <dgm:txFillClrLst/>
+    <dgm:txEffectClrLst/>
+  </dgm:styleLbl>
+  <dgm:styleLbl name="vennNode1">
+    <dgm:fillClrLst meth="repeat">
+      <a:schemeClr val="accent2">
+        <a:alpha val="50000"/>
+      </a:schemeClr>
+      <a:schemeClr val="accent3">
+        <a:alpha val="50000"/>
+      </a:schemeClr>
+      <a:schemeClr val="accent4">
+        <a:alpha val="50000"/>
+      </a:schemeClr>
+      <a:schemeClr val="accent5">
+        <a:alpha val="50000"/>
+      </a:schemeClr>
+      <a:schemeClr val="accent6">
+        <a:alpha val="50000"/>
+      </a:schemeClr>
+    </dgm:fillClrLst>
+    <dgm:linClrLst meth="repeat">
+      <a:schemeClr val="lt1"/>
+    </dgm:linClrLst>
+    <dgm:effectClrLst/>
+    <dgm:txLinClrLst/>
+    <dgm:txFillClrLst/>
+    <dgm:txEffectClrLst/>
+  </dgm:styleLbl>
+  <dgm:styleLbl name="node2">
+    <dgm:fillClrLst>
+      <a:schemeClr val="accent2"/>
+    </dgm:fillClrLst>
+    <dgm:linClrLst meth="repeat">
+      <a:schemeClr val="lt1"/>
+    </dgm:linClrLst>
+    <dgm:effectClrLst/>
+    <dgm:txLinClrLst/>
+    <dgm:txFillClrLst/>
+    <dgm:txEffectClrLst/>
+  </dgm:styleLbl>
+  <dgm:styleLbl name="node3">
+    <dgm:fillClrLst>
+      <a:schemeClr val="accent3"/>
+    </dgm:fillClrLst>
+    <dgm:linClrLst meth="repeat">
+      <a:schemeClr val="lt1"/>
+    </dgm:linClrLst>
+    <dgm:effectClrLst/>
+    <dgm:txLinClrLst/>
+    <dgm:txFillClrLst/>
+    <dgm:txEffectClrLst/>
+  </dgm:styleLbl>
+  <dgm:styleLbl name="node4">
+    <dgm:fillClrLst>
+      <a:schemeClr val="accent4"/>
+    </dgm:fillClrLst>
+    <dgm:linClrLst meth="repeat">
+      <a:schemeClr val="lt1"/>
+    </dgm:linClrLst>
+    <dgm:effectClrLst/>
+    <dgm:txLinClrLst/>
+    <dgm:txFillClrLst/>
+    <dgm:txEffectClrLst/>
+  </dgm:styleLbl>
+  <dgm:styleLbl name="fgImgPlace1">
+    <dgm:fillClrLst meth="repeat">
+      <a:schemeClr val="accent2">
+        <a:tint val="50000"/>
+      </a:schemeClr>
+      <a:schemeClr val="accent3">
+        <a:tint val="50000"/>
+      </a:schemeClr>
+      <a:schemeClr val="accent4">
+        <a:tint val="50000"/>
+      </a:schemeClr>
+      <a:schemeClr val="accent5">
+        <a:tint val="50000"/>
+      </a:schemeClr>
+      <a:schemeClr val="accent6">
+        <a:tint val="50000"/>
+      </a:schemeClr>
+    </dgm:fillClrLst>
+    <dgm:linClrLst meth="repeat">
+      <a:schemeClr val="lt1"/>
+    </dgm:linClrLst>
+    <dgm:effectClrLst/>
+    <dgm:txLinClrLst/>
+    <dgm:txFillClrLst meth="repeat">
+      <a:schemeClr val="lt1"/>
+    </dgm:txFillClrLst>
+    <dgm:txEffectClrLst/>
+  </dgm:styleLbl>
+  <dgm:styleLbl name="alignImgPlace1">
+    <dgm:fillClrLst>
+      <a:schemeClr val="accent1">
+        <a:tint val="50000"/>
+      </a:schemeClr>
+      <a:schemeClr val="accent2">
+        <a:tint val="20000"/>
+      </a:schemeClr>
+    </dgm:fillClrLst>
+    <dgm:linClrLst meth="repeat">
+      <a:schemeClr val="lt1"/>
+    </dgm:linClrLst>
+    <dgm:effectClrLst/>
+    <dgm:txLinClrLst/>
+    <dgm:txFillClrLst meth="repeat">
+      <a:schemeClr val="lt1"/>
+    </dgm:txFillClrLst>
+    <dgm:txEffectClrLst/>
+  </dgm:styleLbl>
+  <dgm:styleLbl name="bgImgPlace1">
+    <dgm:fillClrLst>
+      <a:schemeClr val="accent1">
+        <a:tint val="50000"/>
+      </a:schemeClr>
+      <a:schemeClr val="accent2">
+        <a:tint val="20000"/>
+      </a:schemeClr>
+    </dgm:fillClrLst>
+    <dgm:linClrLst meth="repeat">
+      <a:schemeClr val="lt1"/>
+    </dgm:linClrLst>
+    <dgm:effectClrLst/>
+    <dgm:txLinClrLst/>
+    <dgm:txFillClrLst meth="repeat">
+      <a:schemeClr val="lt1"/>
+    </dgm:txFillClrLst>
+    <dgm:txEffectClrLst/>
+  </dgm:styleLbl>
+  <dgm:styleLbl name="sibTrans2D1">
+    <dgm:fillClrLst meth="repeat">
+      <a:schemeClr val="accent2"/>
+      <a:schemeClr val="accent3"/>
+      <a:schemeClr val="accent4"/>
+      <a:schemeClr val="accent5"/>
+      <a:schemeClr val="accent6"/>
+    </dgm:fillClrLst>
+    <dgm:linClrLst meth="cycle">
+      <a:schemeClr val="lt1"/>
+    </dgm:linClrLst>
+    <dgm:effectClrLst/>
+    <dgm:txLinClrLst/>
+    <dgm:txFillClrLst/>
+    <dgm:txEffectClrLst/>
+  </dgm:styleLbl>
+  <dgm:styleLbl name="fgSibTrans2D1">
+    <dgm:fillClrLst meth="repeat">
+      <a:schemeClr val="accent2"/>
+      <a:schemeClr val="accent3"/>
+      <a:schemeClr val="accent4"/>
+      <a:schemeClr val="accent5"/>
+      <a:schemeClr val="accent6"/>
+    </dgm:fillClrLst>
+    <dgm:linClrLst meth="cycle">
+      <a:schemeClr val="lt1"/>
+    </dgm:linClrLst>
+    <dgm:effectClrLst/>
+    <dgm:txLinClrLst/>
+    <dgm:txFillClrLst meth="repeat">
+      <a:schemeClr val="lt1"/>
+    </dgm:txFillClrLst>
+    <dgm:txEffectClrLst/>
+  </dgm:styleLbl>
+  <dgm:styleLbl name="bgSibTrans2D1">
+    <dgm:fillClrLst meth="repeat">
+      <a:schemeClr val="accent2"/>
+      <a:schemeClr val="accent3"/>
+      <a:schemeClr val="accent4"/>
+      <a:schemeClr val="accent5"/>
+      <a:schemeClr val="accent6"/>
+    </dgm:fillClrLst>
+    <dgm:linClrLst meth="cycle">
+      <a:schemeClr val="lt1"/>
+    </dgm:linClrLst>
+    <dgm:effectClrLst/>
+    <dgm:txLinClrLst/>
+    <dgm:txFillClrLst meth="repeat">
+      <a:schemeClr val="lt1"/>
+    </dgm:txFillClrLst>
+    <dgm:txEffectClrLst/>
+  </dgm:styleLbl>
+  <dgm:styleLbl name="sibTrans1D1">
+    <dgm:fillClrLst meth="repeat">
+      <a:schemeClr val="accent2"/>
+      <a:schemeClr val="accent3"/>
+      <a:schemeClr val="accent4"/>
+      <a:schemeClr val="accent5"/>
+      <a:schemeClr val="accent6"/>
+    </dgm:fillClrLst>
+    <dgm:linClrLst meth="repeat">
+      <a:schemeClr val="accent2"/>
+      <a:schemeClr val="accent3"/>
+      <a:schemeClr val="accent4"/>
+      <a:schemeClr val="accent5"/>
+      <a:schemeClr val="accent6"/>
+    </dgm:linClrLst>
+    <dgm:effectClrLst/>
+    <dgm:txLinClrLst/>
+    <dgm:txFillClrLst meth="repeat">
+      <a:schemeClr val="tx1"/>
+    </dgm:txFillClrLst>
+    <dgm:txEffectClrLst/>
+  </dgm:styleLbl>
+  <dgm:styleLbl name="callout">
+    <dgm:fillClrLst meth="repeat">
+      <a:schemeClr val="accent2"/>
+    </dgm:fillClrLst>
+    <dgm:linClrLst meth="repeat">
+      <a:schemeClr val="accent2">
+        <a:tint val="50000"/>
+      </a:schemeClr>
+    </dgm:linClrLst>
+    <dgm:effectClrLst/>
+    <dgm:txLinClrLst/>
+    <dgm:txFillClrLst meth="repeat">
+      <a:schemeClr val="tx1"/>
+    </dgm:txFillClrLst>
+    <dgm:txEffectClrLst/>
+  </dgm:styleLbl>
+  <dgm:styleLbl name="asst0">
+    <dgm:fillClrLst meth="repeat">
+      <a:schemeClr val="accent1"/>
+    </dgm:fillClrLst>
+    <dgm:linClrLst meth="repeat">
+      <a:schemeClr val="lt1"/>
+    </dgm:linClrLst>
+    <dgm:effectClrLst/>
+    <dgm:txLinClrLst/>
+    <dgm:txFillClrLst/>
+    <dgm:txEffectClrLst/>
+  </dgm:styleLbl>
+  <dgm:styleLbl name="asst1">
+    <dgm:fillClrLst meth="repeat">
+      <a:schemeClr val="accent2"/>
+    </dgm:fillClrLst>
+    <dgm:linClrLst meth="repeat">
+      <a:schemeClr val="lt1"/>
+    </dgm:linClrLst>
+    <dgm:effectClrLst/>
+    <dgm:txLinClrLst/>
+    <dgm:txFillClrLst/>
+    <dgm:txEffectClrLst/>
+  </dgm:styleLbl>
+  <dgm:styleLbl name="asst2">
+    <dgm:fillClrLst>
+      <a:schemeClr val="accent3"/>
+    </dgm:fillClrLst>
+    <dgm:linClrLst meth="repeat">
+      <a:schemeClr val="lt1"/>
+    </dgm:linClrLst>
+    <dgm:effectClrLst/>
+    <dgm:txLinClrLst/>
+    <dgm:txFillClrLst/>
+    <dgm:txEffectClrLst/>
+  </dgm:styleLbl>
+  <dgm:styleLbl name="asst3">
+    <dgm:fillClrLst>
+      <a:schemeClr val="accent4"/>
+    </dgm:fillClrLst>
+    <dgm:linClrLst meth="repeat">
+      <a:schemeClr val="lt1"/>
+    </dgm:linClrLst>
+    <dgm:effectClrLst/>
+    <dgm:txLinClrLst/>
+    <dgm:txFillClrLst/>
+    <dgm:txEffectClrLst/>
+  </dgm:styleLbl>
+  <dgm:styleLbl name="asst4">
+    <dgm:fillClrLst>
+      <a:schemeClr val="accent5"/>
+    </dgm:fillClrLst>
+    <dgm:linClrLst meth="repeat">
+      <a:schemeClr val="lt1"/>
+    </dgm:linClrLst>
+    <dgm:effectClrLst/>
+    <dgm:txLinClrLst/>
+    <dgm:txFillClrLst/>
+    <dgm:txEffectClrLst/>
+  </dgm:styleLbl>
+  <dgm:styleLbl name="parChTrans2D1">
+    <dgm:fillClrLst meth="repeat">
+      <a:schemeClr val="accent2"/>
+    </dgm:fillClrLst>
+    <dgm:linClrLst meth="repeat">
+      <a:schemeClr val="lt1"/>
+    </dgm:linClrLst>
+    <dgm:effectClrLst/>
+    <dgm:txLinClrLst/>
+    <dgm:txFillClrLst meth="repeat">
+      <a:schemeClr val="lt1"/>
+    </dgm:txFillClrLst>
+    <dgm:txEffectClrLst/>
+  </dgm:styleLbl>
+  <dgm:styleLbl name="parChTrans2D2">
+    <dgm:fillClrLst meth="repeat">
+      <a:schemeClr val="accent3"/>
+    </dgm:fillClrLst>
+    <dgm:linClrLst meth="repeat">
+      <a:schemeClr val="lt1"/>
+    </dgm:linClrLst>
+    <dgm:effectClrLst/>
+    <dgm:txLinClrLst/>
+    <dgm:txFillClrLst/>
+    <dgm:txEffectClrLst/>
+  </dgm:styleLbl>
+  <dgm:styleLbl name="parChTrans2D3">
+    <dgm:fillClrLst meth="repeat">
+      <a:schemeClr val="accent4"/>
+    </dgm:fillClrLst>
+    <dgm:linClrLst meth="repeat">
+      <a:schemeClr val="lt1"/>
+    </dgm:linClrLst>
+    <dgm:effectClrLst/>
+    <dgm:txLinClrLst/>
+    <dgm:txFillClrLst/>
+    <dgm:txEffectClrLst/>
+  </dgm:styleLbl>
+  <dgm:styleLbl name="parChTrans2D4">
+    <dgm:fillClrLst meth="repeat">
+      <a:schemeClr val="accent5"/>
+    </dgm:fillClrLst>
+    <dgm:linClrLst meth="repeat">
+      <a:schemeClr val="lt1"/>
+    </dgm:linClrLst>
+    <dgm:effectClrLst/>
+    <dgm:txLinClrLst/>
+    <dgm:txFillClrLst meth="repeat">
+      <a:schemeClr val="lt1"/>
+    </dgm:txFillClrLst>
+    <dgm:txEffectClrLst/>
+  </dgm:styleLbl>
+  <dgm:styleLbl name="parChTrans1D1">
+    <dgm:fillClrLst meth="repeat">
+      <a:schemeClr val="accent2"/>
+    </dgm:fillClrLst>
+    <dgm:linClrLst meth="repeat">
+      <a:schemeClr val="accent1"/>
+    </dgm:linClrLst>
+    <dgm:effectClrLst/>
+    <dgm:txLinClrLst/>
+    <dgm:txFillClrLst meth="repeat">
+      <a:schemeClr val="tx1"/>
+    </dgm:txFillClrLst>
+    <dgm:txEffectClrLst/>
+  </dgm:styleLbl>
+  <dgm:styleLbl name="parChTrans1D2">
+    <dgm:fillClrLst meth="repeat">
+      <a:schemeClr val="accent3">
+        <a:tint val="90000"/>
+      </a:schemeClr>
+    </dgm:fillClrLst>
+    <dgm:linClrLst meth="repeat">
+      <a:schemeClr val="accent2"/>
+    </dgm:linClrLst>
+    <dgm:effectClrLst/>
+    <dgm:txLinClrLst/>
+    <dgm:txFillClrLst meth="repeat">
+      <a:schemeClr val="tx1"/>
+    </dgm:txFillClrLst>
+    <dgm:txEffectClrLst/>
+  </dgm:styleLbl>
+  <dgm:styleLbl name="parChTrans1D3">
+    <dgm:fillClrLst meth="repeat">
+      <a:schemeClr val="accent4">
+        <a:tint val="70000"/>
+      </a:schemeClr>
+    </dgm:fillClrLst>
+    <dgm:linClrLst meth="repeat">
+      <a:schemeClr val="accent3"/>
+    </dgm:linClrLst>
+    <dgm:effectClrLst/>
+    <dgm:txLinClrLst/>
+    <dgm:txFillClrLst meth="repeat">
+      <a:schemeClr val="tx1"/>
+    </dgm:txFillClrLst>
+    <dgm:txEffectClrLst/>
+  </dgm:styleLbl>
+  <dgm:styleLbl name="parChTrans1D4">
+    <dgm:fillClrLst meth="repeat">
+      <a:schemeClr val="accent5">
+        <a:tint val="50000"/>
+      </a:schemeClr>
+    </dgm:fillClrLst>
+    <dgm:linClrLst meth="repeat">
+      <a:schemeClr val="accent4"/>
+    </dgm:linClrLst>
+    <dgm:effectClrLst/>
+    <dgm:txLinClrLst/>
+    <dgm:txFillClrLst meth="repeat">
+      <a:schemeClr val="tx1"/>
+    </dgm:txFillClrLst>
+    <dgm:txEffectClrLst/>
+  </dgm:styleLbl>
+  <dgm:styleLbl name="fgAcc1">
+    <dgm:fillClrLst meth="repeat">
+      <a:schemeClr val="lt1">
+        <a:alpha val="90000"/>
+      </a:schemeClr>
+    </dgm:fillClrLst>
+    <dgm:linClrLst meth="repeat">
+      <a:schemeClr val="accent2"/>
+      <a:schemeClr val="accent3"/>
+      <a:schemeClr val="accent4"/>
+      <a:schemeClr val="accent5"/>
+      <a:schemeClr val="accent6"/>
+    </dgm:linClrLst>
+    <dgm:effectClrLst/>
+    <dgm:txLinClrLst/>
+    <dgm:txFillClrLst meth="repeat">
+      <a:schemeClr val="dk1"/>
+    </dgm:txFillClrLst>
+    <dgm:txEffectClrLst/>
+  </dgm:styleLbl>
+  <dgm:styleLbl name="conFgAcc1">
+    <dgm:fillClrLst meth="repeat">
+      <a:schemeClr val="lt1">
+        <a:alpha val="90000"/>
+      </a:schemeClr>
+    </dgm:fillClrLst>
+    <dgm:linClrLst meth="repeat">
+      <a:schemeClr val="accent2"/>
+      <a:schemeClr val="accent3"/>
+      <a:schemeClr val="accent4"/>
+      <a:schemeClr val="accent5"/>
+      <a:schemeClr val="accent6"/>
+    </dgm:linClrLst>
+    <dgm:effectClrLst/>
+    <dgm:txLinClrLst/>
+    <dgm:txFillClrLst meth="repeat">
+      <a:schemeClr val="dk1"/>
+    </dgm:txFillClrLst>
+    <dgm:txEffectClrLst/>
+  </dgm:styleLbl>
+  <dgm:styleLbl name="alignAcc1">
+    <dgm:fillClrLst meth="repeat">
+      <a:schemeClr val="lt1">
+        <a:alpha val="90000"/>
+      </a:schemeClr>
+    </dgm:fillClrLst>
+    <dgm:linClrLst meth="repeat">
+      <a:schemeClr val="accent2"/>
+      <a:schemeClr val="accent3"/>
+      <a:schemeClr val="accent4"/>
+      <a:schemeClr val="accent5"/>
+      <a:schemeClr val="accent6"/>
+    </dgm:linClrLst>
+    <dgm:effectClrLst/>
+    <dgm:txLinClrLst/>
+    <dgm:txFillClrLst meth="repeat">
+      <a:schemeClr val="dk1"/>
+    </dgm:txFillClrLst>
+    <dgm:txEffectClrLst/>
+  </dgm:styleLbl>
+  <dgm:styleLbl name="trAlignAcc1">
+    <dgm:fillClrLst meth="repeat">
+      <a:schemeClr val="lt1">
+        <a:alpha val="40000"/>
+      </a:schemeClr>
+    </dgm:fillClrLst>
+    <dgm:linClrLst meth="repeat">
+      <a:schemeClr val="accent1"/>
+    </dgm:linClrLst>
+    <dgm:effectClrLst/>
+    <dgm:txLinClrLst/>
+    <dgm:txFillClrLst meth="repeat">
+      <a:schemeClr val="dk1"/>
+    </dgm:txFillClrLst>
+    <dgm:txEffectClrLst/>
+  </dgm:styleLbl>
+  <dgm:styleLbl name="bgAcc1">
+    <dgm:fillClrLst meth="repeat">
+      <a:schemeClr val="lt1">
+        <a:alpha val="90000"/>
+      </a:schemeClr>
+    </dgm:fillClrLst>
+    <dgm:linClrLst meth="repeat">
+      <a:schemeClr val="accent2"/>
+      <a:schemeClr val="accent3"/>
+      <a:schemeClr val="accent4"/>
+      <a:schemeClr val="accent5"/>
+      <a:schemeClr val="accent6"/>
+    </dgm:linClrLst>
+    <dgm:effectClrLst/>
+    <dgm:txLinClrLst/>
+    <dgm:txFillClrLst meth="repeat">
+      <a:schemeClr val="dk1"/>
+    </dgm:txFillClrLst>
+    <dgm:txEffectClrLst/>
+  </dgm:styleLbl>
+  <dgm:styleLbl name="solidFgAcc1">
+    <dgm:fillClrLst meth="repeat">
+      <a:schemeClr val="lt1"/>
+    </dgm:fillClrLst>
+    <dgm:linClrLst meth="repeat">
+      <a:schemeClr val="accent2"/>
+      <a:schemeClr val="accent3"/>
+      <a:schemeClr val="accent4"/>
+      <a:schemeClr val="accent5"/>
+      <a:schemeClr val="accent6"/>
+    </dgm:linClrLst>
+    <dgm:effectClrLst/>
+    <dgm:txLinClrLst/>
+    <dgm:txFillClrLst meth="repeat">
+      <a:schemeClr val="dk1"/>
+    </dgm:txFillClrLst>
+    <dgm:txEffectClrLst/>
+  </dgm:styleLbl>
+  <dgm:styleLbl name="solidAlignAcc1">
+    <dgm:fillClrLst meth="repeat">
+      <a:schemeClr val="lt1"/>
+    </dgm:fillClrLst>
+    <dgm:linClrLst meth="repeat">
+      <a:schemeClr val="accent2"/>
+      <a:schemeClr val="accent3"/>
+      <a:schemeClr val="accent4"/>
+      <a:schemeClr val="accent5"/>
+      <a:schemeClr val="accent6"/>
+    </dgm:linClrLst>
+    <dgm:effectClrLst/>
+    <dgm:txLinClrLst/>
+    <dgm:txFillClrLst meth="repeat">
+      <a:schemeClr val="dk1"/>
+    </dgm:txFillClrLst>
+    <dgm:txEffectClrLst/>
+  </dgm:styleLbl>
+  <dgm:styleLbl name="solidBgAcc1">
+    <dgm:fillClrLst meth="repeat">
+      <a:schemeClr val="lt1"/>
+    </dgm:fillClrLst>
+    <dgm:linClrLst meth="repeat">
+      <a:schemeClr val="accent2"/>
+      <a:schemeClr val="accent3"/>
+      <a:schemeClr val="accent4"/>
+      <a:schemeClr val="accent5"/>
+      <a:schemeClr val="accent6"/>
+    </dgm:linClrLst>
+    <dgm:effectClrLst/>
+    <dgm:txLinClrLst/>
+    <dgm:txFillClrLst meth="repeat">
+      <a:schemeClr val="dk1"/>
+    </dgm:txFillClrLst>
+    <dgm:txEffectClrLst/>
+  </dgm:styleLbl>
+  <dgm:styleLbl name="fgAccFollowNode1">
+    <dgm:fillClrLst meth="repeat">
+      <a:schemeClr val="accent2">
+        <a:tint val="40000"/>
+        <a:alpha val="90000"/>
+      </a:schemeClr>
+      <a:schemeClr val="accent3">
+        <a:tint val="40000"/>
+        <a:alpha val="90000"/>
+      </a:schemeClr>
+      <a:schemeClr val="accent4">
+        <a:tint val="40000"/>
+        <a:alpha val="90000"/>
+      </a:schemeClr>
+      <a:schemeClr val="accent5">
+        <a:tint val="40000"/>
+        <a:alpha val="90000"/>
+      </a:schemeClr>
+      <a:schemeClr val="accent6">
+        <a:tint val="40000"/>
+        <a:alpha val="90000"/>
+      </a:schemeClr>
+    </dgm:fillClrLst>
+    <dgm:linClrLst meth="repeat">
+      <a:schemeClr val="accent2">
+        <a:tint val="40000"/>
+        <a:alpha val="90000"/>
+      </a:schemeClr>
+      <a:schemeClr val="accent3">
+        <a:tint val="40000"/>
+        <a:alpha val="90000"/>
+      </a:schemeClr>
+      <a:schemeClr val="accent4">
+        <a:tint val="40000"/>
+        <a:alpha val="90000"/>
+      </a:schemeClr>
+      <a:schemeClr val="accent5">
+        <a:tint val="40000"/>
+        <a:alpha val="90000"/>
+      </a:schemeClr>
+      <a:schemeClr val="accent6">
+        <a:tint val="40000"/>
+        <a:alpha val="90000"/>
+      </a:schemeClr>
+    </dgm:linClrLst>
+    <dgm:effectClrLst/>
+    <dgm:txLinClrLst/>
+    <dgm:txFillClrLst meth="repeat">
+      <a:schemeClr val="dk1"/>
+    </dgm:txFillClrLst>
+    <dgm:txEffectClrLst/>
+  </dgm:styleLbl>
+  <dgm:styleLbl name="alignAccFollowNode1">
+    <dgm:fillClrLst meth="repeat">
+      <a:schemeClr val="accent2">
+        <a:tint val="40000"/>
+        <a:alpha val="90000"/>
+      </a:schemeClr>
+      <a:schemeClr val="accent3">
+        <a:tint val="40000"/>
+        <a:alpha val="90000"/>
+      </a:schemeClr>
+      <a:schemeClr val="accent4">
+        <a:tint val="40000"/>
+        <a:alpha val="90000"/>
+      </a:schemeClr>
+      <a:schemeClr val="accent5">
+        <a:tint val="40000"/>
+        <a:alpha val="90000"/>
+      </a:schemeClr>
+      <a:schemeClr val="accent6">
+        <a:tint val="40000"/>
+        <a:alpha val="90000"/>
+      </a:schemeClr>
+    </dgm:fillClrLst>
+    <dgm:linClrLst meth="repeat">
+      <a:schemeClr val="accent2">
+        <a:tint val="40000"/>
+        <a:alpha val="90000"/>
+      </a:schemeClr>
+      <a:schemeClr val="accent3">
+        <a:tint val="40000"/>
+        <a:alpha val="90000"/>
+      </a:schemeClr>
+      <a:schemeClr val="accent4">
+        <a:tint val="40000"/>
+        <a:alpha val="90000"/>
+      </a:schemeClr>
+      <a:schemeClr val="accent5">
+        <a:tint val="40000"/>
+        <a:alpha val="90000"/>
+      </a:schemeClr>
+      <a:schemeClr val="accent6">
+        <a:tint val="40000"/>
+        <a:alpha val="90000"/>
+      </a:schemeClr>
+    </dgm:linClrLst>
+    <dgm:effectClrLst/>
+    <dgm:txLinClrLst/>
+    <dgm:txFillClrLst meth="repeat">
+      <a:schemeClr val="dk1"/>
+    </dgm:txFillClrLst>
+    <dgm:txEffectClrLst/>
+  </dgm:styleLbl>
+  <dgm:styleLbl name="bgAccFollowNode1">
+    <dgm:fillClrLst meth="repeat">
+      <a:schemeClr val="accent2">
+        <a:tint val="40000"/>
+        <a:alpha val="90000"/>
+      </a:schemeClr>
+      <a:schemeClr val="accent3">
+        <a:tint val="40000"/>
+        <a:alpha val="90000"/>
+      </a:schemeClr>
+      <a:schemeClr val="accent4">
+        <a:tint val="40000"/>
+        <a:alpha val="90000"/>
+      </a:schemeClr>
+      <a:schemeClr val="accent5">
+        <a:tint val="40000"/>
+        <a:alpha val="90000"/>
+      </a:schemeClr>
+      <a:schemeClr val="accent6">
+        <a:tint val="40000"/>
+        <a:alpha val="90000"/>
+      </a:schemeClr>
+    </dgm:fillClrLst>
+    <dgm:linClrLst meth="repeat">
+      <a:schemeClr val="accent2">
+        <a:tint val="40000"/>
+        <a:alpha val="90000"/>
+      </a:schemeClr>
+      <a:schemeClr val="accent3">
+        <a:tint val="40000"/>
+        <a:alpha val="90000"/>
+      </a:schemeClr>
+      <a:schemeClr val="accent4">
+        <a:tint val="40000"/>
+        <a:alpha val="90000"/>
+      </a:schemeClr>
+      <a:schemeClr val="accent5">
+        <a:tint val="40000"/>
+        <a:alpha val="90000"/>
+      </a:schemeClr>
+      <a:schemeClr val="accent6">
+        <a:tint val="40000"/>
+        <a:alpha val="90000"/>
+      </a:schemeClr>
+    </dgm:linClrLst>
+    <dgm:effectClrLst/>
+    <dgm:txLinClrLst/>
+    <dgm:txFillClrLst meth="repeat">
+      <a:schemeClr val="dk1"/>
+    </dgm:txFillClrLst>
+    <dgm:txEffectClrLst/>
+  </dgm:styleLbl>
+  <dgm:styleLbl name="fgAcc0">
+    <dgm:fillClrLst meth="repeat">
+      <a:schemeClr val="lt1">
+        <a:alpha val="90000"/>
+      </a:schemeClr>
+    </dgm:fillClrLst>
+    <dgm:linClrLst>
+      <a:schemeClr val="accent1"/>
+    </dgm:linClrLst>
+    <dgm:effectClrLst/>
+    <dgm:txLinClrLst/>
+    <dgm:txFillClrLst meth="repeat">
+      <a:schemeClr val="dk1"/>
+    </dgm:txFillClrLst>
+    <dgm:txEffectClrLst/>
+  </dgm:styleLbl>
+  <dgm:styleLbl name="fgAcc2">
+    <dgm:fillClrLst meth="repeat">
+      <a:schemeClr val="lt1">
+        <a:alpha val="90000"/>
+      </a:schemeClr>
+    </dgm:fillClrLst>
+    <dgm:linClrLst>
+      <a:schemeClr val="accent2"/>
+    </dgm:linClrLst>
+    <dgm:effectClrLst/>
+    <dgm:txLinClrLst/>
+    <dgm:txFillClrLst meth="repeat">
+      <a:schemeClr val="dk1"/>
+    </dgm:txFillClrLst>
+    <dgm:txEffectClrLst/>
+  </dgm:styleLbl>
+  <dgm:styleLbl name="fgAcc3">
+    <dgm:fillClrLst meth="repeat">
+      <a:schemeClr val="lt1">
+        <a:alpha val="90000"/>
+      </a:schemeClr>
+    </dgm:fillClrLst>
+    <dgm:linClrLst>
+      <a:schemeClr val="accent3"/>
+    </dgm:linClrLst>
+    <dgm:effectClrLst/>
+    <dgm:txLinClrLst/>
+    <dgm:txFillClrLst meth="repeat">
+      <a:schemeClr val="dk1"/>
+    </dgm:txFillClrLst>
+    <dgm:txEffectClrLst/>
+  </dgm:styleLbl>
+  <dgm:styleLbl name="fgAcc4">
+    <dgm:fillClrLst meth="repeat">
+      <a:schemeClr val="lt1">
+        <a:alpha val="90000"/>
+      </a:schemeClr>
+    </dgm:fillClrLst>
+    <dgm:linClrLst>
+      <a:schemeClr val="accent4"/>
+    </dgm:linClrLst>
+    <dgm:effectClrLst/>
+    <dgm:txLinClrLst/>
+    <dgm:txFillClrLst meth="repeat">
+      <a:schemeClr val="dk1"/>
+    </dgm:txFillClrLst>
+    <dgm:txEffectClrLst/>
+  </dgm:styleLbl>
+  <dgm:styleLbl name="bgShp">
+    <dgm:fillClrLst meth="repeat">
+      <a:schemeClr val="accent2">
+        <a:tint val="40000"/>
+      </a:schemeClr>
+    </dgm:fillClrLst>
+    <dgm:linClrLst meth="repeat">
+      <a:schemeClr val="dk1"/>
+    </dgm:linClrLst>
+    <dgm:effectClrLst/>
+    <dgm:txLinClrLst/>
+    <dgm:txFillClrLst meth="repeat">
+      <a:schemeClr val="dk1"/>
+    </dgm:txFillClrLst>
+    <dgm:txEffectClrLst/>
+  </dgm:styleLbl>
+  <dgm:styleLbl name="dkBgShp">
+    <dgm:fillClrLst meth="repeat">
+      <a:schemeClr val="accent2">
+        <a:shade val="90000"/>
+      </a:schemeClr>
+    </dgm:fillClrLst>
+    <dgm:linClrLst meth="repeat">
+      <a:schemeClr val="dk1"/>
+    </dgm:linClrLst>
+    <dgm:effectClrLst/>
+    <dgm:txLinClrLst/>
+    <dgm:txFillClrLst meth="repeat">
+      <a:schemeClr val="lt1"/>
+    </dgm:txFillClrLst>
+    <dgm:txEffectClrLst/>
+  </dgm:styleLbl>
+  <dgm:styleLbl name="trBgShp">
+    <dgm:fillClrLst meth="repeat">
+      <a:schemeClr val="accent1">
+        <a:tint val="50000"/>
+        <a:alpha val="40000"/>
+      </a:schemeClr>
+    </dgm:fillClrLst>
+    <dgm:linClrLst meth="repeat">
+      <a:schemeClr val="accent2"/>
+    </dgm:linClrLst>
+    <dgm:effectClrLst/>
+    <dgm:txLinClrLst/>
+    <dgm:txFillClrLst meth="repeat">
+      <a:schemeClr val="lt1"/>
+    </dgm:txFillClrLst>
+    <dgm:txEffectClrLst/>
+  </dgm:styleLbl>
+  <dgm:styleLbl name="fgShp">
+    <dgm:fillClrLst meth="repeat">
+      <a:schemeClr val="accent2">
+        <a:tint val="40000"/>
+      </a:schemeClr>
+    </dgm:fillClrLst>
+    <dgm:linClrLst meth="repeat">
+      <a:schemeClr val="lt1"/>
+    </dgm:linClrLst>
+    <dgm:effectClrLst/>
+    <dgm:txLinClrLst/>
+    <dgm:txFillClrLst meth="repeat">
+      <a:schemeClr val="dk1"/>
+    </dgm:txFillClrLst>
+    <dgm:txEffectClrLst/>
+  </dgm:styleLbl>
+  <dgm:styleLbl name="revTx">
+    <dgm:fillClrLst meth="repeat">
+      <a:schemeClr val="lt1">
+        <a:alpha val="0"/>
+      </a:schemeClr>
+    </dgm:fillClrLst>
+    <dgm:linClrLst meth="repeat">
+      <a:schemeClr val="dk1">
+        <a:alpha val="0"/>
+      </a:schemeClr>
+    </dgm:linClrLst>
+    <dgm:effectClrLst/>
+    <dgm:txLinClrLst/>
+    <dgm:txFillClrLst meth="repeat">
+      <a:schemeClr val="tx1"/>
+    </dgm:txFillClrLst>
+    <dgm:txEffectClrLst/>
+  </dgm:styleLbl>
+</dgm:colorsDef>
+</file>
+
+<file path=ppt/diagrams/data1.xml><?xml version="1.0" encoding="utf-8"?>
+<dgm:dataModel xmlns:dgm="http://schemas.openxmlformats.org/drawingml/2006/diagram" xmlns:a="http://schemas.openxmlformats.org/drawingml/2006/main">
+  <dgm:ptLst>
+    <dgm:pt modelId="{0BEE30E1-9F25-4445-94A2-3F2401EEC1B6}" type="doc">
+      <dgm:prSet loTypeId="urn:microsoft.com/office/officeart/2008/layout/LinedList" loCatId="list" qsTypeId="urn:microsoft.com/office/officeart/2005/8/quickstyle/simple1" qsCatId="simple" csTypeId="urn:microsoft.com/office/officeart/2005/8/colors/colorful1" csCatId="colorful"/>
+      <dgm:spPr/>
+      <dgm:t>
+        <a:bodyPr/>
+        <a:lstStyle/>
+        <a:p>
+          <a:endParaRPr lang="en-US"/>
+        </a:p>
+      </dgm:t>
+    </dgm:pt>
+    <dgm:pt modelId="{B241629D-DB68-4493-8049-BB69FB425E0F}">
+      <dgm:prSet/>
+      <dgm:spPr/>
+      <dgm:t>
+        <a:bodyPr/>
+        <a:lstStyle/>
+        <a:p>
+          <a:r>
+            <a:rPr lang="pt-PT"/>
+            <a:t>Criar um site de gestão em ASP.NET para gerir funcionários, produtos e encomendas. </a:t>
+          </a:r>
+          <a:endParaRPr lang="en-US"/>
+        </a:p>
+      </dgm:t>
+    </dgm:pt>
+    <dgm:pt modelId="{6EA2FBEE-3FF1-490F-85B1-A2B04D6C3E5F}" type="parTrans" cxnId="{85A79CD5-C211-4528-B5C7-EA289D896B6D}">
+      <dgm:prSet/>
+      <dgm:spPr/>
+      <dgm:t>
+        <a:bodyPr/>
+        <a:lstStyle/>
+        <a:p>
+          <a:endParaRPr lang="en-US"/>
+        </a:p>
+      </dgm:t>
+    </dgm:pt>
+    <dgm:pt modelId="{7BB1A25C-253D-486B-8C76-74EB489B34D7}" type="sibTrans" cxnId="{85A79CD5-C211-4528-B5C7-EA289D896B6D}">
+      <dgm:prSet/>
+      <dgm:spPr/>
+      <dgm:t>
+        <a:bodyPr/>
+        <a:lstStyle/>
+        <a:p>
+          <a:endParaRPr lang="en-US"/>
+        </a:p>
+      </dgm:t>
+    </dgm:pt>
+    <dgm:pt modelId="{DA0692DD-3CDD-4C48-9FF6-F61E8E779E7F}">
+      <dgm:prSet/>
+      <dgm:spPr/>
+      <dgm:t>
+        <a:bodyPr/>
+        <a:lstStyle/>
+        <a:p>
+          <a:r>
+            <a:rPr lang="pt-PT"/>
+            <a:t>Encriptar palavras-chave com o RSA no C#; </a:t>
+          </a:r>
+          <a:endParaRPr lang="en-US"/>
+        </a:p>
+      </dgm:t>
+    </dgm:pt>
+    <dgm:pt modelId="{9F503D7A-0534-42EA-9CF4-25FB62AEA739}" type="parTrans" cxnId="{DAD8BF55-6043-4C0D-8202-0B82FE15A0AA}">
+      <dgm:prSet/>
+      <dgm:spPr/>
+      <dgm:t>
+        <a:bodyPr/>
+        <a:lstStyle/>
+        <a:p>
+          <a:endParaRPr lang="en-US"/>
+        </a:p>
+      </dgm:t>
+    </dgm:pt>
+    <dgm:pt modelId="{C1960851-E7AF-4077-A07D-9BB8B32CDDEA}" type="sibTrans" cxnId="{DAD8BF55-6043-4C0D-8202-0B82FE15A0AA}">
+      <dgm:prSet/>
+      <dgm:spPr/>
+      <dgm:t>
+        <a:bodyPr/>
+        <a:lstStyle/>
+        <a:p>
+          <a:endParaRPr lang="en-US"/>
+        </a:p>
+      </dgm:t>
+    </dgm:pt>
+    <dgm:pt modelId="{06548A58-CEA5-48A7-BD3E-C3AF3DA6ACEF}">
+      <dgm:prSet/>
+      <dgm:spPr/>
+      <dgm:t>
+        <a:bodyPr/>
+        <a:lstStyle/>
+        <a:p>
+          <a:r>
+            <a:rPr lang="pt-PT"/>
+            <a:t>Desenvolver uma base de dados em SQL server. </a:t>
+          </a:r>
+          <a:endParaRPr lang="en-US"/>
+        </a:p>
+      </dgm:t>
+    </dgm:pt>
+    <dgm:pt modelId="{5E00D1EE-2DF6-455A-8B01-645C49A8269D}" type="parTrans" cxnId="{D45CB6B9-5F49-4BE6-A56F-2C0B971EBA4A}">
+      <dgm:prSet/>
+      <dgm:spPr/>
+      <dgm:t>
+        <a:bodyPr/>
+        <a:lstStyle/>
+        <a:p>
+          <a:endParaRPr lang="en-US"/>
+        </a:p>
+      </dgm:t>
+    </dgm:pt>
+    <dgm:pt modelId="{B74A7A6B-3643-4D2E-9E75-D5E091699BFB}" type="sibTrans" cxnId="{D45CB6B9-5F49-4BE6-A56F-2C0B971EBA4A}">
+      <dgm:prSet/>
+      <dgm:spPr/>
+      <dgm:t>
+        <a:bodyPr/>
+        <a:lstStyle/>
+        <a:p>
+          <a:endParaRPr lang="en-US"/>
+        </a:p>
+      </dgm:t>
+    </dgm:pt>
+    <dgm:pt modelId="{FE242291-4111-415F-A4F1-300BE0D5A2C1}">
+      <dgm:prSet/>
+      <dgm:spPr/>
+      <dgm:t>
+        <a:bodyPr/>
+        <a:lstStyle/>
+        <a:p>
+          <a:r>
+            <a:rPr lang="pt-PT"/>
+            <a:t>Criar uma rede para os dois edifícios da empresa Veste Bem. </a:t>
+          </a:r>
+          <a:endParaRPr lang="en-US"/>
+        </a:p>
+      </dgm:t>
+    </dgm:pt>
+    <dgm:pt modelId="{F6A5C357-BD2D-40AD-BEA6-344EF840BFB3}" type="parTrans" cxnId="{CCC54C46-C56B-42BA-80B8-F4CC1C997C56}">
+      <dgm:prSet/>
+      <dgm:spPr/>
+      <dgm:t>
+        <a:bodyPr/>
+        <a:lstStyle/>
+        <a:p>
+          <a:endParaRPr lang="en-US"/>
+        </a:p>
+      </dgm:t>
+    </dgm:pt>
+    <dgm:pt modelId="{56758B05-280D-4526-9A6E-01E4C92B6E66}" type="sibTrans" cxnId="{CCC54C46-C56B-42BA-80B8-F4CC1C997C56}">
+      <dgm:prSet/>
+      <dgm:spPr/>
+      <dgm:t>
+        <a:bodyPr/>
+        <a:lstStyle/>
+        <a:p>
+          <a:endParaRPr lang="en-US"/>
+        </a:p>
+      </dgm:t>
+    </dgm:pt>
+    <dgm:pt modelId="{5B53B642-8E70-47E9-928A-0BA5CF3AB751}">
+      <dgm:prSet/>
+      <dgm:spPr/>
+      <dgm:t>
+        <a:bodyPr/>
+        <a:lstStyle/>
+        <a:p>
+          <a:r>
+            <a:rPr lang="pt-PT"/>
+            <a:t>Criar uma rede virtual para interligar os dois edifícios. </a:t>
+          </a:r>
+          <a:endParaRPr lang="en-US"/>
+        </a:p>
+      </dgm:t>
+    </dgm:pt>
+    <dgm:pt modelId="{F5F8C8A8-7135-48E2-8AF3-95A6195CC278}" type="parTrans" cxnId="{20CD08B8-9AB0-4E0F-A313-972658B3EBDC}">
+      <dgm:prSet/>
+      <dgm:spPr/>
+      <dgm:t>
+        <a:bodyPr/>
+        <a:lstStyle/>
+        <a:p>
+          <a:endParaRPr lang="en-US"/>
+        </a:p>
+      </dgm:t>
+    </dgm:pt>
+    <dgm:pt modelId="{650656CE-614E-45BB-839D-28D77ED72BCB}" type="sibTrans" cxnId="{20CD08B8-9AB0-4E0F-A313-972658B3EBDC}">
+      <dgm:prSet/>
+      <dgm:spPr/>
+      <dgm:t>
+        <a:bodyPr/>
+        <a:lstStyle/>
+        <a:p>
+          <a:endParaRPr lang="en-US"/>
+        </a:p>
+      </dgm:t>
+    </dgm:pt>
+    <dgm:pt modelId="{C06A6736-B56A-4393-B24B-B1F3C2FBEEF8}">
+      <dgm:prSet/>
+      <dgm:spPr/>
+      <dgm:t>
+        <a:bodyPr/>
+        <a:lstStyle/>
+        <a:p>
+          <a:r>
+            <a:rPr lang="pt-PT"/>
+            <a:t>Desenvolver com recurso ao Cisco Packet Tracer o diagrama da rede. </a:t>
+          </a:r>
+          <a:endParaRPr lang="en-US"/>
+        </a:p>
+      </dgm:t>
+    </dgm:pt>
+    <dgm:pt modelId="{6669849C-29F5-4C9D-98D2-DABA077F0AC3}" type="parTrans" cxnId="{A9FBE5EC-5A8B-4459-9F65-96885E27DB90}">
+      <dgm:prSet/>
+      <dgm:spPr/>
+      <dgm:t>
+        <a:bodyPr/>
+        <a:lstStyle/>
+        <a:p>
+          <a:endParaRPr lang="en-US"/>
+        </a:p>
+      </dgm:t>
+    </dgm:pt>
+    <dgm:pt modelId="{4F3795A7-F157-4E95-84BF-A2C34FB9D876}" type="sibTrans" cxnId="{A9FBE5EC-5A8B-4459-9F65-96885E27DB90}">
+      <dgm:prSet/>
+      <dgm:spPr/>
+      <dgm:t>
+        <a:bodyPr/>
+        <a:lstStyle/>
+        <a:p>
+          <a:endParaRPr lang="en-US"/>
+        </a:p>
+      </dgm:t>
+    </dgm:pt>
+    <dgm:pt modelId="{CAB5E86D-69CB-4003-953B-CAD47905DC4A}">
+      <dgm:prSet/>
+      <dgm:spPr/>
+      <dgm:t>
+        <a:bodyPr/>
+        <a:lstStyle/>
+        <a:p>
+          <a:r>
+            <a:rPr lang="pt-PT"/>
+            <a:t>Atribuir os IPs a cada ponto de rede. </a:t>
+          </a:r>
+          <a:endParaRPr lang="en-US"/>
+        </a:p>
+      </dgm:t>
+    </dgm:pt>
+    <dgm:pt modelId="{471BC11F-DF1B-4F67-B43E-4ECB045B1CC4}" type="parTrans" cxnId="{6E8FFCC4-61D8-402D-9BAD-C6F1CC2210CF}">
+      <dgm:prSet/>
+      <dgm:spPr/>
+      <dgm:t>
+        <a:bodyPr/>
+        <a:lstStyle/>
+        <a:p>
+          <a:endParaRPr lang="en-US"/>
+        </a:p>
+      </dgm:t>
+    </dgm:pt>
+    <dgm:pt modelId="{B94EAD22-6F72-4A3E-BA75-CDCDA3496321}" type="sibTrans" cxnId="{6E8FFCC4-61D8-402D-9BAD-C6F1CC2210CF}">
+      <dgm:prSet/>
+      <dgm:spPr/>
+      <dgm:t>
+        <a:bodyPr/>
+        <a:lstStyle/>
+        <a:p>
+          <a:endParaRPr lang="en-US"/>
+        </a:p>
+      </dgm:t>
+    </dgm:pt>
+    <dgm:pt modelId="{59F8A2C4-78E0-4F1E-B282-0A5223A8038B}">
+      <dgm:prSet/>
+      <dgm:spPr/>
+      <dgm:t>
+        <a:bodyPr/>
+        <a:lstStyle/>
+        <a:p>
+          <a:r>
+            <a:rPr lang="pt-PT"/>
+            <a:t>Criar Vlans entre os departamentos da sede de Secção de Vendas e a Direção. </a:t>
+          </a:r>
+          <a:endParaRPr lang="en-US"/>
+        </a:p>
+      </dgm:t>
+    </dgm:pt>
+    <dgm:pt modelId="{57BA4CE4-C4B7-4DA6-9579-B4215920C929}" type="parTrans" cxnId="{8B0E2BEC-82CE-4B29-ADF8-FB1E05CB3484}">
+      <dgm:prSet/>
+      <dgm:spPr/>
+      <dgm:t>
+        <a:bodyPr/>
+        <a:lstStyle/>
+        <a:p>
+          <a:endParaRPr lang="en-US"/>
+        </a:p>
+      </dgm:t>
+    </dgm:pt>
+    <dgm:pt modelId="{031A1E8E-9689-4EDB-9D9E-76287B55831B}" type="sibTrans" cxnId="{8B0E2BEC-82CE-4B29-ADF8-FB1E05CB3484}">
+      <dgm:prSet/>
+      <dgm:spPr/>
+      <dgm:t>
+        <a:bodyPr/>
+        <a:lstStyle/>
+        <a:p>
+          <a:endParaRPr lang="en-US"/>
+        </a:p>
+      </dgm:t>
+    </dgm:pt>
+    <dgm:pt modelId="{76940BE3-690D-47D7-9FA6-9863D022BD9E}">
+      <dgm:prSet/>
+      <dgm:spPr/>
+      <dgm:t>
+        <a:bodyPr/>
+        <a:lstStyle/>
+        <a:p>
+          <a:r>
+            <a:rPr lang="pt-PT"/>
+            <a:t>Estabelecer a ligação entre a sede e a sucursal de setúbal. </a:t>
+          </a:r>
+          <a:endParaRPr lang="en-US"/>
+        </a:p>
+      </dgm:t>
+    </dgm:pt>
+    <dgm:pt modelId="{F4F4F9BF-A510-4B94-942E-482722077E08}" type="parTrans" cxnId="{85C514EA-704C-4F58-8BAB-53CE99E5C1AE}">
+      <dgm:prSet/>
+      <dgm:spPr/>
+      <dgm:t>
+        <a:bodyPr/>
+        <a:lstStyle/>
+        <a:p>
+          <a:endParaRPr lang="en-US"/>
+        </a:p>
+      </dgm:t>
+    </dgm:pt>
+    <dgm:pt modelId="{9F2916B8-1991-4F4A-990F-343D776A74C4}" type="sibTrans" cxnId="{85C514EA-704C-4F58-8BAB-53CE99E5C1AE}">
+      <dgm:prSet/>
+      <dgm:spPr/>
+      <dgm:t>
+        <a:bodyPr/>
+        <a:lstStyle/>
+        <a:p>
+          <a:endParaRPr lang="en-US"/>
+        </a:p>
+      </dgm:t>
+    </dgm:pt>
+    <dgm:pt modelId="{6A66E136-4A01-4863-85C6-610A7607CAA4}" type="pres">
+      <dgm:prSet presAssocID="{0BEE30E1-9F25-4445-94A2-3F2401EEC1B6}" presName="vert0" presStyleCnt="0">
+        <dgm:presLayoutVars>
+          <dgm:dir/>
+          <dgm:animOne val="branch"/>
+          <dgm:animLvl val="lvl"/>
+        </dgm:presLayoutVars>
+      </dgm:prSet>
+      <dgm:spPr/>
+    </dgm:pt>
+    <dgm:pt modelId="{4AF2A981-35D8-4ACE-9612-233F36F63DA9}" type="pres">
+      <dgm:prSet presAssocID="{B241629D-DB68-4493-8049-BB69FB425E0F}" presName="thickLine" presStyleLbl="alignNode1" presStyleIdx="0" presStyleCnt="9"/>
+      <dgm:spPr/>
+    </dgm:pt>
+    <dgm:pt modelId="{A3A738B7-7E7C-4EE4-A949-639EDE689082}" type="pres">
+      <dgm:prSet presAssocID="{B241629D-DB68-4493-8049-BB69FB425E0F}" presName="horz1" presStyleCnt="0"/>
+      <dgm:spPr/>
+    </dgm:pt>
+    <dgm:pt modelId="{630AD22B-AD4F-4252-A0C7-9AEB231BC13D}" type="pres">
+      <dgm:prSet presAssocID="{B241629D-DB68-4493-8049-BB69FB425E0F}" presName="tx1" presStyleLbl="revTx" presStyleIdx="0" presStyleCnt="9"/>
+      <dgm:spPr/>
+    </dgm:pt>
+    <dgm:pt modelId="{611C7478-F8F7-4ED8-99A3-6A074B2B53DA}" type="pres">
+      <dgm:prSet presAssocID="{B241629D-DB68-4493-8049-BB69FB425E0F}" presName="vert1" presStyleCnt="0"/>
+      <dgm:spPr/>
+    </dgm:pt>
+    <dgm:pt modelId="{3280EF7E-1937-46F0-A330-2D599C908C8E}" type="pres">
+      <dgm:prSet presAssocID="{DA0692DD-3CDD-4C48-9FF6-F61E8E779E7F}" presName="thickLine" presStyleLbl="alignNode1" presStyleIdx="1" presStyleCnt="9"/>
+      <dgm:spPr/>
+    </dgm:pt>
+    <dgm:pt modelId="{C2747A16-CF1F-45AC-8EB1-9739CC99C997}" type="pres">
+      <dgm:prSet presAssocID="{DA0692DD-3CDD-4C48-9FF6-F61E8E779E7F}" presName="horz1" presStyleCnt="0"/>
+      <dgm:spPr/>
+    </dgm:pt>
+    <dgm:pt modelId="{F65EB542-C880-44B2-B6C9-EC59C4DA7FAE}" type="pres">
+      <dgm:prSet presAssocID="{DA0692DD-3CDD-4C48-9FF6-F61E8E779E7F}" presName="tx1" presStyleLbl="revTx" presStyleIdx="1" presStyleCnt="9"/>
+      <dgm:spPr/>
+    </dgm:pt>
+    <dgm:pt modelId="{905B1CB4-C6EF-45F7-8914-46AA31528610}" type="pres">
+      <dgm:prSet presAssocID="{DA0692DD-3CDD-4C48-9FF6-F61E8E779E7F}" presName="vert1" presStyleCnt="0"/>
+      <dgm:spPr/>
+    </dgm:pt>
+    <dgm:pt modelId="{8FC6B7C7-8D00-4BE5-A830-E14C759721C2}" type="pres">
+      <dgm:prSet presAssocID="{06548A58-CEA5-48A7-BD3E-C3AF3DA6ACEF}" presName="thickLine" presStyleLbl="alignNode1" presStyleIdx="2" presStyleCnt="9"/>
+      <dgm:spPr/>
+    </dgm:pt>
+    <dgm:pt modelId="{25F5B776-A224-40F3-8A69-2E7242EAB520}" type="pres">
+      <dgm:prSet presAssocID="{06548A58-CEA5-48A7-BD3E-C3AF3DA6ACEF}" presName="horz1" presStyleCnt="0"/>
+      <dgm:spPr/>
+    </dgm:pt>
+    <dgm:pt modelId="{F96FBA83-5B2B-4F8E-BA6D-7F00091CC6AE}" type="pres">
+      <dgm:prSet presAssocID="{06548A58-CEA5-48A7-BD3E-C3AF3DA6ACEF}" presName="tx1" presStyleLbl="revTx" presStyleIdx="2" presStyleCnt="9"/>
+      <dgm:spPr/>
+    </dgm:pt>
+    <dgm:pt modelId="{553DD48B-25BC-4ADA-825A-4AC770347E8E}" type="pres">
+      <dgm:prSet presAssocID="{06548A58-CEA5-48A7-BD3E-C3AF3DA6ACEF}" presName="vert1" presStyleCnt="0"/>
+      <dgm:spPr/>
+    </dgm:pt>
+    <dgm:pt modelId="{2FADD846-D0D1-481E-AFA1-38CB5B22504E}" type="pres">
+      <dgm:prSet presAssocID="{FE242291-4111-415F-A4F1-300BE0D5A2C1}" presName="thickLine" presStyleLbl="alignNode1" presStyleIdx="3" presStyleCnt="9"/>
+      <dgm:spPr/>
+    </dgm:pt>
+    <dgm:pt modelId="{0840551B-8FDF-4E3B-BB12-0F9333DC7A20}" type="pres">
+      <dgm:prSet presAssocID="{FE242291-4111-415F-A4F1-300BE0D5A2C1}" presName="horz1" presStyleCnt="0"/>
+      <dgm:spPr/>
+    </dgm:pt>
+    <dgm:pt modelId="{E63A8D44-4350-4863-B853-4AF74EC4D0C2}" type="pres">
+      <dgm:prSet presAssocID="{FE242291-4111-415F-A4F1-300BE0D5A2C1}" presName="tx1" presStyleLbl="revTx" presStyleIdx="3" presStyleCnt="9"/>
+      <dgm:spPr/>
+    </dgm:pt>
+    <dgm:pt modelId="{6EAEA945-25AF-49FF-BE2A-E7593F078E02}" type="pres">
+      <dgm:prSet presAssocID="{FE242291-4111-415F-A4F1-300BE0D5A2C1}" presName="vert1" presStyleCnt="0"/>
+      <dgm:spPr/>
+    </dgm:pt>
+    <dgm:pt modelId="{A771632E-A0F3-45FC-BCC8-9CACF661D03E}" type="pres">
+      <dgm:prSet presAssocID="{5B53B642-8E70-47E9-928A-0BA5CF3AB751}" presName="thickLine" presStyleLbl="alignNode1" presStyleIdx="4" presStyleCnt="9"/>
+      <dgm:spPr/>
+    </dgm:pt>
+    <dgm:pt modelId="{8F1CF3AF-77D7-4CE0-99D0-B40EDD0D9204}" type="pres">
+      <dgm:prSet presAssocID="{5B53B642-8E70-47E9-928A-0BA5CF3AB751}" presName="horz1" presStyleCnt="0"/>
+      <dgm:spPr/>
+    </dgm:pt>
+    <dgm:pt modelId="{0D15B0CF-F4E2-4E3C-920E-2F9C4A7613A2}" type="pres">
+      <dgm:prSet presAssocID="{5B53B642-8E70-47E9-928A-0BA5CF3AB751}" presName="tx1" presStyleLbl="revTx" presStyleIdx="4" presStyleCnt="9"/>
+      <dgm:spPr/>
+    </dgm:pt>
+    <dgm:pt modelId="{81C97B3A-535D-4A3B-83F3-258C3F6F1756}" type="pres">
+      <dgm:prSet presAssocID="{5B53B642-8E70-47E9-928A-0BA5CF3AB751}" presName="vert1" presStyleCnt="0"/>
+      <dgm:spPr/>
+    </dgm:pt>
+    <dgm:pt modelId="{752D426A-EABC-49C4-91B2-B95F2AF6DCBF}" type="pres">
+      <dgm:prSet presAssocID="{C06A6736-B56A-4393-B24B-B1F3C2FBEEF8}" presName="thickLine" presStyleLbl="alignNode1" presStyleIdx="5" presStyleCnt="9"/>
+      <dgm:spPr/>
+    </dgm:pt>
+    <dgm:pt modelId="{A156DA23-812E-4028-9724-F87808C1BFC5}" type="pres">
+      <dgm:prSet presAssocID="{C06A6736-B56A-4393-B24B-B1F3C2FBEEF8}" presName="horz1" presStyleCnt="0"/>
+      <dgm:spPr/>
+    </dgm:pt>
+    <dgm:pt modelId="{3A2CB838-902F-4113-B070-72DB6E09AD20}" type="pres">
+      <dgm:prSet presAssocID="{C06A6736-B56A-4393-B24B-B1F3C2FBEEF8}" presName="tx1" presStyleLbl="revTx" presStyleIdx="5" presStyleCnt="9"/>
+      <dgm:spPr/>
+    </dgm:pt>
+    <dgm:pt modelId="{5B40645B-9B7F-4709-8ED7-543B18FD0171}" type="pres">
+      <dgm:prSet presAssocID="{C06A6736-B56A-4393-B24B-B1F3C2FBEEF8}" presName="vert1" presStyleCnt="0"/>
+      <dgm:spPr/>
+    </dgm:pt>
+    <dgm:pt modelId="{771EAFE4-F435-4668-BC3E-8E1BCFD1F045}" type="pres">
+      <dgm:prSet presAssocID="{CAB5E86D-69CB-4003-953B-CAD47905DC4A}" presName="thickLine" presStyleLbl="alignNode1" presStyleIdx="6" presStyleCnt="9"/>
+      <dgm:spPr/>
+    </dgm:pt>
+    <dgm:pt modelId="{67571680-45BE-43D3-9AB0-151045B5C4D4}" type="pres">
+      <dgm:prSet presAssocID="{CAB5E86D-69CB-4003-953B-CAD47905DC4A}" presName="horz1" presStyleCnt="0"/>
+      <dgm:spPr/>
+    </dgm:pt>
+    <dgm:pt modelId="{8E2D731C-CB9C-4B3E-BC66-E026540285CF}" type="pres">
+      <dgm:prSet presAssocID="{CAB5E86D-69CB-4003-953B-CAD47905DC4A}" presName="tx1" presStyleLbl="revTx" presStyleIdx="6" presStyleCnt="9"/>
+      <dgm:spPr/>
+    </dgm:pt>
+    <dgm:pt modelId="{4E6C1C51-7B78-48F0-A9B1-DC28DE040405}" type="pres">
+      <dgm:prSet presAssocID="{CAB5E86D-69CB-4003-953B-CAD47905DC4A}" presName="vert1" presStyleCnt="0"/>
+      <dgm:spPr/>
+    </dgm:pt>
+    <dgm:pt modelId="{E6DD84D5-52AB-4106-9B9D-AC5ED1A74CEC}" type="pres">
+      <dgm:prSet presAssocID="{59F8A2C4-78E0-4F1E-B282-0A5223A8038B}" presName="thickLine" presStyleLbl="alignNode1" presStyleIdx="7" presStyleCnt="9"/>
+      <dgm:spPr/>
+    </dgm:pt>
+    <dgm:pt modelId="{93451561-A09E-491D-B0E1-EFA1053A535A}" type="pres">
+      <dgm:prSet presAssocID="{59F8A2C4-78E0-4F1E-B282-0A5223A8038B}" presName="horz1" presStyleCnt="0"/>
+      <dgm:spPr/>
+    </dgm:pt>
+    <dgm:pt modelId="{C0369B17-E9C1-4FEE-A09B-3384D28D23C0}" type="pres">
+      <dgm:prSet presAssocID="{59F8A2C4-78E0-4F1E-B282-0A5223A8038B}" presName="tx1" presStyleLbl="revTx" presStyleIdx="7" presStyleCnt="9"/>
+      <dgm:spPr/>
+    </dgm:pt>
+    <dgm:pt modelId="{337DA08B-1867-450E-8684-8FE637CB7C30}" type="pres">
+      <dgm:prSet presAssocID="{59F8A2C4-78E0-4F1E-B282-0A5223A8038B}" presName="vert1" presStyleCnt="0"/>
+      <dgm:spPr/>
+    </dgm:pt>
+    <dgm:pt modelId="{145B7708-0613-4880-980B-51A617F25695}" type="pres">
+      <dgm:prSet presAssocID="{76940BE3-690D-47D7-9FA6-9863D022BD9E}" presName="thickLine" presStyleLbl="alignNode1" presStyleIdx="8" presStyleCnt="9"/>
+      <dgm:spPr/>
+    </dgm:pt>
+    <dgm:pt modelId="{859F3BCF-4DE6-4E05-A46B-FCAC19290A0E}" type="pres">
+      <dgm:prSet presAssocID="{76940BE3-690D-47D7-9FA6-9863D022BD9E}" presName="horz1" presStyleCnt="0"/>
+      <dgm:spPr/>
+    </dgm:pt>
+    <dgm:pt modelId="{3C2D384C-4DC4-4F1A-B4D5-2AB8623AB169}" type="pres">
+      <dgm:prSet presAssocID="{76940BE3-690D-47D7-9FA6-9863D022BD9E}" presName="tx1" presStyleLbl="revTx" presStyleIdx="8" presStyleCnt="9"/>
+      <dgm:spPr/>
+    </dgm:pt>
+    <dgm:pt modelId="{D86B871D-86F5-4761-96D3-E0296986123D}" type="pres">
+      <dgm:prSet presAssocID="{76940BE3-690D-47D7-9FA6-9863D022BD9E}" presName="vert1" presStyleCnt="0"/>
+      <dgm:spPr/>
+    </dgm:pt>
+  </dgm:ptLst>
+  <dgm:cxnLst>
+    <dgm:cxn modelId="{FC3A4803-CD1B-47AA-86A5-2B3A9264DC51}" type="presOf" srcId="{FE242291-4111-415F-A4F1-300BE0D5A2C1}" destId="{E63A8D44-4350-4863-B853-4AF74EC4D0C2}" srcOrd="0" destOrd="0" presId="urn:microsoft.com/office/officeart/2008/layout/LinedList"/>
+    <dgm:cxn modelId="{D5C4F107-2D0F-4C9B-84C0-DFFE4273A836}" type="presOf" srcId="{5B53B642-8E70-47E9-928A-0BA5CF3AB751}" destId="{0D15B0CF-F4E2-4E3C-920E-2F9C4A7613A2}" srcOrd="0" destOrd="0" presId="urn:microsoft.com/office/officeart/2008/layout/LinedList"/>
+    <dgm:cxn modelId="{3A241F10-F935-44D4-B44D-E4E35BF6EDE4}" type="presOf" srcId="{CAB5E86D-69CB-4003-953B-CAD47905DC4A}" destId="{8E2D731C-CB9C-4B3E-BC66-E026540285CF}" srcOrd="0" destOrd="0" presId="urn:microsoft.com/office/officeart/2008/layout/LinedList"/>
+    <dgm:cxn modelId="{6A2AAC1D-8127-4F2F-8FEE-EE06708E50E6}" type="presOf" srcId="{DA0692DD-3CDD-4C48-9FF6-F61E8E779E7F}" destId="{F65EB542-C880-44B2-B6C9-EC59C4DA7FAE}" srcOrd="0" destOrd="0" presId="urn:microsoft.com/office/officeart/2008/layout/LinedList"/>
+    <dgm:cxn modelId="{B9AB331F-B349-472A-A4E5-0392DBF546B9}" type="presOf" srcId="{06548A58-CEA5-48A7-BD3E-C3AF3DA6ACEF}" destId="{F96FBA83-5B2B-4F8E-BA6D-7F00091CC6AE}" srcOrd="0" destOrd="0" presId="urn:microsoft.com/office/officeart/2008/layout/LinedList"/>
+    <dgm:cxn modelId="{501DD22F-D3E6-4D04-A28D-0182382089B8}" type="presOf" srcId="{59F8A2C4-78E0-4F1E-B282-0A5223A8038B}" destId="{C0369B17-E9C1-4FEE-A09B-3384D28D23C0}" srcOrd="0" destOrd="0" presId="urn:microsoft.com/office/officeart/2008/layout/LinedList"/>
+    <dgm:cxn modelId="{CCC54C46-C56B-42BA-80B8-F4CC1C997C56}" srcId="{0BEE30E1-9F25-4445-94A2-3F2401EEC1B6}" destId="{FE242291-4111-415F-A4F1-300BE0D5A2C1}" srcOrd="3" destOrd="0" parTransId="{F6A5C357-BD2D-40AD-BEA6-344EF840BFB3}" sibTransId="{56758B05-280D-4526-9A6E-01E4C92B6E66}"/>
+    <dgm:cxn modelId="{19A7DD47-412A-40D2-A116-FB0D16FE9564}" type="presOf" srcId="{76940BE3-690D-47D7-9FA6-9863D022BD9E}" destId="{3C2D384C-4DC4-4F1A-B4D5-2AB8623AB169}" srcOrd="0" destOrd="0" presId="urn:microsoft.com/office/officeart/2008/layout/LinedList"/>
+    <dgm:cxn modelId="{DAD8BF55-6043-4C0D-8202-0B82FE15A0AA}" srcId="{0BEE30E1-9F25-4445-94A2-3F2401EEC1B6}" destId="{DA0692DD-3CDD-4C48-9FF6-F61E8E779E7F}" srcOrd="1" destOrd="0" parTransId="{9F503D7A-0534-42EA-9CF4-25FB62AEA739}" sibTransId="{C1960851-E7AF-4077-A07D-9BB8B32CDDEA}"/>
+    <dgm:cxn modelId="{154205AD-79A3-4FDD-BBB1-7B5FB0E0773F}" type="presOf" srcId="{C06A6736-B56A-4393-B24B-B1F3C2FBEEF8}" destId="{3A2CB838-902F-4113-B070-72DB6E09AD20}" srcOrd="0" destOrd="0" presId="urn:microsoft.com/office/officeart/2008/layout/LinedList"/>
+    <dgm:cxn modelId="{20CD08B8-9AB0-4E0F-A313-972658B3EBDC}" srcId="{0BEE30E1-9F25-4445-94A2-3F2401EEC1B6}" destId="{5B53B642-8E70-47E9-928A-0BA5CF3AB751}" srcOrd="4" destOrd="0" parTransId="{F5F8C8A8-7135-48E2-8AF3-95A6195CC278}" sibTransId="{650656CE-614E-45BB-839D-28D77ED72BCB}"/>
+    <dgm:cxn modelId="{441A3BB9-6C08-4026-B361-F2BC996779FF}" type="presOf" srcId="{B241629D-DB68-4493-8049-BB69FB425E0F}" destId="{630AD22B-AD4F-4252-A0C7-9AEB231BC13D}" srcOrd="0" destOrd="0" presId="urn:microsoft.com/office/officeart/2008/layout/LinedList"/>
+    <dgm:cxn modelId="{D45CB6B9-5F49-4BE6-A56F-2C0B971EBA4A}" srcId="{0BEE30E1-9F25-4445-94A2-3F2401EEC1B6}" destId="{06548A58-CEA5-48A7-BD3E-C3AF3DA6ACEF}" srcOrd="2" destOrd="0" parTransId="{5E00D1EE-2DF6-455A-8B01-645C49A8269D}" sibTransId="{B74A7A6B-3643-4D2E-9E75-D5E091699BFB}"/>
+    <dgm:cxn modelId="{6E8FFCC4-61D8-402D-9BAD-C6F1CC2210CF}" srcId="{0BEE30E1-9F25-4445-94A2-3F2401EEC1B6}" destId="{CAB5E86D-69CB-4003-953B-CAD47905DC4A}" srcOrd="6" destOrd="0" parTransId="{471BC11F-DF1B-4F67-B43E-4ECB045B1CC4}" sibTransId="{B94EAD22-6F72-4A3E-BA75-CDCDA3496321}"/>
+    <dgm:cxn modelId="{493C35D3-23FD-4C0B-9034-FB237F92D32E}" type="presOf" srcId="{0BEE30E1-9F25-4445-94A2-3F2401EEC1B6}" destId="{6A66E136-4A01-4863-85C6-610A7607CAA4}" srcOrd="0" destOrd="0" presId="urn:microsoft.com/office/officeart/2008/layout/LinedList"/>
+    <dgm:cxn modelId="{85A79CD5-C211-4528-B5C7-EA289D896B6D}" srcId="{0BEE30E1-9F25-4445-94A2-3F2401EEC1B6}" destId="{B241629D-DB68-4493-8049-BB69FB425E0F}" srcOrd="0" destOrd="0" parTransId="{6EA2FBEE-3FF1-490F-85B1-A2B04D6C3E5F}" sibTransId="{7BB1A25C-253D-486B-8C76-74EB489B34D7}"/>
+    <dgm:cxn modelId="{85C514EA-704C-4F58-8BAB-53CE99E5C1AE}" srcId="{0BEE30E1-9F25-4445-94A2-3F2401EEC1B6}" destId="{76940BE3-690D-47D7-9FA6-9863D022BD9E}" srcOrd="8" destOrd="0" parTransId="{F4F4F9BF-A510-4B94-942E-482722077E08}" sibTransId="{9F2916B8-1991-4F4A-990F-343D776A74C4}"/>
+    <dgm:cxn modelId="{8B0E2BEC-82CE-4B29-ADF8-FB1E05CB3484}" srcId="{0BEE30E1-9F25-4445-94A2-3F2401EEC1B6}" destId="{59F8A2C4-78E0-4F1E-B282-0A5223A8038B}" srcOrd="7" destOrd="0" parTransId="{57BA4CE4-C4B7-4DA6-9579-B4215920C929}" sibTransId="{031A1E8E-9689-4EDB-9D9E-76287B55831B}"/>
+    <dgm:cxn modelId="{A9FBE5EC-5A8B-4459-9F65-96885E27DB90}" srcId="{0BEE30E1-9F25-4445-94A2-3F2401EEC1B6}" destId="{C06A6736-B56A-4393-B24B-B1F3C2FBEEF8}" srcOrd="5" destOrd="0" parTransId="{6669849C-29F5-4C9D-98D2-DABA077F0AC3}" sibTransId="{4F3795A7-F157-4E95-84BF-A2C34FB9D876}"/>
+    <dgm:cxn modelId="{12E240B2-3ADF-4655-B4E1-9AA1EB4E0989}" type="presParOf" srcId="{6A66E136-4A01-4863-85C6-610A7607CAA4}" destId="{4AF2A981-35D8-4ACE-9612-233F36F63DA9}" srcOrd="0" destOrd="0" presId="urn:microsoft.com/office/officeart/2008/layout/LinedList"/>
+    <dgm:cxn modelId="{E1BC9A9B-7FFD-46C3-874E-293D66A2AC2C}" type="presParOf" srcId="{6A66E136-4A01-4863-85C6-610A7607CAA4}" destId="{A3A738B7-7E7C-4EE4-A949-639EDE689082}" srcOrd="1" destOrd="0" presId="urn:microsoft.com/office/officeart/2008/layout/LinedList"/>
+    <dgm:cxn modelId="{453A90FE-C31E-41DC-898A-1FE90D4B7FB4}" type="presParOf" srcId="{A3A738B7-7E7C-4EE4-A949-639EDE689082}" destId="{630AD22B-AD4F-4252-A0C7-9AEB231BC13D}" srcOrd="0" destOrd="0" presId="urn:microsoft.com/office/officeart/2008/layout/LinedList"/>
+    <dgm:cxn modelId="{EC50AF13-7674-46BD-B944-6BC8A05EDB11}" type="presParOf" srcId="{A3A738B7-7E7C-4EE4-A949-639EDE689082}" destId="{611C7478-F8F7-4ED8-99A3-6A074B2B53DA}" srcOrd="1" destOrd="0" presId="urn:microsoft.com/office/officeart/2008/layout/LinedList"/>
+    <dgm:cxn modelId="{CAEA4959-2048-4EE2-A596-2DA885C32AB6}" type="presParOf" srcId="{6A66E136-4A01-4863-85C6-610A7607CAA4}" destId="{3280EF7E-1937-46F0-A330-2D599C908C8E}" srcOrd="2" destOrd="0" presId="urn:microsoft.com/office/officeart/2008/layout/LinedList"/>
+    <dgm:cxn modelId="{80BC2B6D-C162-49E4-B37B-4B0D0F7AFE07}" type="presParOf" srcId="{6A66E136-4A01-4863-85C6-610A7607CAA4}" destId="{C2747A16-CF1F-45AC-8EB1-9739CC99C997}" srcOrd="3" destOrd="0" presId="urn:microsoft.com/office/officeart/2008/layout/LinedList"/>
+    <dgm:cxn modelId="{EED3E29E-8F75-4732-AD1B-C865DE215CA5}" type="presParOf" srcId="{C2747A16-CF1F-45AC-8EB1-9739CC99C997}" destId="{F65EB542-C880-44B2-B6C9-EC59C4DA7FAE}" srcOrd="0" destOrd="0" presId="urn:microsoft.com/office/officeart/2008/layout/LinedList"/>
+    <dgm:cxn modelId="{D33FAA36-88C5-4497-A391-D6DCFF937CF7}" type="presParOf" srcId="{C2747A16-CF1F-45AC-8EB1-9739CC99C997}" destId="{905B1CB4-C6EF-45F7-8914-46AA31528610}" srcOrd="1" destOrd="0" presId="urn:microsoft.com/office/officeart/2008/layout/LinedList"/>
+    <dgm:cxn modelId="{3F100B7E-9873-4A8A-9327-D1DBC6693863}" type="presParOf" srcId="{6A66E136-4A01-4863-85C6-610A7607CAA4}" destId="{8FC6B7C7-8D00-4BE5-A830-E14C759721C2}" srcOrd="4" destOrd="0" presId="urn:microsoft.com/office/officeart/2008/layout/LinedList"/>
+    <dgm:cxn modelId="{ED46038B-096A-4E99-B2C3-046D85DF3988}" type="presParOf" srcId="{6A66E136-4A01-4863-85C6-610A7607CAA4}" destId="{25F5B776-A224-40F3-8A69-2E7242EAB520}" srcOrd="5" destOrd="0" presId="urn:microsoft.com/office/officeart/2008/layout/LinedList"/>
+    <dgm:cxn modelId="{69D2B4D7-A074-4DCC-8A0B-1D41682978CD}" type="presParOf" srcId="{25F5B776-A224-40F3-8A69-2E7242EAB520}" destId="{F96FBA83-5B2B-4F8E-BA6D-7F00091CC6AE}" srcOrd="0" destOrd="0" presId="urn:microsoft.com/office/officeart/2008/layout/LinedList"/>
+    <dgm:cxn modelId="{5959B8E4-BC4B-4C2B-822A-0930A7C4EFEE}" type="presParOf" srcId="{25F5B776-A224-40F3-8A69-2E7242EAB520}" destId="{553DD48B-25BC-4ADA-825A-4AC770347E8E}" srcOrd="1" destOrd="0" presId="urn:microsoft.com/office/officeart/2008/layout/LinedList"/>
+    <dgm:cxn modelId="{8F7F09AE-3C5F-486D-B484-DB9999BF3F13}" type="presParOf" srcId="{6A66E136-4A01-4863-85C6-610A7607CAA4}" destId="{2FADD846-D0D1-481E-AFA1-38CB5B22504E}" srcOrd="6" destOrd="0" presId="urn:microsoft.com/office/officeart/2008/layout/LinedList"/>
+    <dgm:cxn modelId="{EF31E84A-B2FD-44C6-A32B-3904DFAF3144}" type="presParOf" srcId="{6A66E136-4A01-4863-85C6-610A7607CAA4}" destId="{0840551B-8FDF-4E3B-BB12-0F9333DC7A20}" srcOrd="7" destOrd="0" presId="urn:microsoft.com/office/officeart/2008/layout/LinedList"/>
+    <dgm:cxn modelId="{E8EF55CA-BB2E-4043-A485-E41AFF348492}" type="presParOf" srcId="{0840551B-8FDF-4E3B-BB12-0F9333DC7A20}" destId="{E63A8D44-4350-4863-B853-4AF74EC4D0C2}" srcOrd="0" destOrd="0" presId="urn:microsoft.com/office/officeart/2008/layout/LinedList"/>
+    <dgm:cxn modelId="{A6205604-73D4-40CF-9D5D-8FEF2E35C024}" type="presParOf" srcId="{0840551B-8FDF-4E3B-BB12-0F9333DC7A20}" destId="{6EAEA945-25AF-49FF-BE2A-E7593F078E02}" srcOrd="1" destOrd="0" presId="urn:microsoft.com/office/officeart/2008/layout/LinedList"/>
+    <dgm:cxn modelId="{1EAA2359-FF26-4BD7-84AC-2B2F689A26DB}" type="presParOf" srcId="{6A66E136-4A01-4863-85C6-610A7607CAA4}" destId="{A771632E-A0F3-45FC-BCC8-9CACF661D03E}" srcOrd="8" destOrd="0" presId="urn:microsoft.com/office/officeart/2008/layout/LinedList"/>
+    <dgm:cxn modelId="{3057320E-782B-4FF4-B84E-3CF7EB60D94F}" type="presParOf" srcId="{6A66E136-4A01-4863-85C6-610A7607CAA4}" destId="{8F1CF3AF-77D7-4CE0-99D0-B40EDD0D9204}" srcOrd="9" destOrd="0" presId="urn:microsoft.com/office/officeart/2008/layout/LinedList"/>
+    <dgm:cxn modelId="{A66C583B-EB15-4823-B77B-FB9CD58D0A72}" type="presParOf" srcId="{8F1CF3AF-77D7-4CE0-99D0-B40EDD0D9204}" destId="{0D15B0CF-F4E2-4E3C-920E-2F9C4A7613A2}" srcOrd="0" destOrd="0" presId="urn:microsoft.com/office/officeart/2008/layout/LinedList"/>
+    <dgm:cxn modelId="{C29EEB26-6556-4374-A35F-139DB71070B9}" type="presParOf" srcId="{8F1CF3AF-77D7-4CE0-99D0-B40EDD0D9204}" destId="{81C97B3A-535D-4A3B-83F3-258C3F6F1756}" srcOrd="1" destOrd="0" presId="urn:microsoft.com/office/officeart/2008/layout/LinedList"/>
+    <dgm:cxn modelId="{7AA6287E-23A8-46AE-B5B0-1E187426FB48}" type="presParOf" srcId="{6A66E136-4A01-4863-85C6-610A7607CAA4}" destId="{752D426A-EABC-49C4-91B2-B95F2AF6DCBF}" srcOrd="10" destOrd="0" presId="urn:microsoft.com/office/officeart/2008/layout/LinedList"/>
+    <dgm:cxn modelId="{BF83AC31-2F02-4BE6-B985-C238B7C3BC1A}" type="presParOf" srcId="{6A66E136-4A01-4863-85C6-610A7607CAA4}" destId="{A156DA23-812E-4028-9724-F87808C1BFC5}" srcOrd="11" destOrd="0" presId="urn:microsoft.com/office/officeart/2008/layout/LinedList"/>
+    <dgm:cxn modelId="{A1D98612-BF9B-437F-B6E8-30B3D8251DB2}" type="presParOf" srcId="{A156DA23-812E-4028-9724-F87808C1BFC5}" destId="{3A2CB838-902F-4113-B070-72DB6E09AD20}" srcOrd="0" destOrd="0" presId="urn:microsoft.com/office/officeart/2008/layout/LinedList"/>
+    <dgm:cxn modelId="{20166BCD-0950-4D4A-AF9D-407329058607}" type="presParOf" srcId="{A156DA23-812E-4028-9724-F87808C1BFC5}" destId="{5B40645B-9B7F-4709-8ED7-543B18FD0171}" srcOrd="1" destOrd="0" presId="urn:microsoft.com/office/officeart/2008/layout/LinedList"/>
+    <dgm:cxn modelId="{BEA19B1E-FD1B-4B7F-98C5-3C0F1DACBBE3}" type="presParOf" srcId="{6A66E136-4A01-4863-85C6-610A7607CAA4}" destId="{771EAFE4-F435-4668-BC3E-8E1BCFD1F045}" srcOrd="12" destOrd="0" presId="urn:microsoft.com/office/officeart/2008/layout/LinedList"/>
+    <dgm:cxn modelId="{7BDAE354-ADD8-42AA-8102-03A7BFB75733}" type="presParOf" srcId="{6A66E136-4A01-4863-85C6-610A7607CAA4}" destId="{67571680-45BE-43D3-9AB0-151045B5C4D4}" srcOrd="13" destOrd="0" presId="urn:microsoft.com/office/officeart/2008/layout/LinedList"/>
+    <dgm:cxn modelId="{57B2C6D8-5F6A-4025-A2F7-8EF2F6D21FC1}" type="presParOf" srcId="{67571680-45BE-43D3-9AB0-151045B5C4D4}" destId="{8E2D731C-CB9C-4B3E-BC66-E026540285CF}" srcOrd="0" destOrd="0" presId="urn:microsoft.com/office/officeart/2008/layout/LinedList"/>
+    <dgm:cxn modelId="{7F3219FD-8EDD-4A4F-9F88-25DC627DDC1B}" type="presParOf" srcId="{67571680-45BE-43D3-9AB0-151045B5C4D4}" destId="{4E6C1C51-7B78-48F0-A9B1-DC28DE040405}" srcOrd="1" destOrd="0" presId="urn:microsoft.com/office/officeart/2008/layout/LinedList"/>
+    <dgm:cxn modelId="{EE249544-9731-419A-9D26-1391598903B5}" type="presParOf" srcId="{6A66E136-4A01-4863-85C6-610A7607CAA4}" destId="{E6DD84D5-52AB-4106-9B9D-AC5ED1A74CEC}" srcOrd="14" destOrd="0" presId="urn:microsoft.com/office/officeart/2008/layout/LinedList"/>
+    <dgm:cxn modelId="{D3094286-5E33-42B1-B398-E5A2B9D5666B}" type="presParOf" srcId="{6A66E136-4A01-4863-85C6-610A7607CAA4}" destId="{93451561-A09E-491D-B0E1-EFA1053A535A}" srcOrd="15" destOrd="0" presId="urn:microsoft.com/office/officeart/2008/layout/LinedList"/>
+    <dgm:cxn modelId="{33C4D23F-D054-4073-AC12-92D574C84FB4}" type="presParOf" srcId="{93451561-A09E-491D-B0E1-EFA1053A535A}" destId="{C0369B17-E9C1-4FEE-A09B-3384D28D23C0}" srcOrd="0" destOrd="0" presId="urn:microsoft.com/office/officeart/2008/layout/LinedList"/>
+    <dgm:cxn modelId="{5CB5810C-E540-4D42-AF8D-871CC72CA07F}" type="presParOf" srcId="{93451561-A09E-491D-B0E1-EFA1053A535A}" destId="{337DA08B-1867-450E-8684-8FE637CB7C30}" srcOrd="1" destOrd="0" presId="urn:microsoft.com/office/officeart/2008/layout/LinedList"/>
+    <dgm:cxn modelId="{26BC10C1-6D3A-49FA-B708-8B611C1B9D7C}" type="presParOf" srcId="{6A66E136-4A01-4863-85C6-610A7607CAA4}" destId="{145B7708-0613-4880-980B-51A617F25695}" srcOrd="16" destOrd="0" presId="urn:microsoft.com/office/officeart/2008/layout/LinedList"/>
+    <dgm:cxn modelId="{C8580465-6B1B-4A71-BFE5-C6AC1444B567}" type="presParOf" srcId="{6A66E136-4A01-4863-85C6-610A7607CAA4}" destId="{859F3BCF-4DE6-4E05-A46B-FCAC19290A0E}" srcOrd="17" destOrd="0" presId="urn:microsoft.com/office/officeart/2008/layout/LinedList"/>
+    <dgm:cxn modelId="{F9BF84CC-EAC6-431C-A5F1-63A403CE61BF}" type="presParOf" srcId="{859F3BCF-4DE6-4E05-A46B-FCAC19290A0E}" destId="{3C2D384C-4DC4-4F1A-B4D5-2AB8623AB169}" srcOrd="0" destOrd="0" presId="urn:microsoft.com/office/officeart/2008/layout/LinedList"/>
+    <dgm:cxn modelId="{DAB7DC01-13CA-478F-BF65-0EF7CDDF7CDC}" type="presParOf" srcId="{859F3BCF-4DE6-4E05-A46B-FCAC19290A0E}" destId="{D86B871D-86F5-4761-96D3-E0296986123D}" srcOrd="1" destOrd="0" presId="urn:microsoft.com/office/officeart/2008/layout/LinedList"/>
+  </dgm:cxnLst>
+  <dgm:bg/>
+  <dgm:whole/>
+  <dgm:extLst>
+    <a:ext uri="http://schemas.microsoft.com/office/drawing/2008/diagram">
+      <dsp:dataModelExt xmlns:dsp="http://schemas.microsoft.com/office/drawing/2008/diagram" relId="rId6" minVer="http://schemas.openxmlformats.org/drawingml/2006/diagram"/>
+    </a:ext>
+  </dgm:extLst>
+</dgm:dataModel>
+</file>
+
+<file path=ppt/diagrams/drawing1.xml><?xml version="1.0" encoding="utf-8"?>
+<dsp:drawing xmlns:dgm="http://schemas.openxmlformats.org/drawingml/2006/diagram" xmlns:dsp="http://schemas.microsoft.com/office/drawing/2008/diagram" xmlns:a="http://schemas.openxmlformats.org/drawingml/2006/main">
+  <dsp:spTree>
+    <dsp:nvGrpSpPr>
+      <dsp:cNvPr id="0" name=""/>
+      <dsp:cNvGrpSpPr/>
+    </dsp:nvGrpSpPr>
+    <dsp:grpSpPr/>
+    <dsp:sp modelId="{4AF2A981-35D8-4ACE-9612-233F36F63DA9}">
+      <dsp:nvSpPr>
+        <dsp:cNvPr id="0" name=""/>
+        <dsp:cNvSpPr/>
+      </dsp:nvSpPr>
+      <dsp:spPr>
+        <a:xfrm>
+          <a:off x="0" y="675"/>
+          <a:ext cx="6900512" cy="0"/>
+        </a:xfrm>
+        <a:prstGeom prst="line">
+          <a:avLst/>
+        </a:prstGeom>
+        <a:solidFill>
+          <a:schemeClr val="accent2">
+            <a:hueOff val="0"/>
+            <a:satOff val="0"/>
+            <a:lumOff val="0"/>
+            <a:alphaOff val="0"/>
+          </a:schemeClr>
+        </a:solidFill>
+        <a:ln w="12700" cap="flat" cmpd="sng" algn="ctr">
+          <a:solidFill>
+            <a:schemeClr val="accent2">
+              <a:hueOff val="0"/>
+              <a:satOff val="0"/>
+              <a:lumOff val="0"/>
+              <a:alphaOff val="0"/>
+            </a:schemeClr>
+          </a:solidFill>
+          <a:prstDash val="solid"/>
+          <a:miter lim="800000"/>
+        </a:ln>
+        <a:effectLst/>
+      </dsp:spPr>
+      <dsp:style>
+        <a:lnRef idx="2">
+          <a:scrgbClr r="0" g="0" b="0"/>
+        </a:lnRef>
+        <a:fillRef idx="1">
+          <a:scrgbClr r="0" g="0" b="0"/>
+        </a:fillRef>
+        <a:effectRef idx="0">
+          <a:scrgbClr r="0" g="0" b="0"/>
+        </a:effectRef>
+        <a:fontRef idx="minor">
+          <a:schemeClr val="lt1"/>
+        </a:fontRef>
+      </dsp:style>
+    </dsp:sp>
+    <dsp:sp modelId="{630AD22B-AD4F-4252-A0C7-9AEB231BC13D}">
+      <dsp:nvSpPr>
+        <dsp:cNvPr id="0" name=""/>
+        <dsp:cNvSpPr/>
+      </dsp:nvSpPr>
+      <dsp:spPr>
+        <a:xfrm>
+          <a:off x="0" y="675"/>
+          <a:ext cx="6900512" cy="614976"/>
+        </a:xfrm>
+        <a:prstGeom prst="rect">
+          <a:avLst/>
+        </a:prstGeom>
+        <a:noFill/>
+        <a:ln>
+          <a:noFill/>
+        </a:ln>
+        <a:effectLst/>
+      </dsp:spPr>
+      <dsp:style>
+        <a:lnRef idx="0">
+          <a:scrgbClr r="0" g="0" b="0"/>
+        </a:lnRef>
+        <a:fillRef idx="0">
+          <a:scrgbClr r="0" g="0" b="0"/>
+        </a:fillRef>
+        <a:effectRef idx="0">
+          <a:scrgbClr r="0" g="0" b="0"/>
+        </a:effectRef>
+        <a:fontRef idx="minor"/>
+      </dsp:style>
+      <dsp:txBody>
+        <a:bodyPr spcFirstLastPara="0" vert="horz" wrap="square" lIns="64770" tIns="64770" rIns="64770" bIns="64770" numCol="1" spcCol="1270" anchor="t" anchorCtr="0">
+          <a:noAutofit/>
+        </a:bodyPr>
+        <a:lstStyle/>
+        <a:p>
+          <a:pPr marL="0" lvl="0" indent="0" algn="l" defTabSz="755650">
+            <a:lnSpc>
+              <a:spcPct val="90000"/>
+            </a:lnSpc>
+            <a:spcBef>
+              <a:spcPct val="0"/>
+            </a:spcBef>
+            <a:spcAft>
+              <a:spcPct val="35000"/>
+            </a:spcAft>
+            <a:buNone/>
+          </a:pPr>
+          <a:r>
+            <a:rPr lang="pt-PT" sz="1700" kern="1200"/>
+            <a:t>Criar um site de gestão em ASP.NET para gerir funcionários, produtos e encomendas. </a:t>
+          </a:r>
+          <a:endParaRPr lang="en-US" sz="1700" kern="1200"/>
+        </a:p>
+      </dsp:txBody>
+      <dsp:txXfrm>
+        <a:off x="0" y="675"/>
+        <a:ext cx="6900512" cy="614976"/>
+      </dsp:txXfrm>
+    </dsp:sp>
+    <dsp:sp modelId="{3280EF7E-1937-46F0-A330-2D599C908C8E}">
+      <dsp:nvSpPr>
+        <dsp:cNvPr id="0" name=""/>
+        <dsp:cNvSpPr/>
+      </dsp:nvSpPr>
+      <dsp:spPr>
+        <a:xfrm>
+          <a:off x="0" y="615652"/>
+          <a:ext cx="6900512" cy="0"/>
+        </a:xfrm>
+        <a:prstGeom prst="line">
+          <a:avLst/>
+        </a:prstGeom>
+        <a:solidFill>
+          <a:schemeClr val="accent3">
+            <a:hueOff val="0"/>
+            <a:satOff val="0"/>
+            <a:lumOff val="0"/>
+            <a:alphaOff val="0"/>
+          </a:schemeClr>
+        </a:solidFill>
+        <a:ln w="12700" cap="flat" cmpd="sng" algn="ctr">
+          <a:solidFill>
+            <a:schemeClr val="accent3">
+              <a:hueOff val="0"/>
+              <a:satOff val="0"/>
+              <a:lumOff val="0"/>
+              <a:alphaOff val="0"/>
+            </a:schemeClr>
+          </a:solidFill>
+          <a:prstDash val="solid"/>
+          <a:miter lim="800000"/>
+        </a:ln>
+        <a:effectLst/>
+      </dsp:spPr>
+      <dsp:style>
+        <a:lnRef idx="2">
+          <a:scrgbClr r="0" g="0" b="0"/>
+        </a:lnRef>
+        <a:fillRef idx="1">
+          <a:scrgbClr r="0" g="0" b="0"/>
+        </a:fillRef>
+        <a:effectRef idx="0">
+          <a:scrgbClr r="0" g="0" b="0"/>
+        </a:effectRef>
+        <a:fontRef idx="minor">
+          <a:schemeClr val="lt1"/>
+        </a:fontRef>
+      </dsp:style>
+    </dsp:sp>
+    <dsp:sp modelId="{F65EB542-C880-44B2-B6C9-EC59C4DA7FAE}">
+      <dsp:nvSpPr>
+        <dsp:cNvPr id="0" name=""/>
+        <dsp:cNvSpPr/>
+      </dsp:nvSpPr>
+      <dsp:spPr>
+        <a:xfrm>
+          <a:off x="0" y="615652"/>
+          <a:ext cx="6900512" cy="614976"/>
+        </a:xfrm>
+        <a:prstGeom prst="rect">
+          <a:avLst/>
+        </a:prstGeom>
+        <a:noFill/>
+        <a:ln>
+          <a:noFill/>
+        </a:ln>
+        <a:effectLst/>
+      </dsp:spPr>
+      <dsp:style>
+        <a:lnRef idx="0">
+          <a:scrgbClr r="0" g="0" b="0"/>
+        </a:lnRef>
+        <a:fillRef idx="0">
+          <a:scrgbClr r="0" g="0" b="0"/>
+        </a:fillRef>
+        <a:effectRef idx="0">
+          <a:scrgbClr r="0" g="0" b="0"/>
+        </a:effectRef>
+        <a:fontRef idx="minor"/>
+      </dsp:style>
+      <dsp:txBody>
+        <a:bodyPr spcFirstLastPara="0" vert="horz" wrap="square" lIns="64770" tIns="64770" rIns="64770" bIns="64770" numCol="1" spcCol="1270" anchor="t" anchorCtr="0">
+          <a:noAutofit/>
+        </a:bodyPr>
+        <a:lstStyle/>
+        <a:p>
+          <a:pPr marL="0" lvl="0" indent="0" algn="l" defTabSz="755650">
+            <a:lnSpc>
+              <a:spcPct val="90000"/>
+            </a:lnSpc>
+            <a:spcBef>
+              <a:spcPct val="0"/>
+            </a:spcBef>
+            <a:spcAft>
+              <a:spcPct val="35000"/>
+            </a:spcAft>
+            <a:buNone/>
+          </a:pPr>
+          <a:r>
+            <a:rPr lang="pt-PT" sz="1700" kern="1200"/>
+            <a:t>Encriptar palavras-chave com o RSA no C#; </a:t>
+          </a:r>
+          <a:endParaRPr lang="en-US" sz="1700" kern="1200"/>
+        </a:p>
+      </dsp:txBody>
+      <dsp:txXfrm>
+        <a:off x="0" y="615652"/>
+        <a:ext cx="6900512" cy="614976"/>
+      </dsp:txXfrm>
+    </dsp:sp>
+    <dsp:sp modelId="{8FC6B7C7-8D00-4BE5-A830-E14C759721C2}">
+      <dsp:nvSpPr>
+        <dsp:cNvPr id="0" name=""/>
+        <dsp:cNvSpPr/>
+      </dsp:nvSpPr>
+      <dsp:spPr>
+        <a:xfrm>
+          <a:off x="0" y="1230628"/>
+          <a:ext cx="6900512" cy="0"/>
+        </a:xfrm>
+        <a:prstGeom prst="line">
+          <a:avLst/>
+        </a:prstGeom>
+        <a:solidFill>
+          <a:schemeClr val="accent4">
+            <a:hueOff val="0"/>
+            <a:satOff val="0"/>
+            <a:lumOff val="0"/>
+            <a:alphaOff val="0"/>
+          </a:schemeClr>
+        </a:solidFill>
+        <a:ln w="12700" cap="flat" cmpd="sng" algn="ctr">
+          <a:solidFill>
+            <a:schemeClr val="accent4">
+              <a:hueOff val="0"/>
+              <a:satOff val="0"/>
+              <a:lumOff val="0"/>
+              <a:alphaOff val="0"/>
+            </a:schemeClr>
+          </a:solidFill>
+          <a:prstDash val="solid"/>
+          <a:miter lim="800000"/>
+        </a:ln>
+        <a:effectLst/>
+      </dsp:spPr>
+      <dsp:style>
+        <a:lnRef idx="2">
+          <a:scrgbClr r="0" g="0" b="0"/>
+        </a:lnRef>
+        <a:fillRef idx="1">
+          <a:scrgbClr r="0" g="0" b="0"/>
+        </a:fillRef>
+        <a:effectRef idx="0">
+          <a:scrgbClr r="0" g="0" b="0"/>
+        </a:effectRef>
+        <a:fontRef idx="minor">
+          <a:schemeClr val="lt1"/>
+        </a:fontRef>
+      </dsp:style>
+    </dsp:sp>
+    <dsp:sp modelId="{F96FBA83-5B2B-4F8E-BA6D-7F00091CC6AE}">
+      <dsp:nvSpPr>
+        <dsp:cNvPr id="0" name=""/>
+        <dsp:cNvSpPr/>
+      </dsp:nvSpPr>
+      <dsp:spPr>
+        <a:xfrm>
+          <a:off x="0" y="1230628"/>
+          <a:ext cx="6900512" cy="614976"/>
+        </a:xfrm>
+        <a:prstGeom prst="rect">
+          <a:avLst/>
+        </a:prstGeom>
+        <a:noFill/>
+        <a:ln>
+          <a:noFill/>
+        </a:ln>
+        <a:effectLst/>
+      </dsp:spPr>
+      <dsp:style>
+        <a:lnRef idx="0">
+          <a:scrgbClr r="0" g="0" b="0"/>
+        </a:lnRef>
+        <a:fillRef idx="0">
+          <a:scrgbClr r="0" g="0" b="0"/>
+        </a:fillRef>
+        <a:effectRef idx="0">
+          <a:scrgbClr r="0" g="0" b="0"/>
+        </a:effectRef>
+        <a:fontRef idx="minor"/>
+      </dsp:style>
+      <dsp:txBody>
+        <a:bodyPr spcFirstLastPara="0" vert="horz" wrap="square" lIns="64770" tIns="64770" rIns="64770" bIns="64770" numCol="1" spcCol="1270" anchor="t" anchorCtr="0">
+          <a:noAutofit/>
+        </a:bodyPr>
+        <a:lstStyle/>
+        <a:p>
+          <a:pPr marL="0" lvl="0" indent="0" algn="l" defTabSz="755650">
+            <a:lnSpc>
+              <a:spcPct val="90000"/>
+            </a:lnSpc>
+            <a:spcBef>
+              <a:spcPct val="0"/>
+            </a:spcBef>
+            <a:spcAft>
+              <a:spcPct val="35000"/>
+            </a:spcAft>
+            <a:buNone/>
+          </a:pPr>
+          <a:r>
+            <a:rPr lang="pt-PT" sz="1700" kern="1200"/>
+            <a:t>Desenvolver uma base de dados em SQL server. </a:t>
+          </a:r>
+          <a:endParaRPr lang="en-US" sz="1700" kern="1200"/>
+        </a:p>
+      </dsp:txBody>
+      <dsp:txXfrm>
+        <a:off x="0" y="1230628"/>
+        <a:ext cx="6900512" cy="614976"/>
+      </dsp:txXfrm>
+    </dsp:sp>
+    <dsp:sp modelId="{2FADD846-D0D1-481E-AFA1-38CB5B22504E}">
+      <dsp:nvSpPr>
+        <dsp:cNvPr id="0" name=""/>
+        <dsp:cNvSpPr/>
+      </dsp:nvSpPr>
+      <dsp:spPr>
+        <a:xfrm>
+          <a:off x="0" y="1845605"/>
+          <a:ext cx="6900512" cy="0"/>
+        </a:xfrm>
+        <a:prstGeom prst="line">
+          <a:avLst/>
+        </a:prstGeom>
+        <a:solidFill>
+          <a:schemeClr val="accent5">
+            <a:hueOff val="0"/>
+            <a:satOff val="0"/>
+            <a:lumOff val="0"/>
+            <a:alphaOff val="0"/>
+          </a:schemeClr>
+        </a:solidFill>
+        <a:ln w="12700" cap="flat" cmpd="sng" algn="ctr">
+          <a:solidFill>
+            <a:schemeClr val="accent5">
+              <a:hueOff val="0"/>
+              <a:satOff val="0"/>
+              <a:lumOff val="0"/>
+              <a:alphaOff val="0"/>
+            </a:schemeClr>
+          </a:solidFill>
+          <a:prstDash val="solid"/>
+          <a:miter lim="800000"/>
+        </a:ln>
+        <a:effectLst/>
+      </dsp:spPr>
+      <dsp:style>
+        <a:lnRef idx="2">
+          <a:scrgbClr r="0" g="0" b="0"/>
+        </a:lnRef>
+        <a:fillRef idx="1">
+          <a:scrgbClr r="0" g="0" b="0"/>
+        </a:fillRef>
+        <a:effectRef idx="0">
+          <a:scrgbClr r="0" g="0" b="0"/>
+        </a:effectRef>
+        <a:fontRef idx="minor">
+          <a:schemeClr val="lt1"/>
+        </a:fontRef>
+      </dsp:style>
+    </dsp:sp>
+    <dsp:sp modelId="{E63A8D44-4350-4863-B853-4AF74EC4D0C2}">
+      <dsp:nvSpPr>
+        <dsp:cNvPr id="0" name=""/>
+        <dsp:cNvSpPr/>
+      </dsp:nvSpPr>
+      <dsp:spPr>
+        <a:xfrm>
+          <a:off x="0" y="1845605"/>
+          <a:ext cx="6900512" cy="614976"/>
+        </a:xfrm>
+        <a:prstGeom prst="rect">
+          <a:avLst/>
+        </a:prstGeom>
+        <a:noFill/>
+        <a:ln>
+          <a:noFill/>
+        </a:ln>
+        <a:effectLst/>
+      </dsp:spPr>
+      <dsp:style>
+        <a:lnRef idx="0">
+          <a:scrgbClr r="0" g="0" b="0"/>
+        </a:lnRef>
+        <a:fillRef idx="0">
+          <a:scrgbClr r="0" g="0" b="0"/>
+        </a:fillRef>
+        <a:effectRef idx="0">
+          <a:scrgbClr r="0" g="0" b="0"/>
+        </a:effectRef>
+        <a:fontRef idx="minor"/>
+      </dsp:style>
+      <dsp:txBody>
+        <a:bodyPr spcFirstLastPara="0" vert="horz" wrap="square" lIns="64770" tIns="64770" rIns="64770" bIns="64770" numCol="1" spcCol="1270" anchor="t" anchorCtr="0">
+          <a:noAutofit/>
+        </a:bodyPr>
+        <a:lstStyle/>
+        <a:p>
+          <a:pPr marL="0" lvl="0" indent="0" algn="l" defTabSz="755650">
+            <a:lnSpc>
+              <a:spcPct val="90000"/>
+            </a:lnSpc>
+            <a:spcBef>
+              <a:spcPct val="0"/>
+            </a:spcBef>
+            <a:spcAft>
+              <a:spcPct val="35000"/>
+            </a:spcAft>
+            <a:buNone/>
+          </a:pPr>
+          <a:r>
+            <a:rPr lang="pt-PT" sz="1700" kern="1200"/>
+            <a:t>Criar uma rede para os dois edifícios da empresa Veste Bem. </a:t>
+          </a:r>
+          <a:endParaRPr lang="en-US" sz="1700" kern="1200"/>
+        </a:p>
+      </dsp:txBody>
+      <dsp:txXfrm>
+        <a:off x="0" y="1845605"/>
+        <a:ext cx="6900512" cy="614976"/>
+      </dsp:txXfrm>
+    </dsp:sp>
+    <dsp:sp modelId="{A771632E-A0F3-45FC-BCC8-9CACF661D03E}">
+      <dsp:nvSpPr>
+        <dsp:cNvPr id="0" name=""/>
+        <dsp:cNvSpPr/>
+      </dsp:nvSpPr>
+      <dsp:spPr>
+        <a:xfrm>
+          <a:off x="0" y="2460582"/>
+          <a:ext cx="6900512" cy="0"/>
+        </a:xfrm>
+        <a:prstGeom prst="line">
+          <a:avLst/>
+        </a:prstGeom>
+        <a:solidFill>
+          <a:schemeClr val="accent6">
+            <a:hueOff val="0"/>
+            <a:satOff val="0"/>
+            <a:lumOff val="0"/>
+            <a:alphaOff val="0"/>
+          </a:schemeClr>
+        </a:solidFill>
+        <a:ln w="12700" cap="flat" cmpd="sng" algn="ctr">
+          <a:solidFill>
+            <a:schemeClr val="accent6">
+              <a:hueOff val="0"/>
+              <a:satOff val="0"/>
+              <a:lumOff val="0"/>
+              <a:alphaOff val="0"/>
+            </a:schemeClr>
+          </a:solidFill>
+          <a:prstDash val="solid"/>
+          <a:miter lim="800000"/>
+        </a:ln>
+        <a:effectLst/>
+      </dsp:spPr>
+      <dsp:style>
+        <a:lnRef idx="2">
+          <a:scrgbClr r="0" g="0" b="0"/>
+        </a:lnRef>
+        <a:fillRef idx="1">
+          <a:scrgbClr r="0" g="0" b="0"/>
+        </a:fillRef>
+        <a:effectRef idx="0">
+          <a:scrgbClr r="0" g="0" b="0"/>
+        </a:effectRef>
+        <a:fontRef idx="minor">
+          <a:schemeClr val="lt1"/>
+        </a:fontRef>
+      </dsp:style>
+    </dsp:sp>
+    <dsp:sp modelId="{0D15B0CF-F4E2-4E3C-920E-2F9C4A7613A2}">
+      <dsp:nvSpPr>
+        <dsp:cNvPr id="0" name=""/>
+        <dsp:cNvSpPr/>
+      </dsp:nvSpPr>
+      <dsp:spPr>
+        <a:xfrm>
+          <a:off x="0" y="2460582"/>
+          <a:ext cx="6900512" cy="614976"/>
+        </a:xfrm>
+        <a:prstGeom prst="rect">
+          <a:avLst/>
+        </a:prstGeom>
+        <a:noFill/>
+        <a:ln>
+          <a:noFill/>
+        </a:ln>
+        <a:effectLst/>
+      </dsp:spPr>
+      <dsp:style>
+        <a:lnRef idx="0">
+          <a:scrgbClr r="0" g="0" b="0"/>
+        </a:lnRef>
+        <a:fillRef idx="0">
+          <a:scrgbClr r="0" g="0" b="0"/>
+        </a:fillRef>
+        <a:effectRef idx="0">
+          <a:scrgbClr r="0" g="0" b="0"/>
+        </a:effectRef>
+        <a:fontRef idx="minor"/>
+      </dsp:style>
+      <dsp:txBody>
+        <a:bodyPr spcFirstLastPara="0" vert="horz" wrap="square" lIns="64770" tIns="64770" rIns="64770" bIns="64770" numCol="1" spcCol="1270" anchor="t" anchorCtr="0">
+          <a:noAutofit/>
+        </a:bodyPr>
+        <a:lstStyle/>
+        <a:p>
+          <a:pPr marL="0" lvl="0" indent="0" algn="l" defTabSz="755650">
+            <a:lnSpc>
+              <a:spcPct val="90000"/>
+            </a:lnSpc>
+            <a:spcBef>
+              <a:spcPct val="0"/>
+            </a:spcBef>
+            <a:spcAft>
+              <a:spcPct val="35000"/>
+            </a:spcAft>
+            <a:buNone/>
+          </a:pPr>
+          <a:r>
+            <a:rPr lang="pt-PT" sz="1700" kern="1200"/>
+            <a:t>Criar uma rede virtual para interligar os dois edifícios. </a:t>
+          </a:r>
+          <a:endParaRPr lang="en-US" sz="1700" kern="1200"/>
+        </a:p>
+      </dsp:txBody>
+      <dsp:txXfrm>
+        <a:off x="0" y="2460582"/>
+        <a:ext cx="6900512" cy="614976"/>
+      </dsp:txXfrm>
+    </dsp:sp>
+    <dsp:sp modelId="{752D426A-EABC-49C4-91B2-B95F2AF6DCBF}">
+      <dsp:nvSpPr>
+        <dsp:cNvPr id="0" name=""/>
+        <dsp:cNvSpPr/>
+      </dsp:nvSpPr>
+      <dsp:spPr>
+        <a:xfrm>
+          <a:off x="0" y="3075558"/>
+          <a:ext cx="6900512" cy="0"/>
+        </a:xfrm>
+        <a:prstGeom prst="line">
+          <a:avLst/>
+        </a:prstGeom>
+        <a:solidFill>
+          <a:schemeClr val="accent2">
+            <a:hueOff val="0"/>
+            <a:satOff val="0"/>
+            <a:lumOff val="0"/>
+            <a:alphaOff val="0"/>
+          </a:schemeClr>
+        </a:solidFill>
+        <a:ln w="12700" cap="flat" cmpd="sng" algn="ctr">
+          <a:solidFill>
+            <a:schemeClr val="accent2">
+              <a:hueOff val="0"/>
+              <a:satOff val="0"/>
+              <a:lumOff val="0"/>
+              <a:alphaOff val="0"/>
+            </a:schemeClr>
+          </a:solidFill>
+          <a:prstDash val="solid"/>
+          <a:miter lim="800000"/>
+        </a:ln>
+        <a:effectLst/>
+      </dsp:spPr>
+      <dsp:style>
+        <a:lnRef idx="2">
+          <a:scrgbClr r="0" g="0" b="0"/>
+        </a:lnRef>
+        <a:fillRef idx="1">
+          <a:scrgbClr r="0" g="0" b="0"/>
+        </a:fillRef>
+        <a:effectRef idx="0">
+          <a:scrgbClr r="0" g="0" b="0"/>
+        </a:effectRef>
+        <a:fontRef idx="minor">
+          <a:schemeClr val="lt1"/>
+        </a:fontRef>
+      </dsp:style>
+    </dsp:sp>
+    <dsp:sp modelId="{3A2CB838-902F-4113-B070-72DB6E09AD20}">
+      <dsp:nvSpPr>
+        <dsp:cNvPr id="0" name=""/>
+        <dsp:cNvSpPr/>
+      </dsp:nvSpPr>
+      <dsp:spPr>
+        <a:xfrm>
+          <a:off x="0" y="3075558"/>
+          <a:ext cx="6900512" cy="614976"/>
+        </a:xfrm>
+        <a:prstGeom prst="rect">
+          <a:avLst/>
+        </a:prstGeom>
+        <a:noFill/>
+        <a:ln>
+          <a:noFill/>
+        </a:ln>
+        <a:effectLst/>
+      </dsp:spPr>
+      <dsp:style>
+        <a:lnRef idx="0">
+          <a:scrgbClr r="0" g="0" b="0"/>
+        </a:lnRef>
+        <a:fillRef idx="0">
+          <a:scrgbClr r="0" g="0" b="0"/>
+        </a:fillRef>
+        <a:effectRef idx="0">
+          <a:scrgbClr r="0" g="0" b="0"/>
+        </a:effectRef>
+        <a:fontRef idx="minor"/>
+      </dsp:style>
+      <dsp:txBody>
+        <a:bodyPr spcFirstLastPara="0" vert="horz" wrap="square" lIns="64770" tIns="64770" rIns="64770" bIns="64770" numCol="1" spcCol="1270" anchor="t" anchorCtr="0">
+          <a:noAutofit/>
+        </a:bodyPr>
+        <a:lstStyle/>
+        <a:p>
+          <a:pPr marL="0" lvl="0" indent="0" algn="l" defTabSz="755650">
+            <a:lnSpc>
+              <a:spcPct val="90000"/>
+            </a:lnSpc>
+            <a:spcBef>
+              <a:spcPct val="0"/>
+            </a:spcBef>
+            <a:spcAft>
+              <a:spcPct val="35000"/>
+            </a:spcAft>
+            <a:buNone/>
+          </a:pPr>
+          <a:r>
+            <a:rPr lang="pt-PT" sz="1700" kern="1200"/>
+            <a:t>Desenvolver com recurso ao Cisco Packet Tracer o diagrama da rede. </a:t>
+          </a:r>
+          <a:endParaRPr lang="en-US" sz="1700" kern="1200"/>
+        </a:p>
+      </dsp:txBody>
+      <dsp:txXfrm>
+        <a:off x="0" y="3075558"/>
+        <a:ext cx="6900512" cy="614976"/>
+      </dsp:txXfrm>
+    </dsp:sp>
+    <dsp:sp modelId="{771EAFE4-F435-4668-BC3E-8E1BCFD1F045}">
+      <dsp:nvSpPr>
+        <dsp:cNvPr id="0" name=""/>
+        <dsp:cNvSpPr/>
+      </dsp:nvSpPr>
+      <dsp:spPr>
+        <a:xfrm>
+          <a:off x="0" y="3690535"/>
+          <a:ext cx="6900512" cy="0"/>
+        </a:xfrm>
+        <a:prstGeom prst="line">
+          <a:avLst/>
+        </a:prstGeom>
+        <a:solidFill>
+          <a:schemeClr val="accent3">
+            <a:hueOff val="0"/>
+            <a:satOff val="0"/>
+            <a:lumOff val="0"/>
+            <a:alphaOff val="0"/>
+          </a:schemeClr>
+        </a:solidFill>
+        <a:ln w="12700" cap="flat" cmpd="sng" algn="ctr">
+          <a:solidFill>
+            <a:schemeClr val="accent3">
+              <a:hueOff val="0"/>
+              <a:satOff val="0"/>
+              <a:lumOff val="0"/>
+              <a:alphaOff val="0"/>
+            </a:schemeClr>
+          </a:solidFill>
+          <a:prstDash val="solid"/>
+          <a:miter lim="800000"/>
+        </a:ln>
+        <a:effectLst/>
+      </dsp:spPr>
+      <dsp:style>
+        <a:lnRef idx="2">
+          <a:scrgbClr r="0" g="0" b="0"/>
+        </a:lnRef>
+        <a:fillRef idx="1">
+          <a:scrgbClr r="0" g="0" b="0"/>
+        </a:fillRef>
+        <a:effectRef idx="0">
+          <a:scrgbClr r="0" g="0" b="0"/>
+        </a:effectRef>
+        <a:fontRef idx="minor">
+          <a:schemeClr val="lt1"/>
+        </a:fontRef>
+      </dsp:style>
+    </dsp:sp>
+    <dsp:sp modelId="{8E2D731C-CB9C-4B3E-BC66-E026540285CF}">
+      <dsp:nvSpPr>
+        <dsp:cNvPr id="0" name=""/>
+        <dsp:cNvSpPr/>
+      </dsp:nvSpPr>
+      <dsp:spPr>
+        <a:xfrm>
+          <a:off x="0" y="3690535"/>
+          <a:ext cx="6900512" cy="614976"/>
+        </a:xfrm>
+        <a:prstGeom prst="rect">
+          <a:avLst/>
+        </a:prstGeom>
+        <a:noFill/>
+        <a:ln>
+          <a:noFill/>
+        </a:ln>
+        <a:effectLst/>
+      </dsp:spPr>
+      <dsp:style>
+        <a:lnRef idx="0">
+          <a:scrgbClr r="0" g="0" b="0"/>
+        </a:lnRef>
+        <a:fillRef idx="0">
+          <a:scrgbClr r="0" g="0" b="0"/>
+        </a:fillRef>
+        <a:effectRef idx="0">
+          <a:scrgbClr r="0" g="0" b="0"/>
+        </a:effectRef>
+        <a:fontRef idx="minor"/>
+      </dsp:style>
+      <dsp:txBody>
+        <a:bodyPr spcFirstLastPara="0" vert="horz" wrap="square" lIns="64770" tIns="64770" rIns="64770" bIns="64770" numCol="1" spcCol="1270" anchor="t" anchorCtr="0">
+          <a:noAutofit/>
+        </a:bodyPr>
+        <a:lstStyle/>
+        <a:p>
+          <a:pPr marL="0" lvl="0" indent="0" algn="l" defTabSz="755650">
+            <a:lnSpc>
+              <a:spcPct val="90000"/>
+            </a:lnSpc>
+            <a:spcBef>
+              <a:spcPct val="0"/>
+            </a:spcBef>
+            <a:spcAft>
+              <a:spcPct val="35000"/>
+            </a:spcAft>
+            <a:buNone/>
+          </a:pPr>
+          <a:r>
+            <a:rPr lang="pt-PT" sz="1700" kern="1200"/>
+            <a:t>Atribuir os IPs a cada ponto de rede. </a:t>
+          </a:r>
+          <a:endParaRPr lang="en-US" sz="1700" kern="1200"/>
+        </a:p>
+      </dsp:txBody>
+      <dsp:txXfrm>
+        <a:off x="0" y="3690535"/>
+        <a:ext cx="6900512" cy="614976"/>
+      </dsp:txXfrm>
+    </dsp:sp>
+    <dsp:sp modelId="{E6DD84D5-52AB-4106-9B9D-AC5ED1A74CEC}">
+      <dsp:nvSpPr>
+        <dsp:cNvPr id="0" name=""/>
+        <dsp:cNvSpPr/>
+      </dsp:nvSpPr>
+      <dsp:spPr>
+        <a:xfrm>
+          <a:off x="0" y="4305512"/>
+          <a:ext cx="6900512" cy="0"/>
+        </a:xfrm>
+        <a:prstGeom prst="line">
+          <a:avLst/>
+        </a:prstGeom>
+        <a:solidFill>
+          <a:schemeClr val="accent4">
+            <a:hueOff val="0"/>
+            <a:satOff val="0"/>
+            <a:lumOff val="0"/>
+            <a:alphaOff val="0"/>
+          </a:schemeClr>
+        </a:solidFill>
+        <a:ln w="12700" cap="flat" cmpd="sng" algn="ctr">
+          <a:solidFill>
+            <a:schemeClr val="accent4">
+              <a:hueOff val="0"/>
+              <a:satOff val="0"/>
+              <a:lumOff val="0"/>
+              <a:alphaOff val="0"/>
+            </a:schemeClr>
+          </a:solidFill>
+          <a:prstDash val="solid"/>
+          <a:miter lim="800000"/>
+        </a:ln>
+        <a:effectLst/>
+      </dsp:spPr>
+      <dsp:style>
+        <a:lnRef idx="2">
+          <a:scrgbClr r="0" g="0" b="0"/>
+        </a:lnRef>
+        <a:fillRef idx="1">
+          <a:scrgbClr r="0" g="0" b="0"/>
+        </a:fillRef>
+        <a:effectRef idx="0">
+          <a:scrgbClr r="0" g="0" b="0"/>
+        </a:effectRef>
+        <a:fontRef idx="minor">
+          <a:schemeClr val="lt1"/>
+        </a:fontRef>
+      </dsp:style>
+    </dsp:sp>
+    <dsp:sp modelId="{C0369B17-E9C1-4FEE-A09B-3384D28D23C0}">
+      <dsp:nvSpPr>
+        <dsp:cNvPr id="0" name=""/>
+        <dsp:cNvSpPr/>
+      </dsp:nvSpPr>
+      <dsp:spPr>
+        <a:xfrm>
+          <a:off x="0" y="4305512"/>
+          <a:ext cx="6900512" cy="614976"/>
+        </a:xfrm>
+        <a:prstGeom prst="rect">
+          <a:avLst/>
+        </a:prstGeom>
+        <a:noFill/>
+        <a:ln>
+          <a:noFill/>
+        </a:ln>
+        <a:effectLst/>
+      </dsp:spPr>
+      <dsp:style>
+        <a:lnRef idx="0">
+          <a:scrgbClr r="0" g="0" b="0"/>
+        </a:lnRef>
+        <a:fillRef idx="0">
+          <a:scrgbClr r="0" g="0" b="0"/>
+        </a:fillRef>
+        <a:effectRef idx="0">
+          <a:scrgbClr r="0" g="0" b="0"/>
+        </a:effectRef>
+        <a:fontRef idx="minor"/>
+      </dsp:style>
+      <dsp:txBody>
+        <a:bodyPr spcFirstLastPara="0" vert="horz" wrap="square" lIns="64770" tIns="64770" rIns="64770" bIns="64770" numCol="1" spcCol="1270" anchor="t" anchorCtr="0">
+          <a:noAutofit/>
+        </a:bodyPr>
+        <a:lstStyle/>
+        <a:p>
+          <a:pPr marL="0" lvl="0" indent="0" algn="l" defTabSz="755650">
+            <a:lnSpc>
+              <a:spcPct val="90000"/>
+            </a:lnSpc>
+            <a:spcBef>
+              <a:spcPct val="0"/>
+            </a:spcBef>
+            <a:spcAft>
+              <a:spcPct val="35000"/>
+            </a:spcAft>
+            <a:buNone/>
+          </a:pPr>
+          <a:r>
+            <a:rPr lang="pt-PT" sz="1700" kern="1200"/>
+            <a:t>Criar Vlans entre os departamentos da sede de Secção de Vendas e a Direção. </a:t>
+          </a:r>
+          <a:endParaRPr lang="en-US" sz="1700" kern="1200"/>
+        </a:p>
+      </dsp:txBody>
+      <dsp:txXfrm>
+        <a:off x="0" y="4305512"/>
+        <a:ext cx="6900512" cy="614976"/>
+      </dsp:txXfrm>
+    </dsp:sp>
+    <dsp:sp modelId="{145B7708-0613-4880-980B-51A617F25695}">
+      <dsp:nvSpPr>
+        <dsp:cNvPr id="0" name=""/>
+        <dsp:cNvSpPr/>
+      </dsp:nvSpPr>
+      <dsp:spPr>
+        <a:xfrm>
+          <a:off x="0" y="4920488"/>
+          <a:ext cx="6900512" cy="0"/>
+        </a:xfrm>
+        <a:prstGeom prst="line">
+          <a:avLst/>
+        </a:prstGeom>
+        <a:solidFill>
+          <a:schemeClr val="accent5">
+            <a:hueOff val="0"/>
+            <a:satOff val="0"/>
+            <a:lumOff val="0"/>
+            <a:alphaOff val="0"/>
+          </a:schemeClr>
+        </a:solidFill>
+        <a:ln w="12700" cap="flat" cmpd="sng" algn="ctr">
+          <a:solidFill>
+            <a:schemeClr val="accent5">
+              <a:hueOff val="0"/>
+              <a:satOff val="0"/>
+              <a:lumOff val="0"/>
+              <a:alphaOff val="0"/>
+            </a:schemeClr>
+          </a:solidFill>
+          <a:prstDash val="solid"/>
+          <a:miter lim="800000"/>
+        </a:ln>
+        <a:effectLst/>
+      </dsp:spPr>
+      <dsp:style>
+        <a:lnRef idx="2">
+          <a:scrgbClr r="0" g="0" b="0"/>
+        </a:lnRef>
+        <a:fillRef idx="1">
+          <a:scrgbClr r="0" g="0" b="0"/>
+        </a:fillRef>
+        <a:effectRef idx="0">
+          <a:scrgbClr r="0" g="0" b="0"/>
+        </a:effectRef>
+        <a:fontRef idx="minor">
+          <a:schemeClr val="lt1"/>
+        </a:fontRef>
+      </dsp:style>
+    </dsp:sp>
+    <dsp:sp modelId="{3C2D384C-4DC4-4F1A-B4D5-2AB8623AB169}">
+      <dsp:nvSpPr>
+        <dsp:cNvPr id="0" name=""/>
+        <dsp:cNvSpPr/>
+      </dsp:nvSpPr>
+      <dsp:spPr>
+        <a:xfrm>
+          <a:off x="0" y="4920488"/>
+          <a:ext cx="6900512" cy="614976"/>
+        </a:xfrm>
+        <a:prstGeom prst="rect">
+          <a:avLst/>
+        </a:prstGeom>
+        <a:noFill/>
+        <a:ln>
+          <a:noFill/>
+        </a:ln>
+        <a:effectLst/>
+      </dsp:spPr>
+      <dsp:style>
+        <a:lnRef idx="0">
+          <a:scrgbClr r="0" g="0" b="0"/>
+        </a:lnRef>
+        <a:fillRef idx="0">
+          <a:scrgbClr r="0" g="0" b="0"/>
+        </a:fillRef>
+        <a:effectRef idx="0">
+          <a:scrgbClr r="0" g="0" b="0"/>
+        </a:effectRef>
+        <a:fontRef idx="minor"/>
+      </dsp:style>
+      <dsp:txBody>
+        <a:bodyPr spcFirstLastPara="0" vert="horz" wrap="square" lIns="64770" tIns="64770" rIns="64770" bIns="64770" numCol="1" spcCol="1270" anchor="t" anchorCtr="0">
+          <a:noAutofit/>
+        </a:bodyPr>
+        <a:lstStyle/>
+        <a:p>
+          <a:pPr marL="0" lvl="0" indent="0" algn="l" defTabSz="755650">
+            <a:lnSpc>
+              <a:spcPct val="90000"/>
+            </a:lnSpc>
+            <a:spcBef>
+              <a:spcPct val="0"/>
+            </a:spcBef>
+            <a:spcAft>
+              <a:spcPct val="35000"/>
+            </a:spcAft>
+            <a:buNone/>
+          </a:pPr>
+          <a:r>
+            <a:rPr lang="pt-PT" sz="1700" kern="1200"/>
+            <a:t>Estabelecer a ligação entre a sede e a sucursal de setúbal. </a:t>
+          </a:r>
+          <a:endParaRPr lang="en-US" sz="1700" kern="1200"/>
+        </a:p>
+      </dsp:txBody>
+      <dsp:txXfrm>
+        <a:off x="0" y="4920488"/>
+        <a:ext cx="6900512" cy="614976"/>
+      </dsp:txXfrm>
+    </dsp:sp>
+  </dsp:spTree>
+</dsp:drawing>
+</file>
+
+<file path=ppt/diagrams/layout1.xml><?xml version="1.0" encoding="utf-8"?>
+<dgm:layoutDef xmlns:dgm="http://schemas.openxmlformats.org/drawingml/2006/diagram" xmlns:a="http://schemas.openxmlformats.org/drawingml/2006/main" uniqueId="urn:microsoft.com/office/officeart/2008/layout/LinedList">
+  <dgm:title val=""/>
+  <dgm:desc val=""/>
+  <dgm:catLst>
+    <dgm:cat type="hierarchy" pri="8000"/>
+    <dgm:cat type="list" pri="2500"/>
+  </dgm:catLst>
+  <dgm:sampData>
+    <dgm:dataModel>
+      <dgm:ptLst>
+        <dgm:pt modelId="0" type="doc"/>
+        <dgm:pt modelId="1">
+          <dgm:prSet phldr="1"/>
+        </dgm:pt>
+        <dgm:pt modelId="11">
+          <dgm:prSet phldr="1"/>
+        </dgm:pt>
+        <dgm:pt modelId="12">
+          <dgm:prSet phldr="1"/>
+        </dgm:pt>
+        <dgm:pt modelId="13">
+          <dgm:prSet phldr="1"/>
+        </dgm:pt>
+      </dgm:ptLst>
+      <dgm:cxnLst>
+        <dgm:cxn modelId="2" srcId="0" destId="1" srcOrd="0" destOrd="0"/>
+        <dgm:cxn modelId="3" srcId="1" destId="11" srcOrd="0" destOrd="0"/>
+        <dgm:cxn modelId="4" srcId="1" destId="12" srcOrd="1" destOrd="0"/>
+        <dgm:cxn modelId="5" srcId="1" destId="13" srcOrd="2" destOrd="0"/>
+      </dgm:cxnLst>
+      <dgm:bg/>
+      <dgm:whole/>
+    </dgm:dataModel>
+  </dgm:sampData>
+  <dgm:styleData>
+    <dgm:dataModel>
+      <dgm:ptLst>
+        <dgm:pt modelId="0" type="doc"/>
+        <dgm:pt modelId="1">
+          <dgm:prSet phldr="1"/>
+        </dgm:pt>
+        <dgm:pt modelId="11">
+          <dgm:prSet phldr="1"/>
+        </dgm:pt>
+        <dgm:pt modelId="12">
+          <dgm:prSet phldr="1"/>
+        </dgm:pt>
+      </dgm:ptLst>
+      <dgm:cxnLst>
+        <dgm:cxn modelId="2" srcId="0" destId="1" srcOrd="0" destOrd="0"/>
+        <dgm:cxn modelId="3" srcId="1" destId="11" srcOrd="0" destOrd="0"/>
+        <dgm:cxn modelId="4" srcId="1" destId="12" srcOrd="1" destOrd="0"/>
+      </dgm:cxnLst>
+      <dgm:bg/>
+      <dgm:whole/>
+    </dgm:dataModel>
+  </dgm:styleData>
+  <dgm:clrData>
+    <dgm:dataModel>
+      <dgm:ptLst>
+        <dgm:pt modelId="0" type="doc"/>
+        <dgm:pt modelId="1">
+          <dgm:prSet phldr="1"/>
+        </dgm:pt>
+        <dgm:pt modelId="11">
+          <dgm:prSet phldr="1"/>
+        </dgm:pt>
+        <dgm:pt modelId="12">
+          <dgm:prSet phldr="1"/>
+        </dgm:pt>
+      </dgm:ptLst>
+      <dgm:cxnLst>
+        <dgm:cxn modelId="2" srcId="0" destId="1" srcOrd="0" destOrd="0"/>
+        <dgm:cxn modelId="3" srcId="1" destId="11" srcOrd="0" destOrd="0"/>
+        <dgm:cxn modelId="4" srcId="1" destId="12" srcOrd="1" destOrd="0"/>
+      </dgm:cxnLst>
+      <dgm:bg/>
+      <dgm:whole/>
+    </dgm:dataModel>
+  </dgm:clrData>
+  <dgm:layoutNode name="vert0">
+    <dgm:varLst>
+      <dgm:dir/>
+      <dgm:animOne val="branch"/>
+      <dgm:animLvl val="lvl"/>
+    </dgm:varLst>
+    <dgm:choose name="Name0">
+      <dgm:if name="Name1" func="var" arg="dir" op="equ" val="norm">
+        <dgm:alg type="lin">
+          <dgm:param type="linDir" val="fromT"/>
+          <dgm:param type="nodeHorzAlign" val="l"/>
+        </dgm:alg>
+      </dgm:if>
+      <dgm:else name="Name2">
+        <dgm:alg type="lin">
+          <dgm:param type="linDir" val="fromT"/>
+          <dgm:param type="nodeHorzAlign" val="r"/>
+        </dgm:alg>
+      </dgm:else>
+    </dgm:choose>
+    <dgm:shape xmlns:r="http://schemas.openxmlformats.org/officeDocument/2006/relationships" r:blip="">
+      <dgm:adjLst/>
+    </dgm:shape>
+    <dgm:presOf/>
+    <dgm:constrLst>
+      <dgm:constr type="w" for="ch" forName="horz1" refType="w"/>
+      <dgm:constr type="h" for="ch" forName="horz1" refType="h"/>
+      <dgm:constr type="h" for="des" forName="vert1" refType="h"/>
+      <dgm:constr type="h" for="des" forName="tx1" refType="h"/>
+      <dgm:constr type="h" for="des" forName="horz2" refType="h"/>
+      <dgm:constr type="h" for="des" forName="vert2" refType="h"/>
+      <dgm:constr type="h" for="des" forName="horz3" refType="h"/>
+      <dgm:constr type="h" for="des" forName="vert3" refType="h"/>
+      <dgm:constr type="h" for="des" forName="horz4" refType="h"/>
+      <dgm:constr type="h" for="des" ptType="node" refType="h"/>
+      <dgm:constr type="primFontSz" for="des" forName="tx1" op="equ" val="65"/>
+      <dgm:constr type="primFontSz" for="des" forName="tx2" op="equ" val="65"/>
+      <dgm:constr type="primFontSz" for="des" forName="tx3" op="equ" val="65"/>
+      <dgm:constr type="primFontSz" for="des" forName="tx4" op="equ" val="65"/>
+      <dgm:constr type="w" for="des" forName="thickLine" refType="w"/>
+      <dgm:constr type="h" for="des" forName="thickLine"/>
+      <dgm:constr type="h" for="des" forName="thinLine1"/>
+      <dgm:constr type="h" for="des" forName="thinLine2b"/>
+      <dgm:constr type="h" for="des" forName="thinLine3"/>
+      <dgm:constr type="h" for="des" forName="vertSpace2a" refType="h" fact="0.05"/>
+      <dgm:constr type="h" for="des" forName="vertSpace2b" refType="h" refFor="des" refForName="vertSpace2a"/>
+    </dgm:constrLst>
+    <dgm:forEach name="Name3" axis="ch" ptType="node">
+      <dgm:layoutNode name="thickLine" styleLbl="alignNode1">
+        <dgm:alg type="sp"/>
+        <dgm:shape xmlns:r="http://schemas.openxmlformats.org/officeDocument/2006/relationships" type="line" r:blip="">
+          <dgm:adjLst/>
+        </dgm:shape>
+        <dgm:presOf/>
+      </dgm:layoutNode>
+      <dgm:layoutNode name="horz1">
+        <dgm:choose name="Name4">
+          <dgm:if name="Name5" func="var" arg="dir" op="equ" val="norm">
+            <dgm:alg type="lin">
+              <dgm:param type="linDir" val="fromL"/>
+              <dgm:param type="nodeVertAlign" val="t"/>
+            </dgm:alg>
+          </dgm:if>
+          <dgm:else name="Name6">
+            <dgm:alg type="lin">
+              <dgm:param type="linDir" val="fromR"/>
+              <dgm:param type="nodeVertAlign" val="t"/>
+            </dgm:alg>
+          </dgm:else>
+        </dgm:choose>
+        <dgm:shape xmlns:r="http://schemas.openxmlformats.org/officeDocument/2006/relationships" r:blip="">
+          <dgm:adjLst/>
+        </dgm:shape>
+        <dgm:presOf/>
+        <dgm:choose name="Name7">
+          <dgm:if name="Name8" axis="root des" func="maxDepth" op="equ" val="1">
+            <dgm:constrLst>
+              <dgm:constr type="w" for="ch" forName="tx1" refType="w"/>
+            </dgm:constrLst>
+          </dgm:if>
+          <dgm:if name="Name9" axis="root des" func="maxDepth" op="equ" val="2">
+            <dgm:constrLst>
+              <dgm:constr type="w" for="ch" forName="tx1" refType="w" fact="0.2"/>
+              <dgm:constr type="w" for="des" forName="tx2" refType="w" fact="0.785"/>
+              <dgm:constr type="w" for="des" forName="horzSpace2" refType="w" fact="0.015"/>
+              <dgm:constr type="w" for="des" forName="thinLine2b" refType="w" fact="0.8"/>
+            </dgm:constrLst>
+          </dgm:if>
+          <dgm:if name="Name10" axis="root des" func="maxDepth" op="equ" val="3">
+            <dgm:constrLst>
+              <dgm:constr type="w" for="ch" forName="tx1" refType="w" fact="0.2"/>
+              <dgm:constr type="w" for="des" forName="tx2" refType="w" fact="0.385"/>
+              <dgm:constr type="w" for="des" forName="tx3" refType="w" fact="0.385"/>
+              <dgm:constr type="w" for="des" forName="horzSpace2" refType="w" fact="0.015"/>
+              <dgm:constr type="w" for="des" forName="horzSpace3" refType="w" fact="0.015"/>
+              <dgm:constr type="w" for="des" forName="thinLine2b" refType="w" fact="0.8"/>
+              <dgm:constr type="w" for="des" forName="thinLine3" refType="w" fact="0.385"/>
+            </dgm:constrLst>
+          </dgm:if>
+          <dgm:if name="Name11" axis="root des" func="maxDepth" op="gte" val="4">
+            <dgm:constrLst>
+              <dgm:constr type="w" for="ch" forName="tx1" refType="w" fact="0.2"/>
+              <dgm:constr type="w" for="des" forName="tx2" refType="w" fact="0.2516"/>
+              <dgm:constr type="w" for="des" forName="tx3" refType="w" fact="0.2516"/>
+              <dgm:constr type="w" for="des" forName="tx4" refType="w" fact="0.2516"/>
+              <dgm:constr type="w" for="des" forName="horzSpace2" refType="w" fact="0.015"/>
+              <dgm:constr type="w" for="des" forName="horzSpace3" refType="w" fact="0.015"/>
+              <dgm:constr type="w" for="des" forName="horzSpace4" refType="w" fact="0.015"/>
+              <dgm:constr type="w" for="des" forName="thinLine2b" refType="w" fact="0.8"/>
+              <dgm:constr type="w" for="des" forName="thinLine3" refType="w" fact="0.5332"/>
+            </dgm:constrLst>
+          </dgm:if>
+          <dgm:else name="Name12"/>
+        </dgm:choose>
+        <dgm:layoutNode name="tx1" styleLbl="revTx">
+          <dgm:alg type="tx">
+            <dgm:param type="parTxLTRAlign" val="l"/>
+            <dgm:param type="parTxRTLAlign" val="r"/>
+            <dgm:param type="txAnchorVert" val="t"/>
+          </dgm:alg>
+          <dgm:shape xmlns:r="http://schemas.openxmlformats.org/officeDocument/2006/relationships" type="rect" r:blip="">
+            <dgm:adjLst/>
+          </dgm:shape>
+          <dgm:presOf axis="self"/>
+          <dgm:constrLst>
+            <dgm:constr type="tMarg" refType="primFontSz" fact="0.3"/>
+            <dgm:constr type="bMarg" refType="primFontSz" fact="0.3"/>
+            <dgm:constr type="lMarg" refType="primFontSz" fact="0.3"/>
+            <dgm:constr type="rMarg" refType="primFontSz" fact="0.3"/>
+          </dgm:constrLst>
+          <dgm:ruleLst>
+            <dgm:rule type="primFontSz" val="5" fact="NaN" max="NaN"/>
+          </dgm:ruleLst>
+        </dgm:layoutNode>
+        <dgm:layoutNode name="vert1">
+          <dgm:choose name="Name13">
+            <dgm:if name="Name14" func="var" arg="dir" op="equ" val="norm">
+              <dgm:alg type="lin">
+                <dgm:param type="linDir" val="fromT"/>
+                <dgm:param type="nodeHorzAlign" val="l"/>
+              </dgm:alg>
+            </dgm:if>
+            <dgm:else name="Name15">
+              <dgm:alg type="lin">
+                <dgm:param type="linDir" val="fromT"/>
+                <dgm:param type="nodeHorzAlign" val="r"/>
+              </dgm:alg>
+            </dgm:else>
+          </dgm:choose>
+          <dgm:shape xmlns:r="http://schemas.openxmlformats.org/officeDocument/2006/relationships" r:blip="">
+            <dgm:adjLst/>
+          </dgm:shape>
+          <dgm:presOf/>
+          <dgm:forEach name="Name16" axis="ch" ptType="node">
+            <dgm:choose name="Name17">
+              <dgm:if name="Name18" axis="self" ptType="node" func="pos" op="equ" val="1">
+                <dgm:layoutNode name="vertSpace2a">
+                  <dgm:alg type="sp"/>
+                  <dgm:shape xmlns:r="http://schemas.openxmlformats.org/officeDocument/2006/relationships" r:blip="">
+                    <dgm:adjLst/>
+                  </dgm:shape>
+                  <dgm:presOf/>
+                </dgm:layoutNode>
+              </dgm:if>
+              <dgm:else name="Name19"/>
+            </dgm:choose>
+            <dgm:layoutNode name="horz2">
+              <dgm:choose name="Name20">
+                <dgm:if name="Name21" func="var" arg="dir" op="equ" val="norm">
+                  <dgm:alg type="lin">
+                    <dgm:param type="linDir" val="fromL"/>
+                    <dgm:param type="nodeVertAlign" val="t"/>
+                  </dgm:alg>
+                </dgm:if>
+                <dgm:else name="Name22">
+                  <dgm:alg type="lin">
+                    <dgm:param type="linDir" val="fromR"/>
+                    <dgm:param type="nodeVertAlign" val="t"/>
+                  </dgm:alg>
+                </dgm:else>
+              </dgm:choose>
+              <dgm:shape xmlns:r="http://schemas.openxmlformats.org/officeDocument/2006/relationships" r:blip="">
+                <dgm:adjLst/>
+              </dgm:shape>
+              <dgm:presOf/>
+              <dgm:layoutNode name="horzSpace2">
+                <dgm:alg type="sp"/>
+                <dgm:shape xmlns:r="http://schemas.openxmlformats.org/officeDocument/2006/relationships" r:blip="">
+                  <dgm:adjLst/>
+                </dgm:shape>
+                <dgm:presOf/>
+              </dgm:layoutNode>
+              <dgm:layoutNode name="tx2" styleLbl="revTx">
+                <dgm:alg type="tx">
+                  <dgm:param type="parTxLTRAlign" val="l"/>
+                  <dgm:param type="parTxRTLAlign" val="r"/>
+                  <dgm:param type="txAnchorVert" val="t"/>
+                </dgm:alg>
+                <dgm:shape xmlns:r="http://schemas.openxmlformats.org/officeDocument/2006/relationships" type="rect" r:blip="">
+                  <dgm:adjLst/>
+                </dgm:shape>
+                <dgm:presOf axis="self"/>
+                <dgm:constrLst>
+                  <dgm:constr type="tMarg" refType="primFontSz" fact="0.3"/>
+                  <dgm:constr type="bMarg" refType="primFontSz" fact="0.3"/>
+                  <dgm:constr type="lMarg" refType="primFontSz" fact="0.3"/>
+                  <dgm:constr type="rMarg" refType="primFontSz" fact="0.3"/>
+                </dgm:constrLst>
+                <dgm:ruleLst>
+                  <dgm:rule type="primFontSz" val="5" fact="NaN" max="NaN"/>
+                </dgm:ruleLst>
+              </dgm:layoutNode>
+              <dgm:layoutNode name="vert2">
+                <dgm:choose name="Name23">
+                  <dgm:if name="Name24" func="var" arg="dir" op="equ" val="norm">
+                    <dgm:alg type="lin">
+                      <dgm:param type="linDir" val="fromT"/>
+                      <dgm:param type="nodeHorzAlign" val="l"/>
+                    </dgm:alg>
+                  </dgm:if>
+                  <dgm:else name="Name25">
+                    <dgm:alg type="lin">
+                      <dgm:param type="linDir" val="fromT"/>
+                      <dgm:param type="nodeHorzAlign" val="r"/>
+                    </dgm:alg>
+                  </dgm:else>
+                </dgm:choose>
+                <dgm:shape xmlns:r="http://schemas.openxmlformats.org/officeDocument/2006/relationships" r:blip="">
+                  <dgm:adjLst/>
+                </dgm:shape>
+                <dgm:presOf/>
+                <dgm:forEach name="Name26" axis="ch" ptType="node">
+                  <dgm:layoutNode name="horz3">
+                    <dgm:choose name="Name27">
+                      <dgm:if name="Name28" func="var" arg="dir" op="equ" val="norm">
+                        <dgm:alg type="lin">
+                          <dgm:param type="linDir" val="fromL"/>
+                          <dgm:param type="nodeVertAlign" val="t"/>
+                        </dgm:alg>
+                      </dgm:if>
+                      <dgm:else name="Name29">
+                        <dgm:alg type="lin">
+                          <dgm:param type="linDir" val="fromR"/>
+                          <dgm:param type="nodeVertAlign" val="t"/>
+                        </dgm:alg>
+                      </dgm:else>
+                    </dgm:choose>
+                    <dgm:shape xmlns:r="http://schemas.openxmlformats.org/officeDocument/2006/relationships" r:blip="">
+                      <dgm:adjLst/>
+                    </dgm:shape>
+                    <dgm:presOf/>
+                    <dgm:layoutNode name="horzSpace3">
+                      <dgm:alg type="sp"/>
+                      <dgm:shape xmlns:r="http://schemas.openxmlformats.org/officeDocument/2006/relationships" r:blip="">
+                        <dgm:adjLst/>
+                      </dgm:shape>
+                      <dgm:presOf/>
+                    </dgm:layoutNode>
+                    <dgm:layoutNode name="tx3" styleLbl="revTx">
+                      <dgm:alg type="tx">
+                        <dgm:param type="parTxLTRAlign" val="l"/>
+                        <dgm:param type="parTxRTLAlign" val="r"/>
+                        <dgm:param type="txAnchorVert" val="t"/>
+                      </dgm:alg>
+                      <dgm:shape xmlns:r="http://schemas.openxmlformats.org/officeDocument/2006/relationships" type="rect" r:blip="">
+                        <dgm:adjLst/>
+                      </dgm:shape>
+                      <dgm:presOf axis="self"/>
+                      <dgm:constrLst>
+                        <dgm:constr type="tMarg" refType="primFontSz" fact="0.3"/>
+                        <dgm:constr type="bMarg" refType="primFontSz" fact="0.3"/>
+                        <dgm:constr type="lMarg" refType="primFontSz" fact="0.3"/>
+                        <dgm:constr type="rMarg" refType="primFontSz" fact="0.3"/>
+                      </dgm:constrLst>
+                      <dgm:ruleLst>
+                        <dgm:rule type="primFontSz" val="5" fact="NaN" max="NaN"/>
+                      </dgm:ruleLst>
+                    </dgm:layoutNode>
+                    <dgm:layoutNode name="vert3">
+                      <dgm:choose name="Name30">
+                        <dgm:if name="Name31" func="var" arg="dir" op="equ" val="norm">
+                          <dgm:alg type="lin">
+                            <dgm:param type="linDir" val="fromT"/>
+                            <dgm:param type="nodeHorzAlign" val="l"/>
+                          </dgm:alg>
+                        </dgm:if>
+                        <dgm:else name="Name32">
+                          <dgm:alg type="lin">
+                            <dgm:param type="linDir" val="fromT"/>
+                            <dgm:param type="nodeHorzAlign" val="r"/>
+                          </dgm:alg>
+                        </dgm:else>
+                      </dgm:choose>
+                      <dgm:shape xmlns:r="http://schemas.openxmlformats.org/officeDocument/2006/relationships" r:blip="">
+                        <dgm:adjLst/>
+                      </dgm:shape>
+                      <dgm:presOf/>
+                      <dgm:forEach name="Name33" axis="ch" ptType="node">
+                        <dgm:layoutNode name="horz4">
+                          <dgm:choose name="Name34">
+                            <dgm:if name="Name35" func="var" arg="dir" op="equ" val="norm">
+                              <dgm:alg type="lin">
+                                <dgm:param type="linDir" val="fromL"/>
+                                <dgm:param type="nodeVertAlign" val="t"/>
+                              </dgm:alg>
+                            </dgm:if>
+                            <dgm:else name="Name36">
+                              <dgm:alg type="lin">
+                                <dgm:param type="linDir" val="fromR"/>
+                                <dgm:param type="nodeVertAlign" val="t"/>
+                              </dgm:alg>
+                            </dgm:else>
+                          </dgm:choose>
+                          <dgm:shape xmlns:r="http://schemas.openxmlformats.org/officeDocument/2006/relationships" r:blip="">
+                            <dgm:adjLst/>
+                          </dgm:shape>
+                          <dgm:presOf/>
+                          <dgm:layoutNode name="horzSpace4">
+                            <dgm:alg type="sp"/>
+                            <dgm:shape xmlns:r="http://schemas.openxmlformats.org/officeDocument/2006/relationships" r:blip="">
+                              <dgm:adjLst/>
+                            </dgm:shape>
+                            <dgm:presOf/>
+                          </dgm:layoutNode>
+                          <dgm:layoutNode name="tx4" styleLbl="revTx">
+                            <dgm:varLst>
+                              <dgm:bulletEnabled val="1"/>
+                            </dgm:varLst>
+                            <dgm:alg type="tx">
+                              <dgm:param type="parTxLTRAlign" val="l"/>
+                              <dgm:param type="parTxRTLAlign" val="r"/>
+                              <dgm:param type="txAnchorVert" val="t"/>
+                            </dgm:alg>
+                            <dgm:shape xmlns:r="http://schemas.openxmlformats.org/officeDocument/2006/relationships" type="rect" r:blip="">
+                              <dgm:adjLst/>
+                            </dgm:shape>
+                            <dgm:presOf axis="desOrSelf" ptType="node"/>
+                            <dgm:constrLst>
+                              <dgm:constr type="tMarg" refType="primFontSz" fact="0.3"/>
+                              <dgm:constr type="bMarg" refType="primFontSz" fact="0.3"/>
+                              <dgm:constr type="lMarg" refType="primFontSz" fact="0.3"/>
+                              <dgm:constr type="rMarg" refType="primFontSz" fact="0.3"/>
+                            </dgm:constrLst>
+                            <dgm:ruleLst>
+                              <dgm:rule type="primFontSz" val="5" fact="NaN" max="NaN"/>
+                            </dgm:ruleLst>
+                          </dgm:layoutNode>
+                        </dgm:layoutNode>
+                      </dgm:forEach>
+                    </dgm:layoutNode>
+                  </dgm:layoutNode>
+                  <dgm:forEach name="Name37" axis="followSib" ptType="sibTrans" cnt="1">
+                    <dgm:layoutNode name="thinLine3" styleLbl="callout">
+                      <dgm:alg type="sp"/>
+                      <dgm:shape xmlns:r="http://schemas.openxmlformats.org/officeDocument/2006/relationships" type="line" r:blip="">
+                        <dgm:adjLst/>
+                      </dgm:shape>
+                      <dgm:presOf/>
+                    </dgm:layoutNode>
+                  </dgm:forEach>
+                </dgm:forEach>
+              </dgm:layoutNode>
+            </dgm:layoutNode>
+            <dgm:layoutNode name="thinLine2b" styleLbl="callout">
+              <dgm:alg type="sp"/>
+              <dgm:shape xmlns:r="http://schemas.openxmlformats.org/officeDocument/2006/relationships" type="line" r:blip="">
+                <dgm:adjLst/>
+              </dgm:shape>
+              <dgm:presOf/>
+            </dgm:layoutNode>
+            <dgm:layoutNode name="vertSpace2b">
+              <dgm:alg type="sp"/>
+              <dgm:shape xmlns:r="http://schemas.openxmlformats.org/officeDocument/2006/relationships" r:blip="">
+                <dgm:adjLst/>
+              </dgm:shape>
+              <dgm:presOf/>
+            </dgm:layoutNode>
+          </dgm:forEach>
+        </dgm:layoutNode>
+      </dgm:layoutNode>
+    </dgm:forEach>
+  </dgm:layoutNode>
+</dgm:layoutDef>
+</file>
+
+<file path=ppt/diagrams/quickStyle1.xml><?xml version="1.0" encoding="utf-8"?>
+<dgm:styleDef xmlns:dgm="http://schemas.openxmlformats.org/drawingml/2006/diagram" xmlns:a="http://schemas.openxmlformats.org/drawingml/2006/main" uniqueId="urn:microsoft.com/office/officeart/2005/8/quickstyle/simple1">
+  <dgm:title val=""/>
+  <dgm:desc val=""/>
+  <dgm:catLst>
+    <dgm:cat type="simple" pri="10100"/>
+  </dgm:catLst>
+  <dgm:scene3d>
+    <a:camera prst="orthographicFront"/>
+    <a:lightRig rig="threePt" dir="t"/>
+  </dgm:scene3d>
+  <dgm:styleLbl name="node0">
+    <dgm:scene3d>
+      <a:camera prst="orthographicFront"/>
+      <a:lightRig rig="threePt" dir="t"/>
+    </dgm:scene3d>
+    <dgm:sp3d/>
+    <dgm:txPr/>
+    <dgm:style>
+      <a:lnRef idx="2">
+        <a:scrgbClr r="0" g="0" b="0"/>
+      </a:lnRef>
+      <a:fillRef idx="1">
+        <a:scrgbClr r="0" g="0" b="0"/>
+      </a:fillRef>
+      <a:effectRef idx="0">
+        <a:scrgbClr r="0" g="0" b="0"/>
+      </a:effectRef>
+      <a:fontRef idx="minor">
+        <a:schemeClr val="lt1"/>
+      </a:fontRef>
+    </dgm:style>
+  </dgm:styleLbl>
+  <dgm:styleLbl name="lnNode1">
+    <dgm:scene3d>
+      <a:camera prst="orthographicFront"/>
+      <a:lightRig rig="threePt" dir="t"/>
+    </dgm:scene3d>
+    <dgm:sp3d/>
+    <dgm:txPr/>
+    <dgm:style>
+      <a:lnRef idx="2">
+        <a:scrgbClr r="0" g="0" b="0"/>
+      </a:lnRef>
+      <a:fillRef idx="1">
+        <a:scrgbClr r="0" g="0" b="0"/>
+      </a:fillRef>
+      <a:effectRef idx="0">
+        <a:scrgbClr r="0" g="0" b="0"/>
+      </a:effectRef>
+      <a:fontRef idx="minor">
+        <a:schemeClr val="lt1"/>
+      </a:fontRef>
+    </dgm:style>
+  </dgm:styleLbl>
+  <dgm:styleLbl name="vennNode1">
+    <dgm:scene3d>
+      <a:camera prst="orthographicFront"/>
+      <a:lightRig rig="threePt" dir="t"/>
+    </dgm:scene3d>
+    <dgm:sp3d/>
+    <dgm:txPr/>
+    <dgm:style>
+      <a:lnRef idx="2">
+        <a:scrgbClr r="0" g="0" b="0"/>
+      </a:lnRef>
+      <a:fillRef idx="1">
+        <a:scrgbClr r="0" g="0" b="0"/>
+      </a:fillRef>
+      <a:effectRef idx="0">
+        <a:scrgbClr r="0" g="0" b="0"/>
+      </a:effectRef>
+      <a:fontRef idx="minor">
+        <a:schemeClr val="tx1"/>
+      </a:fontRef>
+    </dgm:style>
+  </dgm:styleLbl>
+  <dgm:styleLbl name="alignNode1">
+    <dgm:scene3d>
+      <a:camera prst="orthographicFront"/>
+      <a:lightRig rig="threePt" dir="t"/>
+    </dgm:scene3d>
+    <dgm:sp3d/>
+    <dgm:txPr/>
+    <dgm:style>
+      <a:lnRef idx="2">
+        <a:scrgbClr r="0" g="0" b="0"/>
+      </a:lnRef>
+      <a:fillRef idx="1">
+        <a:scrgbClr r="0" g="0" b="0"/>
+      </a:fillRef>
+      <a:effectRef idx="0">
+        <a:scrgbClr r="0" g="0" b="0"/>
+      </a:effectRef>
+      <a:fontRef idx="minor">
+        <a:schemeClr val="lt1"/>
+      </a:fontRef>
+    </dgm:style>
+  </dgm:styleLbl>
+  <dgm:styleLbl name="node1">
+    <dgm:scene3d>
+      <a:camera prst="orthographicFront"/>
+      <a:lightRig rig="threePt" dir="t"/>
+    </dgm:scene3d>
+    <dgm:sp3d/>
+    <dgm:txPr/>
+    <dgm:style>
+      <a:lnRef idx="2">
+        <a:scrgbClr r="0" g="0" b="0"/>
+      </a:lnRef>
+      <a:fillRef idx="1">
+        <a:scrgbClr r="0" g="0" b="0"/>
+      </a:fillRef>
+      <a:effectRef idx="0">
+        <a:scrgbClr r="0" g="0" b="0"/>
+      </a:effectRef>
+      <a:fontRef idx="minor">
+        <a:schemeClr val="lt1"/>
+      </a:fontRef>
+    </dgm:style>
+  </dgm:styleLbl>
+  <dgm:styleLbl name="node2">
+    <dgm:scene3d>
+      <a:camera prst="orthographicFront"/>
+      <a:lightRig rig="threePt" dir="t"/>
+    </dgm:scene3d>
+    <dgm:sp3d/>
+    <dgm:txPr/>
+    <dgm:style>
+      <a:lnRef idx="2">
+        <a:scrgbClr r="0" g="0" b="0"/>
+      </a:lnRef>
+      <a:fillRef idx="1">
+        <a:scrgbClr r="0" g="0" b="0"/>
+      </a:fillRef>
+      <a:effectRef idx="0">
+        <a:scrgbClr r="0" g="0" b="0"/>
+      </a:effectRef>
+      <a:fontRef idx="minor">
+        <a:schemeClr val="lt1"/>
+      </a:fontRef>
+    </dgm:style>
+  </dgm:styleLbl>
+  <dgm:styleLbl name="node3">
+    <dgm:scene3d>
+      <a:camera prst="orthographicFront"/>
+      <a:lightRig rig="threePt" dir="t"/>
+    </dgm:scene3d>
+    <dgm:sp3d/>
+    <dgm:txPr/>
+    <dgm:style>
+      <a:lnRef idx="2">
+        <a:scrgbClr r="0" g="0" b="0"/>
+      </a:lnRef>
+      <a:fillRef idx="1">
+        <a:scrgbClr r="0" g="0" b="0"/>
+      </a:fillRef>
+      <a:effectRef idx="0">
+        <a:scrgbClr r="0" g="0" b="0"/>
+      </a:effectRef>
+      <a:fontRef idx="minor">
+        <a:schemeClr val="lt1"/>
+      </a:fontRef>
+    </dgm:style>
+  </dgm:styleLbl>
+  <dgm:styleLbl name="node4">
+    <dgm:scene3d>
+      <a:camera prst="orthographicFront"/>
+      <a:lightRig rig="threePt" dir="t"/>
+    </dgm:scene3d>
+    <dgm:sp3d/>
+    <dgm:txPr/>
+    <dgm:style>
+      <a:lnRef idx="2">
+        <a:scrgbClr r="0" g="0" b="0"/>
+      </a:lnRef>
+      <a:fillRef idx="1">
+        <a:scrgbClr r="0" g="0" b="0"/>
+      </a:fillRef>
+      <a:effectRef idx="0">
+        <a:scrgbClr r="0" g="0" b="0"/>
+      </a:effectRef>
+      <a:fontRef idx="minor">
+        <a:schemeClr val="lt1"/>
+      </a:fontRef>
+    </dgm:style>
+  </dgm:styleLbl>
+  <dgm:styleLbl name="fgImgPlace1">
+    <dgm:scene3d>
+      <a:camera prst="orthographicFront"/>
+      <a:lightRig rig="threePt" dir="t"/>
+    </dgm:scene3d>
+    <dgm:sp3d/>
+    <dgm:txPr/>
+    <dgm:style>
+      <a:lnRef idx="2">
+        <a:scrgbClr r="0" g="0" b="0"/>
+      </a:lnRef>
+      <a:fillRef idx="1">
+        <a:scrgbClr r="0" g="0" b="0"/>
+      </a:fillRef>
+      <a:effectRef idx="0">
+        <a:scrgbClr r="0" g="0" b="0"/>
+      </a:effectRef>
+      <a:fontRef idx="minor"/>
+    </dgm:style>
+  </dgm:styleLbl>
+  <dgm:styleLbl name="alignImgPlace1">
+    <dgm:scene3d>
+      <a:camera prst="orthographicFront"/>
+      <a:lightRig rig="threePt" dir="t"/>
+    </dgm:scene3d>
+    <dgm:sp3d/>
+    <dgm:txPr/>
+    <dgm:style>
+      <a:lnRef idx="2">
+        <a:scrgbClr r="0" g="0" b="0"/>
+      </a:lnRef>
+      <a:fillRef idx="1">
+        <a:scrgbClr r="0" g="0" b="0"/>
+      </a:fillRef>
+      <a:effectRef idx="0">
+        <a:scrgbClr r="0" g="0" b="0"/>
+      </a:effectRef>
+      <a:fontRef idx="minor"/>
+    </dgm:style>
+  </dgm:styleLbl>
+  <dgm:styleLbl name="bgImgPlace1">
+    <dgm:scene3d>
+      <a:camera prst="orthographicFront"/>
+      <a:lightRig rig="threePt" dir="t"/>
+    </dgm:scene3d>
+    <dgm:sp3d/>
+    <dgm:txPr/>
+    <dgm:style>
+      <a:lnRef idx="2">
+        <a:scrgbClr r="0" g="0" b="0"/>
+      </a:lnRef>
+      <a:fillRef idx="1">
+        <a:scrgbClr r="0" g="0" b="0"/>
+      </a:fillRef>
+      <a:effectRef idx="0">
+        <a:scrgbClr r="0" g="0" b="0"/>
+      </a:effectRef>
+      <a:fontRef idx="minor"/>
+    </dgm:style>
+  </dgm:styleLbl>
+  <dgm:styleLbl name="sibTrans2D1">
+    <dgm:scene3d>
+      <a:camera prst="orthographicFront"/>
+      <a:lightRig rig="threePt" dir="t"/>
+    </dgm:scene3d>
+    <dgm:sp3d/>
+    <dgm:txPr/>
+    <dgm:style>
+      <a:lnRef idx="0">
+        <a:scrgbClr r="0" g="0" b="0"/>
+      </a:lnRef>
+      <a:fillRef idx="1">
+        <a:scrgbClr r="0" g="0" b="0"/>
+      </a:fillRef>
+      <a:effectRef idx="0">
+        <a:scrgbClr r="0" g="0" b="0"/>
+      </a:effectRef>
+      <a:fontRef idx="minor">
+        <a:schemeClr val="lt1"/>
+      </a:fontRef>
+    </dgm:style>
+  </dgm:styleLbl>
+  <dgm:styleLbl name="fgSibTrans2D1">
+    <dgm:scene3d>
+      <a:camera prst="orthographicFront"/>
+      <a:lightRig rig="threePt" dir="t"/>
+    </dgm:scene3d>
+    <dgm:sp3d/>
+    <dgm:txPr/>
+    <dgm:style>
+      <a:lnRef idx="0">
+        <a:scrgbClr r="0" g="0" b="0"/>
+      </a:lnRef>
+      <a:fillRef idx="1">
+        <a:scrgbClr r="0" g="0" b="0"/>
+      </a:fillRef>
+      <a:effectRef idx="0">
+        <a:scrgbClr r="0" g="0" b="0"/>
+      </a:effectRef>
+      <a:fontRef idx="minor">
+        <a:schemeClr val="lt1"/>
+      </a:fontRef>
+    </dgm:style>
+  </dgm:styleLbl>
+  <dgm:styleLbl name="bgSibTrans2D1">
+    <dgm:scene3d>
+      <a:camera prst="orthographicFront"/>
+      <a:lightRig rig="threePt" dir="t"/>
+    </dgm:scene3d>
+    <dgm:sp3d/>
+    <dgm:txPr/>
+    <dgm:style>
+      <a:lnRef idx="0">
+        <a:scrgbClr r="0" g="0" b="0"/>
+      </a:lnRef>
+      <a:fillRef idx="1">
+        <a:scrgbClr r="0" g="0" b="0"/>
+      </a:fillRef>
+      <a:effectRef idx="0">
+        <a:scrgbClr r="0" g="0" b="0"/>
+      </a:effectRef>
+      <a:fontRef idx="minor">
+        <a:schemeClr val="lt1"/>
+      </a:fontRef>
+    </dgm:style>
+  </dgm:styleLbl>
+  <dgm:styleLbl name="sibTrans1D1">
+    <dgm:scene3d>
+      <a:camera prst="orthographicFront"/>
+      <a:lightRig rig="threePt" dir="t"/>
+    </dgm:scene3d>
+    <dgm:sp3d/>
+    <dgm:txPr/>
+    <dgm:style>
+      <a:lnRef idx="1">
+        <a:scrgbClr r="0" g="0" b="0"/>
+      </a:lnRef>
+      <a:fillRef idx="0">
+        <a:scrgbClr r="0" g="0" b="0"/>
+      </a:fillRef>
+      <a:effectRef idx="0">
+        <a:scrgbClr r="0" g="0" b="0"/>
+      </a:effectRef>
+      <a:fontRef idx="minor"/>
+    </dgm:style>
+  </dgm:styleLbl>
+  <dgm:styleLbl name="callout">
+    <dgm:scene3d>
+      <a:camera prst="orthographicFront"/>
+      <a:lightRig rig="threePt" dir="t"/>
+    </dgm:scene3d>
+    <dgm:sp3d/>
+    <dgm:txPr/>
+    <dgm:style>
+      <a:lnRef idx="2">
+        <a:scrgbClr r="0" g="0" b="0"/>
+      </a:lnRef>
+      <a:fillRef idx="1">
+        <a:scrgbClr r="0" g="0" b="0"/>
+      </a:fillRef>
+      <a:effectRef idx="0">
+        <a:scrgbClr r="0" g="0" b="0"/>
+      </a:effectRef>
+      <a:fontRef idx="minor"/>
+    </dgm:style>
+  </dgm:styleLbl>
+  <dgm:styleLbl name="asst0">
+    <dgm:scene3d>
+      <a:camera prst="orthographicFront"/>
+      <a:lightRig rig="threePt" dir="t"/>
+    </dgm:scene3d>
+    <dgm:sp3d/>
+    <dgm:txPr/>
+    <dgm:style>
+      <a:lnRef idx="2">
+        <a:scrgbClr r="0" g="0" b="0"/>
+      </a:lnRef>
+      <a:fillRef idx="1">
+        <a:scrgbClr r="0" g="0" b="0"/>
+      </a:fillRef>
+      <a:effectRef idx="0">
+        <a:scrgbClr r="0" g="0" b="0"/>
+      </a:effectRef>
+      <a:fontRef idx="minor">
+        <a:schemeClr val="lt1"/>
+      </a:fontRef>
+    </dgm:style>
+  </dgm:styleLbl>
+  <dgm:styleLbl name="asst1">
+    <dgm:scene3d>
+      <a:camera prst="orthographicFront"/>
+      <a:lightRig rig="threePt" dir="t"/>
+    </dgm:scene3d>
+    <dgm:sp3d/>
+    <dgm:txPr/>
+    <dgm:style>
+      <a:lnRef idx="2">
+        <a:scrgbClr r="0" g="0" b="0"/>
+      </a:lnRef>
+      <a:fillRef idx="1">
+        <a:scrgbClr r="0" g="0" b="0"/>
+      </a:fillRef>
+      <a:effectRef idx="0">
+        <a:scrgbClr r="0" g="0" b="0"/>
+      </a:effectRef>
+      <a:fontRef idx="minor">
+        <a:schemeClr val="lt1"/>
+      </a:fontRef>
+    </dgm:style>
+  </dgm:styleLbl>
+  <dgm:styleLbl name="asst2">
+    <dgm:scene3d>
+      <a:camera prst="orthographicFront"/>
+      <a:lightRig rig="threePt" dir="t"/>
+    </dgm:scene3d>
+    <dgm:sp3d/>
+    <dgm:txPr/>
+    <dgm:style>
+      <a:lnRef idx="2">
+        <a:scrgbClr r="0" g="0" b="0"/>
+      </a:lnRef>
+      <a:fillRef idx="1">
+        <a:scrgbClr r="0" g="0" b="0"/>
+      </a:fillRef>
+      <a:effectRef idx="0">
+        <a:scrgbClr r="0" g="0" b="0"/>
+      </a:effectRef>
+      <a:fontRef idx="minor">
+        <a:schemeClr val="lt1"/>
+      </a:fontRef>
+    </dgm:style>
+  </dgm:styleLbl>
+  <dgm:styleLbl name="asst3">
+    <dgm:scene3d>
+      <a:camera prst="orthographicFront"/>
+      <a:lightRig rig="threePt" dir="t"/>
+    </dgm:scene3d>
+    <dgm:sp3d/>
+    <dgm:txPr/>
+    <dgm:style>
+      <a:lnRef idx="2">
+        <a:scrgbClr r="0" g="0" b="0"/>
+      </a:lnRef>
+      <a:fillRef idx="1">
+        <a:scrgbClr r="0" g="0" b="0"/>
+      </a:fillRef>
+      <a:effectRef idx="0">
+        <a:scrgbClr r="0" g="0" b="0"/>
+      </a:effectRef>
+      <a:fontRef idx="minor">
+        <a:schemeClr val="lt1"/>
+      </a:fontRef>
+    </dgm:style>
+  </dgm:styleLbl>
+  <dgm:styleLbl name="asst4">
+    <dgm:scene3d>
+      <a:camera prst="orthographicFront"/>
+      <a:lightRig rig="threePt" dir="t"/>
+    </dgm:scene3d>
+    <dgm:sp3d/>
+    <dgm:txPr/>
+    <dgm:style>
+      <a:lnRef idx="2">
+        <a:scrgbClr r="0" g="0" b="0"/>
+      </a:lnRef>
+      <a:fillRef idx="1">
+        <a:scrgbClr r="0" g="0" b="0"/>
+      </a:fillRef>
+      <a:effectRef idx="0">
+        <a:scrgbClr r="0" g="0" b="0"/>
+      </a:effectRef>
+      <a:fontRef idx="minor">
+        <a:schemeClr val="lt1"/>
+      </a:fontRef>
+    </dgm:style>
+  </dgm:styleLbl>
+  <dgm:styleLbl name="parChTrans2D1">
+    <dgm:scene3d>
+      <a:camera prst="orthographicFront"/>
+      <a:lightRig rig="threePt" dir="t"/>
+    </dgm:scene3d>
+    <dgm:sp3d/>
+    <dgm:txPr/>
+    <dgm:style>
+      <a:lnRef idx="2">
+        <a:scrgbClr r="0" g="0" b="0"/>
+      </a:lnRef>
+      <a:fillRef idx="1">
+        <a:scrgbClr r="0" g="0" b="0"/>
+      </a:fillRef>
+      <a:effectRef idx="0">
+        <a:scrgbClr r="0" g="0" b="0"/>
+      </a:effectRef>
+      <a:fontRef idx="minor">
+        <a:schemeClr val="lt1"/>
+      </a:fontRef>
+    </dgm:style>
+  </dgm:styleLbl>
+  <dgm:styleLbl name="parChTrans2D2">
+    <dgm:scene3d>
+      <a:camera prst="orthographicFront"/>
+      <a:lightRig rig="threePt" dir="t"/>
+    </dgm:scene3d>
+    <dgm:sp3d/>
+    <dgm:txPr/>
+    <dgm:style>
+      <a:lnRef idx="2">
+        <a:scrgbClr r="0" g="0" b="0"/>
+      </a:lnRef>
+      <a:fillRef idx="1">
+        <a:scrgbClr r="0" g="0" b="0"/>
+      </a:fillRef>
+      <a:effectRef idx="0">
+        <a:scrgbClr r="0" g="0" b="0"/>
+      </a:effectRef>
+      <a:fontRef idx="minor">
+        <a:schemeClr val="lt1"/>
+      </a:fontRef>
+    </dgm:style>
+  </dgm:styleLbl>
+  <dgm:styleLbl name="parChTrans2D3">
+    <dgm:scene3d>
+      <a:camera prst="orthographicFront"/>
+      <a:lightRig rig="threePt" dir="t"/>
+    </dgm:scene3d>
+    <dgm:sp3d/>
+    <dgm:txPr/>
+    <dgm:style>
+      <a:lnRef idx="2">
+        <a:scrgbClr r="0" g="0" b="0"/>
+      </a:lnRef>
+      <a:fillRef idx="1">
+        <a:scrgbClr r="0" g="0" b="0"/>
+      </a:fillRef>
+      <a:effectRef idx="0">
+        <a:scrgbClr r="0" g="0" b="0"/>
+      </a:effectRef>
+      <a:fontRef idx="minor">
+        <a:schemeClr val="lt1"/>
+      </a:fontRef>
+    </dgm:style>
+  </dgm:styleLbl>
+  <dgm:styleLbl name="parChTrans2D4">
+    <dgm:scene3d>
+      <a:camera prst="orthographicFront"/>
+      <a:lightRig rig="threePt" dir="t"/>
+    </dgm:scene3d>
+    <dgm:sp3d/>
+    <dgm:txPr/>
+    <dgm:style>
+      <a:lnRef idx="2">
+        <a:scrgbClr r="0" g="0" b="0"/>
+      </a:lnRef>
+      <a:fillRef idx="1">
+        <a:scrgbClr r="0" g="0" b="0"/>
+      </a:fillRef>
+      <a:effectRef idx="0">
+        <a:scrgbClr r="0" g="0" b="0"/>
+      </a:effectRef>
+      <a:fontRef idx="minor">
+        <a:schemeClr val="lt1"/>
+      </a:fontRef>
+    </dgm:style>
+  </dgm:styleLbl>
+  <dgm:styleLbl name="parChTrans1D1">
+    <dgm:scene3d>
+      <a:camera prst="orthographicFront"/>
+      <a:lightRig rig="threePt" dir="t"/>
+    </dgm:scene3d>
+    <dgm:sp3d/>
+    <dgm:txPr/>
+    <dgm:style>
+      <a:lnRef idx="2">
+        <a:scrgbClr r="0" g="0" b="0"/>
+      </a:lnRef>
+      <a:fillRef idx="0">
+        <a:scrgbClr r="0" g="0" b="0"/>
+      </a:fillRef>
+      <a:effectRef idx="0">
+        <a:scrgbClr r="0" g="0" b="0"/>
+      </a:effectRef>
+      <a:fontRef idx="minor"/>
+    </dgm:style>
+  </dgm:styleLbl>
+  <dgm:styleLbl name="parChTrans1D2">
+    <dgm:scene3d>
+      <a:camera prst="orthographicFront"/>
+      <a:lightRig rig="threePt" dir="t"/>
+    </dgm:scene3d>
+    <dgm:sp3d/>
+    <dgm:txPr/>
+    <dgm:style>
+      <a:lnRef idx="2">
+        <a:scrgbClr r="0" g="0" b="0"/>
+      </a:lnRef>
+      <a:fillRef idx="0">
+        <a:scrgbClr r="0" g="0" b="0"/>
+      </a:fillRef>
+      <a:effectRef idx="0">
+        <a:scrgbClr r="0" g="0" b="0"/>
+      </a:effectRef>
+      <a:fontRef idx="minor"/>
+    </dgm:style>
+  </dgm:styleLbl>
+  <dgm:styleLbl name="parChTrans1D3">
+    <dgm:scene3d>
+      <a:camera prst="orthographicFront"/>
+      <a:lightRig rig="threePt" dir="t"/>
+    </dgm:scene3d>
+    <dgm:sp3d/>
+    <dgm:txPr/>
+    <dgm:style>
+      <a:lnRef idx="2">
+        <a:scrgbClr r="0" g="0" b="0"/>
+      </a:lnRef>
+      <a:fillRef idx="0">
+        <a:scrgbClr r="0" g="0" b="0"/>
+      </a:fillRef>
+      <a:effectRef idx="0">
+        <a:scrgbClr r="0" g="0" b="0"/>
+      </a:effectRef>
+      <a:fontRef idx="minor"/>
+    </dgm:style>
+  </dgm:styleLbl>
+  <dgm:styleLbl name="parChTrans1D4">
+    <dgm:scene3d>
+      <a:camera prst="orthographicFront"/>
+      <a:lightRig rig="threePt" dir="t"/>
+    </dgm:scene3d>
+    <dgm:sp3d/>
+    <dgm:txPr/>
+    <dgm:style>
+      <a:lnRef idx="2">
+        <a:scrgbClr r="0" g="0" b="0"/>
+      </a:lnRef>
+      <a:fillRef idx="0">
+        <a:scrgbClr r="0" g="0" b="0"/>
+      </a:fillRef>
+      <a:effectRef idx="0">
+        <a:scrgbClr r="0" g="0" b="0"/>
+      </a:effectRef>
+      <a:fontRef idx="minor"/>
+    </dgm:style>
+  </dgm:styleLbl>
+  <dgm:styleLbl name="fgAcc1">
+    <dgm:scene3d>
+      <a:camera prst="orthographicFront"/>
+      <a:lightRig rig="threePt" dir="t"/>
+    </dgm:scene3d>
+    <dgm:sp3d/>
+    <dgm:txPr/>
+    <dgm:style>
+      <a:lnRef idx="2">
+        <a:scrgbClr r="0" g="0" b="0"/>
+      </a:lnRef>
+      <a:fillRef idx="1">
+        <a:scrgbClr r="0" g="0" b="0"/>
+      </a:fillRef>
+      <a:effectRef idx="0">
+        <a:scrgbClr r="0" g="0" b="0"/>
+      </a:effectRef>
+      <a:fontRef idx="minor"/>
+    </dgm:style>
+  </dgm:styleLbl>
+  <dgm:styleLbl name="conFgAcc1">
+    <dgm:scene3d>
+      <a:camera prst="orthographicFront"/>
+      <a:lightRig rig="threePt" dir="t"/>
+    </dgm:scene3d>
+    <dgm:sp3d/>
+    <dgm:txPr/>
+    <dgm:style>
+      <a:lnRef idx="2">
+        <a:scrgbClr r="0" g="0" b="0"/>
+      </a:lnRef>
+      <a:fillRef idx="1">
+        <a:scrgbClr r="0" g="0" b="0"/>
+      </a:fillRef>
+      <a:effectRef idx="0">
+        <a:scrgbClr r="0" g="0" b="0"/>
+      </a:effectRef>
+      <a:fontRef idx="minor"/>
+    </dgm:style>
+  </dgm:styleLbl>
+  <dgm:styleLbl name="alignAcc1">
+    <dgm:scene3d>
+      <a:camera prst="orthographicFront"/>
+      <a:lightRig rig="threePt" dir="t"/>
+    </dgm:scene3d>
+    <dgm:sp3d/>
+    <dgm:txPr/>
+    <dgm:style>
+      <a:lnRef idx="2">
+        <a:scrgbClr r="0" g="0" b="0"/>
+      </a:lnRef>
+      <a:fillRef idx="1">
+        <a:scrgbClr r="0" g="0" b="0"/>
+      </a:fillRef>
+      <a:effectRef idx="0">
+        <a:scrgbClr r="0" g="0" b="0"/>
+      </a:effectRef>
+      <a:fontRef idx="minor"/>
+    </dgm:style>
+  </dgm:styleLbl>
+  <dgm:styleLbl name="trAlignAcc1">
+    <dgm:scene3d>
+      <a:camera prst="orthographicFront"/>
+      <a:lightRig rig="threePt" dir="t"/>
+    </dgm:scene3d>
+    <dgm:sp3d/>
+    <dgm:txPr/>
+    <dgm:style>
+      <a:lnRef idx="1">
+        <a:scrgbClr r="0" g="0" b="0"/>
+      </a:lnRef>
+      <a:fillRef idx="1">
+        <a:scrgbClr r="0" g="0" b="0"/>
+      </a:fillRef>
+      <a:effectRef idx="0">
+        <a:scrgbClr r="0" g="0" b="0"/>
+      </a:effectRef>
+      <a:fontRef idx="minor"/>
+    </dgm:style>
+  </dgm:styleLbl>
+  <dgm:styleLbl name="bgAcc1">
+    <dgm:scene3d>
+      <a:camera prst="orthographicFront"/>
+      <a:lightRig rig="threePt" dir="t"/>
+    </dgm:scene3d>
+    <dgm:sp3d/>
+    <dgm:txPr/>
+    <dgm:style>
+      <a:lnRef idx="2">
+        <a:scrgbClr r="0" g="0" b="0"/>
+      </a:lnRef>
+      <a:fillRef idx="1">
+        <a:scrgbClr r="0" g="0" b="0"/>
+      </a:fillRef>
+      <a:effectRef idx="0">
+        <a:scrgbClr r="0" g="0" b="0"/>
+      </a:effectRef>
+      <a:fontRef idx="minor"/>
+    </dgm:style>
+  </dgm:styleLbl>
+  <dgm:styleLbl name="solidFgAcc1">
+    <dgm:scene3d>
+      <a:camera prst="orthographicFront"/>
+      <a:lightRig rig="threePt" dir="t"/>
+    </dgm:scene3d>
+    <dgm:sp3d/>
+    <dgm:txPr/>
+    <dgm:style>
+      <a:lnRef idx="2">
+        <a:scrgbClr r="0" g="0" b="0"/>
+      </a:lnRef>
+      <a:fillRef idx="1">
+        <a:scrgbClr r="0" g="0" b="0"/>
+      </a:fillRef>
+      <a:effectRef idx="0">
+        <a:scrgbClr r="0" g="0" b="0"/>
+      </a:effectRef>
+      <a:fontRef idx="minor"/>
+    </dgm:style>
+  </dgm:styleLbl>
+  <dgm:styleLbl name="solidAlignAcc1">
+    <dgm:scene3d>
+      <a:camera prst="orthographicFront"/>
+      <a:lightRig rig="threePt" dir="t"/>
+    </dgm:scene3d>
+    <dgm:sp3d/>
+    <dgm:txPr/>
+    <dgm:style>
+      <a:lnRef idx="2">
+        <a:scrgbClr r="0" g="0" b="0"/>
+      </a:lnRef>
+      <a:fillRef idx="1">
+        <a:scrgbClr r="0" g="0" b="0"/>
+      </a:fillRef>
+      <a:effectRef idx="0">
+        <a:scrgbClr r="0" g="0" b="0"/>
+      </a:effectRef>
+      <a:fontRef idx="minor"/>
+    </dgm:style>
+  </dgm:styleLbl>
+  <dgm:styleLbl name="solidBgAcc1">
+    <dgm:scene3d>
+      <a:camera prst="orthographicFront"/>
+      <a:lightRig rig="threePt" dir="t"/>
+    </dgm:scene3d>
+    <dgm:sp3d/>
+    <dgm:txPr/>
+    <dgm:style>
+      <a:lnRef idx="2">
+        <a:scrgbClr r="0" g="0" b="0"/>
+      </a:lnRef>
+      <a:fillRef idx="1">
+        <a:scrgbClr r="0" g="0" b="0"/>
+      </a:fillRef>
+      <a:effectRef idx="0">
+        <a:scrgbClr r="0" g="0" b="0"/>
+      </a:effectRef>
+      <a:fontRef idx="minor"/>
+    </dgm:style>
+  </dgm:styleLbl>
+  <dgm:styleLbl name="fgAccFollowNode1">
+    <dgm:scene3d>
+      <a:camera prst="orthographicFront"/>
+      <a:lightRig rig="threePt" dir="t"/>
+    </dgm:scene3d>
+    <dgm:sp3d/>
+    <dgm:txPr/>
+    <dgm:style>
+      <a:lnRef idx="2">
+        <a:scrgbClr r="0" g="0" b="0"/>
+      </a:lnRef>
+      <a:fillRef idx="1">
+        <a:scrgbClr r="0" g="0" b="0"/>
+      </a:fillRef>
+      <a:effectRef idx="0">
+        <a:scrgbClr r="0" g="0" b="0"/>
+      </a:effectRef>
+      <a:fontRef idx="minor"/>
+    </dgm:style>
+  </dgm:styleLbl>
+  <dgm:styleLbl name="alignAccFollowNode1">
+    <dgm:scene3d>
+      <a:camera prst="orthographicFront"/>
+      <a:lightRig rig="threePt" dir="t"/>
+    </dgm:scene3d>
+    <dgm:sp3d/>
+    <dgm:txPr/>
+    <dgm:style>
+      <a:lnRef idx="2">
+        <a:scrgbClr r="0" g="0" b="0"/>
+      </a:lnRef>
+      <a:fillRef idx="1">
+        <a:scrgbClr r="0" g="0" b="0"/>
+      </a:fillRef>
+      <a:effectRef idx="0">
+        <a:scrgbClr r="0" g="0" b="0"/>
+      </a:effectRef>
+      <a:fontRef idx="minor"/>
+    </dgm:style>
+  </dgm:styleLbl>
+  <dgm:styleLbl name="bgAccFollowNode1">
+    <dgm:scene3d>
+      <a:camera prst="orthographicFront"/>
+      <a:lightRig rig="threePt" dir="t"/>
+    </dgm:scene3d>
+    <dgm:sp3d/>
+    <dgm:txPr/>
+    <dgm:style>
+      <a:lnRef idx="2">
+        <a:scrgbClr r="0" g="0" b="0"/>
+      </a:lnRef>
+      <a:fillRef idx="1">
+        <a:scrgbClr r="0" g="0" b="0"/>
+      </a:fillRef>
+      <a:effectRef idx="0">
+        <a:scrgbClr r="0" g="0" b="0"/>
+      </a:effectRef>
+      <a:fontRef idx="minor"/>
+    </dgm:style>
+  </dgm:styleLbl>
+  <dgm:styleLbl name="fgAcc0">
+    <dgm:scene3d>
+      <a:camera prst="orthographicFront"/>
+      <a:lightRig rig="threePt" dir="t"/>
+    </dgm:scene3d>
+    <dgm:sp3d/>
+    <dgm:txPr/>
+    <dgm:style>
+      <a:lnRef idx="2">
+        <a:scrgbClr r="0" g="0" b="0"/>
+      </a:lnRef>
+      <a:fillRef idx="1">
+        <a:scrgbClr r="0" g="0" b="0"/>
+      </a:fillRef>
+      <a:effectRef idx="0">
+        <a:scrgbClr r="0" g="0" b="0"/>
+      </a:effectRef>
+      <a:fontRef idx="minor"/>
+    </dgm:style>
+  </dgm:styleLbl>
+  <dgm:styleLbl name="fgAcc2">
+    <dgm:scene3d>
+      <a:camera prst="orthographicFront"/>
+      <a:lightRig rig="threePt" dir="t"/>
+    </dgm:scene3d>
+    <dgm:sp3d/>
+    <dgm:txPr/>
+    <dgm:style>
+      <a:lnRef idx="2">
+        <a:scrgbClr r="0" g="0" b="0"/>
+      </a:lnRef>
+      <a:fillRef idx="1">
+        <a:scrgbClr r="0" g="0" b="0"/>
+      </a:fillRef>
+      <a:effectRef idx="0">
+        <a:scrgbClr r="0" g="0" b="0"/>
+      </a:effectRef>
+      <a:fontRef idx="minor"/>
+    </dgm:style>
+  </dgm:styleLbl>
+  <dgm:styleLbl name="fgAcc3">
+    <dgm:scene3d>
+      <a:camera prst="orthographicFront"/>
+      <a:lightRig rig="threePt" dir="t"/>
+    </dgm:scene3d>
+    <dgm:sp3d/>
+    <dgm:txPr/>
+    <dgm:style>
+      <a:lnRef idx="2">
+        <a:scrgbClr r="0" g="0" b="0"/>
+      </a:lnRef>
+      <a:fillRef idx="1">
+        <a:scrgbClr r="0" g="0" b="0"/>
+      </a:fillRef>
+      <a:effectRef idx="0">
+        <a:scrgbClr r="0" g="0" b="0"/>
+      </a:effectRef>
+      <a:fontRef idx="minor"/>
+    </dgm:style>
+  </dgm:styleLbl>
+  <dgm:styleLbl name="fgAcc4">
+    <dgm:scene3d>
+      <a:camera prst="orthographicFront"/>
+      <a:lightRig rig="threePt" dir="t"/>
+    </dgm:scene3d>
+    <dgm:sp3d/>
+    <dgm:txPr/>
+    <dgm:style>
+      <a:lnRef idx="2">
+        <a:scrgbClr r="0" g="0" b="0"/>
+      </a:lnRef>
+      <a:fillRef idx="1">
+        <a:scrgbClr r="0" g="0" b="0"/>
+      </a:fillRef>
+      <a:effectRef idx="0">
+        <a:scrgbClr r="0" g="0" b="0"/>
+      </a:effectRef>
+      <a:fontRef idx="minor"/>
+    </dgm:style>
+  </dgm:styleLbl>
+  <dgm:styleLbl name="bgShp">
+    <dgm:scene3d>
+      <a:camera prst="orthographicFront"/>
+      <a:lightRig rig="threePt" dir="t"/>
+    </dgm:scene3d>
+    <dgm:sp3d/>
+    <dgm:txPr/>
+    <dgm:style>
+      <a:lnRef idx="0">
+        <a:scrgbClr r="0" g="0" b="0"/>
+      </a:lnRef>
+      <a:fillRef idx="1">
+        <a:scrgbClr r="0" g="0" b="0"/>
+      </a:fillRef>
+      <a:effectRef idx="0">
+        <a:scrgbClr r="0" g="0" b="0"/>
+      </a:effectRef>
+      <a:fontRef idx="minor"/>
+    </dgm:style>
+  </dgm:styleLbl>
+  <dgm:styleLbl name="dkBgShp">
+    <dgm:scene3d>
+      <a:camera prst="orthographicFront"/>
+      <a:lightRig rig="threePt" dir="t"/>
+    </dgm:scene3d>
+    <dgm:sp3d/>
+    <dgm:txPr/>
+    <dgm:style>
+      <a:lnRef idx="0">
+        <a:scrgbClr r="0" g="0" b="0"/>
+      </a:lnRef>
+      <a:fillRef idx="1">
+        <a:scrgbClr r="0" g="0" b="0"/>
+      </a:fillRef>
+      <a:effectRef idx="0">
+        <a:scrgbClr r="0" g="0" b="0"/>
+      </a:effectRef>
+      <a:fontRef idx="minor"/>
+    </dgm:style>
+  </dgm:styleLbl>
+  <dgm:styleLbl name="trBgShp">
+    <dgm:scene3d>
+      <a:camera prst="orthographicFront"/>
+      <a:lightRig rig="threePt" dir="t"/>
+    </dgm:scene3d>
+    <dgm:sp3d/>
+    <dgm:txPr/>
+    <dgm:style>
+      <a:lnRef idx="0">
+        <a:scrgbClr r="0" g="0" b="0"/>
+      </a:lnRef>
+      <a:fillRef idx="1">
+        <a:scrgbClr r="0" g="0" b="0"/>
+      </a:fillRef>
+      <a:effectRef idx="0">
+        <a:scrgbClr r="0" g="0" b="0"/>
+      </a:effectRef>
+      <a:fontRef idx="minor"/>
+    </dgm:style>
+  </dgm:styleLbl>
+  <dgm:styleLbl name="fgShp">
+    <dgm:scene3d>
+      <a:camera prst="orthographicFront"/>
+      <a:lightRig rig="threePt" dir="t"/>
+    </dgm:scene3d>
+    <dgm:sp3d/>
+    <dgm:txPr/>
+    <dgm:style>
+      <a:lnRef idx="2">
+        <a:scrgbClr r="0" g="0" b="0"/>
+      </a:lnRef>
+      <a:fillRef idx="1">
+        <a:scrgbClr r="0" g="0" b="0"/>
+      </a:fillRef>
+      <a:effectRef idx="0">
+        <a:scrgbClr r="0" g="0" b="0"/>
+      </a:effectRef>
+      <a:fontRef idx="minor"/>
+    </dgm:style>
+  </dgm:styleLbl>
+  <dgm:styleLbl name="revTx">
+    <dgm:scene3d>
+      <a:camera prst="orthographicFront"/>
+      <a:lightRig rig="threePt" dir="t"/>
+    </dgm:scene3d>
+    <dgm:sp3d/>
+    <dgm:txPr/>
+    <dgm:style>
+      <a:lnRef idx="0">
+        <a:scrgbClr r="0" g="0" b="0"/>
+      </a:lnRef>
+      <a:fillRef idx="0">
+        <a:scrgbClr r="0" g="0" b="0"/>
+      </a:fillRef>
+      <a:effectRef idx="0">
+        <a:scrgbClr r="0" g="0" b="0"/>
+      </a:effectRef>
+      <a:fontRef idx="minor"/>
+    </dgm:style>
+  </dgm:styleLbl>
+</dgm:styleDef>
 </file>
 
 <file path=ppt/notesMasters/notesMaster1.xml><?xml version="1.0" encoding="utf-8"?>
@@ -584,8 +4587,8 @@
                 <a:spcPts val="1000"/>
               </a:spcBef>
             </a:pPr>
-            <a:endParaRPr lang="pt-PT" dirty="0">
-              <a:cs typeface="Calibri"/>
+            <a:endParaRPr lang="pt-PT">
+              <a:cs typeface="Calibri" panose="020F0502020204030204"/>
             </a:endParaRPr>
           </a:p>
           <a:p>
@@ -599,19 +4602,16 @@
             </a:pPr>
             <a:r>
               <a:rPr lang="pt-PT">
-                <a:cs typeface="Calibri"/>
+                <a:cs typeface="Calibri" panose="020F0502020204030204"/>
               </a:rPr>
               <a:t>Objetivos da SGBD evitar erros, poupar espaço de memória, evitar perda de tempo e facilitar na pesquisa.</a:t>
             </a:r>
-            <a:endParaRPr lang="pt-PT" dirty="0">
-              <a:cs typeface="Calibri"/>
-            </a:endParaRPr>
           </a:p>
           <a:p>
             <a:pPr marL="228600" indent="-228600">
               <a:buAutoNum type="arabicPeriod"/>
             </a:pPr>
-            <a:endParaRPr lang="en-US" dirty="0">
+            <a:endParaRPr lang="en-US">
               <a:cs typeface="Calibri"/>
             </a:endParaRPr>
           </a:p>
@@ -3665,7 +7665,7 @@
               <a:t>Projeto interdisciplinar  </a:t>
             </a:r>
             <a:br>
-              <a:rPr lang="pt-PT" sz="6200" dirty="0">
+              <a:rPr lang="pt-PT" sz="6200">
                 <a:ea typeface="+mj-lt"/>
                 <a:cs typeface="+mj-lt"/>
               </a:rPr>
@@ -3700,7 +7700,7 @@
           </a:xfrm>
         </p:spPr>
         <p:txBody>
-          <a:bodyPr vert="horz" lIns="91440" tIns="45720" rIns="91440" bIns="45720" rtlCol="0">
+          <a:bodyPr vert="horz" lIns="91440" tIns="45720" rIns="91440" bIns="45720" rtlCol="0" anchor="t">
             <a:normAutofit/>
           </a:bodyPr>
           <a:lstStyle/>
@@ -3711,7 +7711,11 @@
               </a:rPr>
               <a:t>Trabalho realizado por : Marco Henriques e André Custódio</a:t>
             </a:r>
-            <a:endParaRPr lang="pt-PT"/>
+          </a:p>
+          <a:p>
+            <a:endParaRPr lang="pt-PT">
+              <a:cs typeface="Calibri"/>
+            </a:endParaRPr>
           </a:p>
         </p:txBody>
       </p:sp>
@@ -3761,6 +7765,36 @@
           <a:effectLst/>
         </p:spPr>
       </p:sp>
+      <p:pic>
+        <p:nvPicPr>
+          <p:cNvPr id="6" name="Imagem 6" descr="Uma imagem com texto&#10;&#10;Descrição gerada automaticamente">
+            <a:extLst>
+              <a:ext uri="{FF2B5EF4-FFF2-40B4-BE49-F238E27FC236}">
+                <a16:creationId xmlns:a16="http://schemas.microsoft.com/office/drawing/2014/main" id="{485B54C1-9A9F-4877-87C2-7630D28B3210}"/>
+              </a:ext>
+            </a:extLst>
+          </p:cNvPr>
+          <p:cNvPicPr>
+            <a:picLocks noChangeAspect="1"/>
+          </p:cNvPicPr>
+          <p:nvPr/>
+        </p:nvPicPr>
+        <p:blipFill>
+          <a:blip r:embed="rId3"/>
+          <a:stretch>
+            <a:fillRect/>
+          </a:stretch>
+        </p:blipFill>
+        <p:spPr>
+          <a:xfrm>
+            <a:off x="9411419" y="261030"/>
+            <a:ext cx="2743200" cy="843790"/>
+          </a:xfrm>
+          <a:prstGeom prst="rect">
+            <a:avLst/>
+          </a:prstGeom>
+        </p:spPr>
+      </p:pic>
     </p:spTree>
     <p:extLst>
       <p:ext uri="{BB962C8B-B14F-4D97-AF65-F5344CB8AC3E}">
@@ -4031,23 +8065,12 @@
           <a:p>
             <a:pPr algn="ctr"/>
             <a:r>
-              <a:rPr lang="pt-PT" sz="3200" kern="1200">
-                <a:solidFill>
-                  <a:schemeClr val="bg1"/>
-                </a:solidFill>
-                <a:latin typeface="+mj-lt"/>
-                <a:ea typeface="+mj-ea"/>
-                <a:cs typeface="+mj-cs"/>
-              </a:rPr>
-              <a:t>Redes</a:t>
-            </a:r>
-            <a:r>
               <a:rPr lang="pt-PT" sz="3200">
                 <a:solidFill>
                   <a:schemeClr val="bg1"/>
                 </a:solidFill>
               </a:rPr>
-              <a:t> – Mapeamento da delegação de Setúbal</a:t>
+              <a:t> Mapeamento da delegação de Setúbal</a:t>
             </a:r>
             <a:endParaRPr lang="pt-PT" sz="3200" kern="1200" err="1">
               <a:solidFill>
@@ -4306,6 +8329,112 @@
           <a:chExt cx="0" cy="0"/>
         </a:xfrm>
       </p:grpSpPr>
+      <p:sp>
+        <p:nvSpPr>
+          <p:cNvPr id="2" name="Título 1">
+            <a:extLst>
+              <a:ext uri="{FF2B5EF4-FFF2-40B4-BE49-F238E27FC236}">
+                <a16:creationId xmlns:a16="http://schemas.microsoft.com/office/drawing/2014/main" id="{C03F43EE-4158-4956-8E03-AFB6CE59A392}"/>
+              </a:ext>
+            </a:extLst>
+          </p:cNvPr>
+          <p:cNvSpPr>
+            <a:spLocks noGrp="1"/>
+          </p:cNvSpPr>
+          <p:nvPr>
+            <p:ph type="title"/>
+          </p:nvPr>
+        </p:nvSpPr>
+        <p:spPr>
+          <a:xfrm>
+            <a:off x="490778" y="2598964"/>
+            <a:ext cx="3651467" cy="1676603"/>
+          </a:xfrm>
+        </p:spPr>
+        <p:txBody>
+          <a:bodyPr>
+            <a:normAutofit/>
+          </a:bodyPr>
+          <a:lstStyle/>
+          <a:p>
+            <a:r>
+              <a:rPr lang="pt-PT" sz="4800">
+                <a:cs typeface="Calibri Light"/>
+              </a:rPr>
+              <a:t>Diagrama</a:t>
+            </a:r>
+            <a:endParaRPr lang="pt-PT" sz="4800"/>
+          </a:p>
+        </p:txBody>
+      </p:sp>
+      <p:pic>
+        <p:nvPicPr>
+          <p:cNvPr id="4" name="Imagem 4">
+            <a:extLst>
+              <a:ext uri="{FF2B5EF4-FFF2-40B4-BE49-F238E27FC236}">
+                <a16:creationId xmlns:a16="http://schemas.microsoft.com/office/drawing/2014/main" id="{72584F0D-B88D-4C56-B8D6-22920C7975CA}"/>
+              </a:ext>
+            </a:extLst>
+          </p:cNvPr>
+          <p:cNvPicPr>
+            <a:picLocks noChangeAspect="1"/>
+          </p:cNvPicPr>
+          <p:nvPr/>
+        </p:nvPicPr>
+        <p:blipFill rotWithShape="1">
+          <a:blip r:embed="rId2"/>
+          <a:srcRect r="-2" b="3146"/>
+          <a:stretch/>
+        </p:blipFill>
+        <p:spPr>
+          <a:xfrm>
+            <a:off x="3920189" y="10"/>
+            <a:ext cx="8271811" cy="6857990"/>
+          </a:xfrm>
+          <a:prstGeom prst="rect">
+            <a:avLst/>
+          </a:prstGeom>
+          <a:effectLst/>
+        </p:spPr>
+      </p:pic>
+    </p:spTree>
+    <p:extLst>
+      <p:ext uri="{BB962C8B-B14F-4D97-AF65-F5344CB8AC3E}">
+        <p14:creationId xmlns:p14="http://schemas.microsoft.com/office/powerpoint/2010/main" val="976898072"/>
+      </p:ext>
+    </p:extLst>
+  </p:cSld>
+  <p:clrMapOvr>
+    <a:masterClrMapping/>
+  </p:clrMapOvr>
+</p:sld>
+</file>
+
+<file path=ppt/slides/slide13.xml><?xml version="1.0" encoding="utf-8"?>
+<p:sld xmlns:a="http://schemas.openxmlformats.org/drawingml/2006/main" xmlns:r="http://schemas.openxmlformats.org/officeDocument/2006/relationships" xmlns:p="http://schemas.openxmlformats.org/presentationml/2006/main">
+  <p:cSld>
+    <p:bg>
+      <p:bgPr>
+        <a:solidFill>
+          <a:schemeClr val="bg1"/>
+        </a:solidFill>
+        <a:effectLst/>
+      </p:bgPr>
+    </p:bg>
+    <p:spTree>
+      <p:nvGrpSpPr>
+        <p:cNvPr id="1" name=""/>
+        <p:cNvGrpSpPr/>
+        <p:nvPr/>
+      </p:nvGrpSpPr>
+      <p:grpSpPr>
+        <a:xfrm>
+          <a:off x="0" y="0"/>
+          <a:ext cx="0" cy="0"/>
+          <a:chOff x="0" y="0"/>
+          <a:chExt cx="0" cy="0"/>
+        </a:xfrm>
+      </p:grpSpPr>
       <p:sp useBgFill="1">
         <p:nvSpPr>
           <p:cNvPr id="14" name="Rectangle 13">
@@ -4425,7 +8554,7 @@
           <a:lstStyle/>
           <a:p>
             <a:pPr algn="ctr"/>
-            <a:endParaRPr lang="en-US" dirty="0"/>
+            <a:endParaRPr lang="en-US"/>
           </a:p>
         </p:txBody>
       </p:sp>
@@ -4642,7 +8771,7 @@
 </p:sld>
 </file>
 
-<file path=ppt/slides/slide13.xml><?xml version="1.0" encoding="utf-8"?>
+<file path=ppt/slides/slide14.xml><?xml version="1.0" encoding="utf-8"?>
 <p:sld xmlns:a="http://schemas.openxmlformats.org/drawingml/2006/main" xmlns:r="http://schemas.openxmlformats.org/officeDocument/2006/relationships" xmlns:p="http://schemas.openxmlformats.org/presentationml/2006/main">
   <p:cSld>
     <p:bg>
@@ -4764,7 +8893,7 @@
           <a:p>
             <a:pPr algn="ctr"/>
             <a:r>
-              <a:rPr lang="en-US" sz="3600" dirty="0">
+              <a:rPr lang="en-US" sz="3600">
                 <a:solidFill>
                   <a:srgbClr val="FFFFFF"/>
                 </a:solidFill>
@@ -4772,7 +8901,7 @@
               </a:rPr>
               <a:t>Modal Login</a:t>
             </a:r>
-            <a:endParaRPr lang="en-US" sz="3600" kern="1200" dirty="0">
+            <a:endParaRPr lang="en-US" sz="3600" kern="1200">
               <a:solidFill>
                 <a:srgbClr val="FFFFFF"/>
               </a:solidFill>
@@ -4828,7 +8957,7 @@
 </p:sld>
 </file>
 
-<file path=ppt/slides/slide14.xml><?xml version="1.0" encoding="utf-8"?>
+<file path=ppt/slides/slide15.xml><?xml version="1.0" encoding="utf-8"?>
 <p:sld xmlns:a="http://schemas.openxmlformats.org/drawingml/2006/main" xmlns:r="http://schemas.openxmlformats.org/officeDocument/2006/relationships" xmlns:p="http://schemas.openxmlformats.org/presentationml/2006/main">
   <p:cSld>
     <p:bg>
@@ -5171,7 +9300,7 @@
 </p:sld>
 </file>
 
-<file path=ppt/slides/slide15.xml><?xml version="1.0" encoding="utf-8"?>
+<file path=ppt/slides/slide16.xml><?xml version="1.0" encoding="utf-8"?>
 <p:sld xmlns:a="http://schemas.openxmlformats.org/drawingml/2006/main" xmlns:r="http://schemas.openxmlformats.org/officeDocument/2006/relationships" xmlns:p="http://schemas.openxmlformats.org/presentationml/2006/main">
   <p:cSld>
     <p:bg>
@@ -5291,37 +9420,19 @@
           <a:p>
             <a:pPr algn="ctr"/>
             <a:r>
-              <a:rPr lang="en-US" sz="5000" dirty="0" err="1">
+              <a:rPr lang="pt-PT" sz="5000">
                 <a:solidFill>
                   <a:srgbClr val="FFFFFF"/>
                 </a:solidFill>
               </a:rPr>
-              <a:t>Encriptação</a:t>
+              <a:t>Encriptação e desencriptação da password</a:t>
             </a:r>
-            <a:r>
-              <a:rPr lang="en-US" sz="5000" dirty="0">
-                <a:solidFill>
-                  <a:srgbClr val="FFFFFF"/>
-                </a:solidFill>
-              </a:rPr>
-              <a:t> e </a:t>
-            </a:r>
-            <a:r>
-              <a:rPr lang="en-US" sz="5000" dirty="0" err="1">
-                <a:solidFill>
-                  <a:srgbClr val="FFFFFF"/>
-                </a:solidFill>
-              </a:rPr>
-              <a:t>desencriptação</a:t>
-            </a:r>
-            <a:r>
-              <a:rPr lang="en-US" sz="5000" dirty="0">
-                <a:solidFill>
-                  <a:srgbClr val="FFFFFF"/>
-                </a:solidFill>
-              </a:rPr>
-              <a:t> da password</a:t>
-            </a:r>
+            <a:endParaRPr lang="pt-PT" sz="5000">
+              <a:solidFill>
+                <a:srgbClr val="FFFFFF"/>
+              </a:solidFill>
+              <a:cs typeface="Calibri Light"/>
+            </a:endParaRPr>
           </a:p>
         </p:txBody>
       </p:sp>
@@ -5398,8 +9509,8 @@
         </p:blipFill>
         <p:spPr>
           <a:xfrm>
-            <a:off x="6519394" y="2426818"/>
-            <a:ext cx="4697169" cy="4155787"/>
+            <a:off x="6519394" y="2381995"/>
+            <a:ext cx="5100580" cy="4155787"/>
           </a:xfrm>
           <a:prstGeom prst="rect">
             <a:avLst/>
@@ -5502,305 +9613,7 @@
 </p:sld>
 </file>
 
-<file path=ppt/slides/slide16.xml><?xml version="1.0" encoding="utf-8"?>
-<p:sld xmlns:a="http://schemas.openxmlformats.org/drawingml/2006/main" xmlns:r="http://schemas.openxmlformats.org/officeDocument/2006/relationships" xmlns:p="http://schemas.openxmlformats.org/presentationml/2006/main">
-  <p:cSld>
-    <p:spTree>
-      <p:nvGrpSpPr>
-        <p:cNvPr id="1" name=""/>
-        <p:cNvGrpSpPr/>
-        <p:nvPr/>
-      </p:nvGrpSpPr>
-      <p:grpSpPr>
-        <a:xfrm>
-          <a:off x="0" y="0"/>
-          <a:ext cx="0" cy="0"/>
-          <a:chOff x="0" y="0"/>
-          <a:chExt cx="0" cy="0"/>
-        </a:xfrm>
-      </p:grpSpPr>
-      <p:pic>
-        <p:nvPicPr>
-          <p:cNvPr id="5" name="Imagem 5">
-            <a:extLst>
-              <a:ext uri="{FF2B5EF4-FFF2-40B4-BE49-F238E27FC236}">
-                <a16:creationId xmlns:a16="http://schemas.microsoft.com/office/drawing/2014/main" id="{0390DD31-53CE-4DBF-AB90-204BC702D9FD}"/>
-              </a:ext>
-            </a:extLst>
-          </p:cNvPr>
-          <p:cNvPicPr>
-            <a:picLocks noChangeAspect="1"/>
-          </p:cNvPicPr>
-          <p:nvPr/>
-        </p:nvPicPr>
-        <p:blipFill>
-          <a:blip r:embed="rId2"/>
-          <a:stretch>
-            <a:fillRect/>
-          </a:stretch>
-        </p:blipFill>
-        <p:spPr>
-          <a:xfrm>
-            <a:off x="957533" y="1319048"/>
-            <a:ext cx="10305690" cy="4938771"/>
-          </a:xfrm>
-          <a:prstGeom prst="rect">
-            <a:avLst/>
-          </a:prstGeom>
-        </p:spPr>
-      </p:pic>
-    </p:spTree>
-    <p:extLst>
-      <p:ext uri="{BB962C8B-B14F-4D97-AF65-F5344CB8AC3E}">
-        <p14:creationId xmlns:p14="http://schemas.microsoft.com/office/powerpoint/2010/main" val="2889496739"/>
-      </p:ext>
-    </p:extLst>
-  </p:cSld>
-  <p:clrMapOvr>
-    <a:masterClrMapping/>
-  </p:clrMapOvr>
-</p:sld>
-</file>
-
 <file path=ppt/slides/slide17.xml><?xml version="1.0" encoding="utf-8"?>
-<p:sld xmlns:a="http://schemas.openxmlformats.org/drawingml/2006/main" xmlns:r="http://schemas.openxmlformats.org/officeDocument/2006/relationships" xmlns:p="http://schemas.openxmlformats.org/presentationml/2006/main">
-  <p:cSld>
-    <p:bg>
-      <p:bgPr>
-        <a:solidFill>
-          <a:schemeClr val="bg1"/>
-        </a:solidFill>
-        <a:effectLst/>
-      </p:bgPr>
-    </p:bg>
-    <p:spTree>
-      <p:nvGrpSpPr>
-        <p:cNvPr id="1" name=""/>
-        <p:cNvGrpSpPr/>
-        <p:nvPr/>
-      </p:nvGrpSpPr>
-      <p:grpSpPr>
-        <a:xfrm>
-          <a:off x="0" y="0"/>
-          <a:ext cx="0" cy="0"/>
-          <a:chOff x="0" y="0"/>
-          <a:chExt cx="0" cy="0"/>
-        </a:xfrm>
-      </p:grpSpPr>
-      <p:sp>
-        <p:nvSpPr>
-          <p:cNvPr id="12" name="Down Arrow 7">
-            <a:extLst>
-              <a:ext uri="{FF2B5EF4-FFF2-40B4-BE49-F238E27FC236}">
-                <a16:creationId xmlns:a16="http://schemas.microsoft.com/office/drawing/2014/main" id="{D4771268-CB57-404A-9271-370EB28F6090}"/>
-              </a:ext>
-              <a:ext uri="{C183D7F6-B498-43B3-948B-1728B52AA6E4}">
-                <adec:decorative xmlns:adec="http://schemas.microsoft.com/office/drawing/2017/decorative" val="1"/>
-              </a:ext>
-            </a:extLst>
-          </p:cNvPr>
-          <p:cNvSpPr>
-            <a:spLocks noGrp="1" noRot="1" noChangeAspect="1" noMove="1" noResize="1" noEditPoints="1" noAdjustHandles="1" noChangeArrowheads="1" noChangeShapeType="1" noTextEdit="1"/>
-          </p:cNvSpPr>
-          <p:nvPr>
-            <p:extLst>
-              <p:ext uri="{386F3935-93C4-4BCD-93E2-E3B085C9AB24}">
-                <p16:designElem xmlns:p16="http://schemas.microsoft.com/office/powerpoint/2015/main" val="1"/>
-              </p:ext>
-            </p:extLst>
-          </p:nvPr>
-        </p:nvSpPr>
-        <p:spPr>
-          <a:xfrm rot="16200000">
-            <a:off x="800100" y="1491343"/>
-            <a:ext cx="3333749" cy="3499103"/>
-          </a:xfrm>
-          <a:prstGeom prst="downArrow">
-            <a:avLst>
-              <a:gd name="adj1" fmla="val 100000"/>
-              <a:gd name="adj2" fmla="val 15788"/>
-            </a:avLst>
-          </a:prstGeom>
-          <a:solidFill>
-            <a:srgbClr val="404040"/>
-          </a:solidFill>
-          <a:ln w="53975">
-            <a:noFill/>
-          </a:ln>
-        </p:spPr>
-        <p:style>
-          <a:lnRef idx="2">
-            <a:schemeClr val="accent1">
-              <a:shade val="50000"/>
-            </a:schemeClr>
-          </a:lnRef>
-          <a:fillRef idx="1">
-            <a:schemeClr val="accent1"/>
-          </a:fillRef>
-          <a:effectRef idx="0">
-            <a:schemeClr val="accent1"/>
-          </a:effectRef>
-          <a:fontRef idx="minor">
-            <a:schemeClr val="lt1"/>
-          </a:fontRef>
-        </p:style>
-        <p:txBody>
-          <a:bodyPr rtlCol="0" anchor="ctr"/>
-          <a:lstStyle/>
-          <a:p>
-            <a:pPr algn="ctr"/>
-            <a:endParaRPr lang="en-US"/>
-          </a:p>
-        </p:txBody>
-      </p:sp>
-      <p:sp>
-        <p:nvSpPr>
-          <p:cNvPr id="2" name="Título 1">
-            <a:extLst>
-              <a:ext uri="{FF2B5EF4-FFF2-40B4-BE49-F238E27FC236}">
-                <a16:creationId xmlns:a16="http://schemas.microsoft.com/office/drawing/2014/main" id="{6119A2E7-A10D-4BCA-B301-99DDC2F00980}"/>
-              </a:ext>
-            </a:extLst>
-          </p:cNvPr>
-          <p:cNvSpPr>
-            <a:spLocks noGrp="1"/>
-          </p:cNvSpPr>
-          <p:nvPr>
-            <p:ph type="title"/>
-          </p:nvPr>
-        </p:nvSpPr>
-        <p:spPr>
-          <a:xfrm>
-            <a:off x="1028700" y="1967266"/>
-            <a:ext cx="2628900" cy="1267673"/>
-          </a:xfrm>
-          <a:noFill/>
-        </p:spPr>
-        <p:txBody>
-          <a:bodyPr vert="horz" lIns="91440" tIns="45720" rIns="91440" bIns="45720" rtlCol="0" anchor="ctr">
-            <a:normAutofit/>
-          </a:bodyPr>
-          <a:lstStyle/>
-          <a:p>
-            <a:pPr algn="ctr"/>
-            <a:r>
-              <a:rPr lang="pt-PT" sz="3100" kern="1200" dirty="0">
-                <a:solidFill>
-                  <a:srgbClr val="FFFFFF"/>
-                </a:solidFill>
-                <a:latin typeface="+mj-lt"/>
-                <a:ea typeface="+mj-ea"/>
-                <a:cs typeface="+mj-cs"/>
-              </a:rPr>
-              <a:t>Demonstração</a:t>
-            </a:r>
-            <a:r>
-              <a:rPr lang="en-US" sz="3100" kern="1200" dirty="0">
-                <a:solidFill>
-                  <a:srgbClr val="FFFFFF"/>
-                </a:solidFill>
-                <a:latin typeface="+mj-lt"/>
-                <a:ea typeface="+mj-ea"/>
-                <a:cs typeface="+mj-cs"/>
-              </a:rPr>
-              <a:t> do website  </a:t>
-            </a:r>
-          </a:p>
-        </p:txBody>
-      </p:sp>
-      <p:pic>
-        <p:nvPicPr>
-          <p:cNvPr id="7" name="Imagem 7">
-            <a:hlinkClick r:id="" action="ppaction://media"/>
-            <a:extLst>
-              <a:ext uri="{FF2B5EF4-FFF2-40B4-BE49-F238E27FC236}">
-                <a16:creationId xmlns:a16="http://schemas.microsoft.com/office/drawing/2014/main" id="{14F7E84B-9F07-49BC-895B-194DACBAB620}"/>
-              </a:ext>
-            </a:extLst>
-          </p:cNvPr>
-          <p:cNvPicPr>
-            <a:picLocks noGrp="1" noRot="1" noChangeAspect="1"/>
-          </p:cNvPicPr>
-          <p:nvPr>
-            <p:ph idx="1"/>
-            <a:videoFile r:link="rId1"/>
-          </p:nvPr>
-        </p:nvPicPr>
-        <p:blipFill>
-          <a:blip r:embed="rId3"/>
-          <a:stretch>
-            <a:fillRect/>
-          </a:stretch>
-        </p:blipFill>
-        <p:spPr>
-          <a:xfrm>
-            <a:off x="4777316" y="885073"/>
-            <a:ext cx="6780700" cy="5085525"/>
-          </a:xfrm>
-          <a:prstGeom prst="rect">
-            <a:avLst/>
-          </a:prstGeom>
-        </p:spPr>
-      </p:pic>
-      <p:sp>
-        <p:nvSpPr>
-          <p:cNvPr id="8" name="CaixaDeTexto 7">
-            <a:extLst>
-              <a:ext uri="{FF2B5EF4-FFF2-40B4-BE49-F238E27FC236}">
-                <a16:creationId xmlns:a16="http://schemas.microsoft.com/office/drawing/2014/main" id="{808C09F6-A7E0-446E-9C22-067D0230E1CE}"/>
-              </a:ext>
-            </a:extLst>
-          </p:cNvPr>
-          <p:cNvSpPr txBox="1"/>
-          <p:nvPr/>
-        </p:nvSpPr>
-        <p:spPr>
-          <a:xfrm>
-            <a:off x="971909" y="3473570"/>
-            <a:ext cx="2944483" cy="369332"/>
-          </a:xfrm>
-          <a:prstGeom prst="rect">
-            <a:avLst/>
-          </a:prstGeom>
-          <a:noFill/>
-        </p:spPr>
-        <p:txBody>
-          <a:bodyPr rot="0" spcFirstLastPara="0" vertOverflow="overflow" horzOverflow="overflow" vert="horz" wrap="square" lIns="91440" tIns="45720" rIns="91440" bIns="45720" numCol="1" spcCol="0" rtlCol="0" fromWordArt="0" anchor="t" anchorCtr="0" forceAA="0" compatLnSpc="1">
-            <a:prstTxWarp prst="textNoShape">
-              <a:avLst/>
-            </a:prstTxWarp>
-            <a:spAutoFit/>
-          </a:bodyPr>
-          <a:lstStyle/>
-          <a:p>
-            <a:pPr algn="l"/>
-            <a:r>
-              <a:rPr lang="pt-PT" dirty="0">
-                <a:cs typeface="Calibri"/>
-                <a:hlinkClick r:id="rId4"/>
-              </a:rPr>
-              <a:t>Website</a:t>
-            </a:r>
-            <a:endParaRPr lang="pt-PT" dirty="0">
-              <a:cs typeface="Calibri"/>
-            </a:endParaRPr>
-          </a:p>
-        </p:txBody>
-      </p:sp>
-    </p:spTree>
-    <p:extLst>
-      <p:ext uri="{BB962C8B-B14F-4D97-AF65-F5344CB8AC3E}">
-        <p14:creationId xmlns:p14="http://schemas.microsoft.com/office/powerpoint/2010/main" val="3420756918"/>
-      </p:ext>
-    </p:extLst>
-  </p:cSld>
-  <p:clrMapOvr>
-    <a:masterClrMapping/>
-  </p:clrMapOvr>
-</p:sld>
-</file>
-
-<file path=ppt/slides/slide18.xml><?xml version="1.0" encoding="utf-8"?>
 <p:sld xmlns:a="http://schemas.openxmlformats.org/drawingml/2006/main" xmlns:r="http://schemas.openxmlformats.org/officeDocument/2006/relationships" xmlns:p="http://schemas.openxmlformats.org/presentationml/2006/main">
   <p:cSld>
     <p:spTree>
@@ -5840,13 +9653,13 @@
           <a:p>
             <a:pPr algn="ctr"/>
             <a:r>
-              <a:rPr lang="pt-PT" dirty="0">
+              <a:rPr lang="pt-PT">
                 <a:ea typeface="+mj-lt"/>
                 <a:cs typeface="+mj-lt"/>
               </a:rPr>
               <a:t>Aplicação do Funcionário</a:t>
             </a:r>
-            <a:endParaRPr lang="pt-PT" dirty="0" err="1">
+            <a:endParaRPr lang="pt-PT" err="1">
               <a:cs typeface="Calibri Light" panose="020F0302020204030204"/>
             </a:endParaRPr>
           </a:p>
@@ -5924,7 +9737,7 @@
 </p:sld>
 </file>
 
-<file path=ppt/slides/slide19.xml><?xml version="1.0" encoding="utf-8"?>
+<file path=ppt/slides/slide18.xml><?xml version="1.0" encoding="utf-8"?>
 <p:sld xmlns:a="http://schemas.openxmlformats.org/drawingml/2006/main" xmlns:r="http://schemas.openxmlformats.org/officeDocument/2006/relationships" xmlns:p="http://schemas.openxmlformats.org/presentationml/2006/main">
   <p:cSld>
     <p:spTree>
@@ -5964,10 +9777,10 @@
           <a:p>
             <a:pPr marL="457200" lvl="1" algn="ctr"/>
             <a:r>
-              <a:rPr lang="pt-PT" sz="3600" dirty="0"/>
+              <a:rPr lang="pt-PT" sz="3600"/>
               <a:t>Demonstração da aplicação do Funcionário</a:t>
             </a:r>
-            <a:endParaRPr lang="pt-PT" sz="3600" dirty="0" err="1">
+            <a:endParaRPr lang="pt-PT" sz="3600" err="1">
               <a:solidFill>
                 <a:srgbClr val="000000"/>
               </a:solidFill>
@@ -6018,6 +9831,385 @@
     <p:extLst>
       <p:ext uri="{BB962C8B-B14F-4D97-AF65-F5344CB8AC3E}">
         <p14:creationId xmlns:p14="http://schemas.microsoft.com/office/powerpoint/2010/main" val="1450115047"/>
+      </p:ext>
+    </p:extLst>
+  </p:cSld>
+  <p:clrMapOvr>
+    <a:masterClrMapping/>
+  </p:clrMapOvr>
+</p:sld>
+</file>
+
+<file path=ppt/slides/slide19.xml><?xml version="1.0" encoding="utf-8"?>
+<p:sld xmlns:a="http://schemas.openxmlformats.org/drawingml/2006/main" xmlns:r="http://schemas.openxmlformats.org/officeDocument/2006/relationships" xmlns:p="http://schemas.openxmlformats.org/presentationml/2006/main">
+  <p:cSld>
+    <p:bg>
+      <p:bgPr>
+        <a:solidFill>
+          <a:schemeClr val="bg1"/>
+        </a:solidFill>
+        <a:effectLst/>
+      </p:bgPr>
+    </p:bg>
+    <p:spTree>
+      <p:nvGrpSpPr>
+        <p:cNvPr id="1" name=""/>
+        <p:cNvGrpSpPr/>
+        <p:nvPr/>
+      </p:nvGrpSpPr>
+      <p:grpSpPr>
+        <a:xfrm>
+          <a:off x="0" y="0"/>
+          <a:ext cx="0" cy="0"/>
+          <a:chOff x="0" y="0"/>
+          <a:chExt cx="0" cy="0"/>
+        </a:xfrm>
+      </p:grpSpPr>
+      <p:cxnSp>
+        <p:nvCxnSpPr>
+          <p:cNvPr id="14" name="Straight Connector 13">
+            <a:extLst>
+              <a:ext uri="{FF2B5EF4-FFF2-40B4-BE49-F238E27FC236}">
+                <a16:creationId xmlns:a16="http://schemas.microsoft.com/office/drawing/2014/main" id="{D2E961F1-4A28-4A5F-BBD4-6E400E5E6C75}"/>
+              </a:ext>
+              <a:ext uri="{C183D7F6-B498-43B3-948B-1728B52AA6E4}">
+                <adec:decorative xmlns:adec="http://schemas.microsoft.com/office/drawing/2017/decorative" val="1"/>
+              </a:ext>
+            </a:extLst>
+          </p:cNvPr>
+          <p:cNvCxnSpPr>
+            <a:cxnSpLocks noGrp="1" noRot="1" noChangeAspect="1" noMove="1" noResize="1" noEditPoints="1" noAdjustHandles="1" noChangeArrowheads="1" noChangeShapeType="1"/>
+          </p:cNvCxnSpPr>
+          <p:nvPr>
+            <p:extLst>
+              <p:ext uri="{386F3935-93C4-4BCD-93E2-E3B085C9AB24}">
+                <p16:designElem xmlns:p16="http://schemas.microsoft.com/office/powerpoint/2015/main" val="1"/>
+              </p:ext>
+            </p:extLst>
+          </p:nvPr>
+        </p:nvCxnSpPr>
+        <p:spPr bwMode="white">
+          <a:xfrm>
+            <a:off x="0" y="272357"/>
+            <a:ext cx="12188824" cy="0"/>
+          </a:xfrm>
+          <a:prstGeom prst="line">
+            <a:avLst/>
+          </a:prstGeom>
+          <a:ln w="50800">
+            <a:solidFill>
+              <a:schemeClr val="tx1">
+                <a:lumMod val="75000"/>
+                <a:lumOff val="25000"/>
+              </a:schemeClr>
+            </a:solidFill>
+          </a:ln>
+        </p:spPr>
+        <p:style>
+          <a:lnRef idx="1">
+            <a:schemeClr val="accent1"/>
+          </a:lnRef>
+          <a:fillRef idx="0">
+            <a:schemeClr val="accent1"/>
+          </a:fillRef>
+          <a:effectRef idx="0">
+            <a:schemeClr val="accent1"/>
+          </a:effectRef>
+          <a:fontRef idx="minor">
+            <a:schemeClr val="tx1"/>
+          </a:fontRef>
+        </p:style>
+      </p:cxnSp>
+      <p:sp>
+        <p:nvSpPr>
+          <p:cNvPr id="16" name="Rectangle 15">
+            <a:extLst>
+              <a:ext uri="{FF2B5EF4-FFF2-40B4-BE49-F238E27FC236}">
+                <a16:creationId xmlns:a16="http://schemas.microsoft.com/office/drawing/2014/main" id="{7F57BEA8-497D-4AA8-8A18-BDCD696B25FE}"/>
+              </a:ext>
+              <a:ext uri="{C183D7F6-B498-43B3-948B-1728B52AA6E4}">
+                <adec:decorative xmlns:adec="http://schemas.microsoft.com/office/drawing/2017/decorative" val="1"/>
+              </a:ext>
+            </a:extLst>
+          </p:cNvPr>
+          <p:cNvSpPr>
+            <a:spLocks noGrp="1" noRot="1" noChangeAspect="1" noMove="1" noResize="1" noEditPoints="1" noAdjustHandles="1" noChangeArrowheads="1" noChangeShapeType="1" noTextEdit="1"/>
+          </p:cNvSpPr>
+          <p:nvPr>
+            <p:extLst>
+              <p:ext uri="{386F3935-93C4-4BCD-93E2-E3B085C9AB24}">
+                <p16:designElem xmlns:p16="http://schemas.microsoft.com/office/powerpoint/2015/main" val="1"/>
+              </p:ext>
+            </p:extLst>
+          </p:nvPr>
+        </p:nvSpPr>
+        <p:spPr>
+          <a:xfrm>
+            <a:off x="0" y="368596"/>
+            <a:ext cx="12192000" cy="1735555"/>
+          </a:xfrm>
+          <a:prstGeom prst="rect">
+            <a:avLst/>
+          </a:prstGeom>
+          <a:solidFill>
+            <a:schemeClr val="tx1">
+              <a:lumMod val="75000"/>
+              <a:lumOff val="25000"/>
+            </a:schemeClr>
+          </a:solidFill>
+          <a:ln>
+            <a:noFill/>
+          </a:ln>
+        </p:spPr>
+        <p:style>
+          <a:lnRef idx="2">
+            <a:schemeClr val="accent1">
+              <a:shade val="50000"/>
+            </a:schemeClr>
+          </a:lnRef>
+          <a:fillRef idx="1">
+            <a:schemeClr val="accent1"/>
+          </a:fillRef>
+          <a:effectRef idx="0">
+            <a:schemeClr val="accent1"/>
+          </a:effectRef>
+          <a:fontRef idx="minor">
+            <a:schemeClr val="lt1"/>
+          </a:fontRef>
+        </p:style>
+        <p:txBody>
+          <a:bodyPr rtlCol="0" anchor="ctr"/>
+          <a:lstStyle/>
+          <a:p>
+            <a:pPr algn="ctr"/>
+            <a:endParaRPr lang="en-US"/>
+          </a:p>
+        </p:txBody>
+      </p:sp>
+      <p:sp>
+        <p:nvSpPr>
+          <p:cNvPr id="2" name="Título 1">
+            <a:extLst>
+              <a:ext uri="{FF2B5EF4-FFF2-40B4-BE49-F238E27FC236}">
+                <a16:creationId xmlns:a16="http://schemas.microsoft.com/office/drawing/2014/main" id="{37D3A3F6-199F-4EFB-A223-07B8C9DC716F}"/>
+              </a:ext>
+            </a:extLst>
+          </p:cNvPr>
+          <p:cNvSpPr>
+            <a:spLocks noGrp="1"/>
+          </p:cNvSpPr>
+          <p:nvPr>
+            <p:ph type="title"/>
+          </p:nvPr>
+        </p:nvSpPr>
+        <p:spPr>
+          <a:xfrm>
+            <a:off x="612337" y="1265816"/>
+            <a:ext cx="11139854" cy="930447"/>
+          </a:xfrm>
+        </p:spPr>
+        <p:txBody>
+          <a:bodyPr vert="horz" lIns="91440" tIns="45720" rIns="91440" bIns="45720" rtlCol="0" anchor="b">
+            <a:normAutofit/>
+          </a:bodyPr>
+          <a:lstStyle/>
+          <a:p>
+            <a:pPr algn="ctr"/>
+            <a:r>
+              <a:rPr lang="en-US" sz="5400" kern="1200" err="1">
+                <a:solidFill>
+                  <a:schemeClr val="bg1"/>
+                </a:solidFill>
+                <a:latin typeface="+mj-lt"/>
+                <a:ea typeface="+mj-ea"/>
+                <a:cs typeface="+mj-cs"/>
+              </a:rPr>
+              <a:t>Cronograma</a:t>
+            </a:r>
+            <a:r>
+              <a:rPr lang="en-US" sz="5400" kern="1200">
+                <a:solidFill>
+                  <a:schemeClr val="bg1"/>
+                </a:solidFill>
+                <a:latin typeface="+mj-lt"/>
+                <a:ea typeface="+mj-ea"/>
+                <a:cs typeface="+mj-cs"/>
+              </a:rPr>
+              <a:t> </a:t>
+            </a:r>
+            <a:r>
+              <a:rPr lang="en-US" sz="5400">
+                <a:solidFill>
+                  <a:schemeClr val="bg1"/>
+                </a:solidFill>
+              </a:rPr>
+              <a:t>Final</a:t>
+            </a:r>
+            <a:endParaRPr lang="en-US" sz="5400" kern="1200">
+              <a:solidFill>
+                <a:schemeClr val="bg1"/>
+              </a:solidFill>
+              <a:latin typeface="+mj-lt"/>
+              <a:ea typeface="+mj-ea"/>
+              <a:cs typeface="+mj-cs"/>
+            </a:endParaRPr>
+          </a:p>
+          <a:p>
+            <a:pPr algn="ctr"/>
+            <a:endParaRPr lang="en-US" sz="5400" kern="1200">
+              <a:solidFill>
+                <a:schemeClr val="bg1"/>
+              </a:solidFill>
+              <a:latin typeface="+mj-lt"/>
+              <a:ea typeface="+mj-ea"/>
+              <a:cs typeface="+mj-cs"/>
+            </a:endParaRPr>
+          </a:p>
+        </p:txBody>
+      </p:sp>
+      <p:cxnSp>
+        <p:nvCxnSpPr>
+          <p:cNvPr id="18" name="Straight Connector 17">
+            <a:extLst>
+              <a:ext uri="{FF2B5EF4-FFF2-40B4-BE49-F238E27FC236}">
+                <a16:creationId xmlns:a16="http://schemas.microsoft.com/office/drawing/2014/main" id="{A82415D3-DDE5-4D63-8CB3-23A5EC581B27}"/>
+              </a:ext>
+              <a:ext uri="{C183D7F6-B498-43B3-948B-1728B52AA6E4}">
+                <adec:decorative xmlns:adec="http://schemas.microsoft.com/office/drawing/2017/decorative" val="1"/>
+              </a:ext>
+            </a:extLst>
+          </p:cNvPr>
+          <p:cNvCxnSpPr>
+            <a:cxnSpLocks noGrp="1" noRot="1" noChangeAspect="1" noMove="1" noResize="1" noEditPoints="1" noAdjustHandles="1" noChangeArrowheads="1" noChangeShapeType="1"/>
+          </p:cNvCxnSpPr>
+          <p:nvPr>
+            <p:extLst>
+              <p:ext uri="{386F3935-93C4-4BCD-93E2-E3B085C9AB24}">
+                <p16:designElem xmlns:p16="http://schemas.microsoft.com/office/powerpoint/2015/main" val="1"/>
+              </p:ext>
+            </p:extLst>
+          </p:nvPr>
+        </p:nvCxnSpPr>
+        <p:spPr>
+          <a:xfrm>
+            <a:off x="4724400" y="1479733"/>
+            <a:ext cx="2743200" cy="0"/>
+          </a:xfrm>
+          <a:prstGeom prst="line">
+            <a:avLst/>
+          </a:prstGeom>
+          <a:ln w="19050">
+            <a:solidFill>
+              <a:schemeClr val="bg1">
+                <a:alpha val="75000"/>
+              </a:schemeClr>
+            </a:solidFill>
+          </a:ln>
+        </p:spPr>
+        <p:style>
+          <a:lnRef idx="1">
+            <a:schemeClr val="accent1"/>
+          </a:lnRef>
+          <a:fillRef idx="0">
+            <a:schemeClr val="accent1"/>
+          </a:fillRef>
+          <a:effectRef idx="0">
+            <a:schemeClr val="accent1"/>
+          </a:effectRef>
+          <a:fontRef idx="minor">
+            <a:schemeClr val="tx1"/>
+          </a:fontRef>
+        </p:style>
+      </p:cxnSp>
+      <p:cxnSp>
+        <p:nvCxnSpPr>
+          <p:cNvPr id="20" name="Straight Connector 19">
+            <a:extLst>
+              <a:ext uri="{FF2B5EF4-FFF2-40B4-BE49-F238E27FC236}">
+                <a16:creationId xmlns:a16="http://schemas.microsoft.com/office/drawing/2014/main" id="{AD7193FB-6AE6-4B3B-8F89-56B55DD63B4D}"/>
+              </a:ext>
+              <a:ext uri="{C183D7F6-B498-43B3-948B-1728B52AA6E4}">
+                <adec:decorative xmlns:adec="http://schemas.microsoft.com/office/drawing/2017/decorative" val="1"/>
+              </a:ext>
+            </a:extLst>
+          </p:cNvPr>
+          <p:cNvCxnSpPr>
+            <a:cxnSpLocks noGrp="1" noRot="1" noChangeAspect="1" noMove="1" noResize="1" noEditPoints="1" noAdjustHandles="1" noChangeArrowheads="1" noChangeShapeType="1"/>
+          </p:cNvCxnSpPr>
+          <p:nvPr>
+            <p:extLst>
+              <p:ext uri="{386F3935-93C4-4BCD-93E2-E3B085C9AB24}">
+                <p16:designElem xmlns:p16="http://schemas.microsoft.com/office/powerpoint/2015/main" val="1"/>
+              </p:ext>
+            </p:extLst>
+          </p:nvPr>
+        </p:nvCxnSpPr>
+        <p:spPr bwMode="white">
+          <a:xfrm>
+            <a:off x="0" y="2201402"/>
+            <a:ext cx="12188824" cy="0"/>
+          </a:xfrm>
+          <a:prstGeom prst="line">
+            <a:avLst/>
+          </a:prstGeom>
+          <a:ln w="50800">
+            <a:solidFill>
+              <a:schemeClr val="tx1">
+                <a:lumMod val="75000"/>
+                <a:lumOff val="25000"/>
+              </a:schemeClr>
+            </a:solidFill>
+          </a:ln>
+        </p:spPr>
+        <p:style>
+          <a:lnRef idx="1">
+            <a:schemeClr val="accent1"/>
+          </a:lnRef>
+          <a:fillRef idx="0">
+            <a:schemeClr val="accent1"/>
+          </a:fillRef>
+          <a:effectRef idx="0">
+            <a:schemeClr val="accent1"/>
+          </a:effectRef>
+          <a:fontRef idx="minor">
+            <a:schemeClr val="tx1"/>
+          </a:fontRef>
+        </p:style>
+      </p:cxnSp>
+      <p:pic>
+        <p:nvPicPr>
+          <p:cNvPr id="4" name="Imagem 4">
+            <a:extLst>
+              <a:ext uri="{FF2B5EF4-FFF2-40B4-BE49-F238E27FC236}">
+                <a16:creationId xmlns:a16="http://schemas.microsoft.com/office/drawing/2014/main" id="{1E772048-E545-4991-AE94-FEBC6AC06C7A}"/>
+              </a:ext>
+            </a:extLst>
+          </p:cNvPr>
+          <p:cNvPicPr>
+            <a:picLocks noChangeAspect="1"/>
+          </p:cNvPicPr>
+          <p:nvPr/>
+        </p:nvPicPr>
+        <p:blipFill>
+          <a:blip r:embed="rId2"/>
+          <a:stretch>
+            <a:fillRect/>
+          </a:stretch>
+        </p:blipFill>
+        <p:spPr>
+          <a:xfrm>
+            <a:off x="677012" y="2269390"/>
+            <a:ext cx="10826009" cy="4342693"/>
+          </a:xfrm>
+          <a:prstGeom prst="rect">
+            <a:avLst/>
+          </a:prstGeom>
+        </p:spPr>
+      </p:pic>
+    </p:spTree>
+    <p:extLst>
+      <p:ext uri="{BB962C8B-B14F-4D97-AF65-F5344CB8AC3E}">
+        <p14:creationId xmlns:p14="http://schemas.microsoft.com/office/powerpoint/2010/main" val="756450214"/>
       </p:ext>
     </p:extLst>
   </p:cSld>
@@ -6249,8 +10441,8 @@
         </p:nvSpPr>
         <p:spPr>
           <a:xfrm>
-            <a:off x="7290227" y="1152127"/>
-            <a:ext cx="4837661" cy="5459521"/>
+            <a:off x="7290226" y="1123373"/>
+            <a:ext cx="4895171" cy="5689558"/>
           </a:xfrm>
           <a:prstGeom prst="rect">
             <a:avLst/>
@@ -6261,7 +10453,7 @@
             <a:prstTxWarp prst="textNoShape">
               <a:avLst/>
             </a:prstTxWarp>
-            <a:normAutofit/>
+            <a:noAutofit/>
           </a:bodyPr>
           <a:lstStyle/>
           <a:p>
@@ -6276,14 +10468,14 @@
               <a:buChar char="•"/>
             </a:pPr>
             <a:r>
-              <a:rPr lang="pt-PT" sz="2400" dirty="0">
+              <a:rPr lang="pt-PT" sz="2000">
                 <a:solidFill>
                   <a:srgbClr val="FFFFFF"/>
                 </a:solidFill>
               </a:rPr>
               <a:t>Introdução</a:t>
             </a:r>
-            <a:endParaRPr lang="pt-PT" sz="2400" dirty="0">
+            <a:endParaRPr lang="pt-PT" sz="2000">
               <a:solidFill>
                 <a:srgbClr val="FFFFFF"/>
               </a:solidFill>
@@ -6302,7 +10494,7 @@
               <a:buChar char="•"/>
             </a:pPr>
             <a:r>
-              <a:rPr lang="pt-PT" sz="2400" dirty="0">
+              <a:rPr lang="pt-PT" sz="2000">
                 <a:solidFill>
                   <a:srgbClr val="FFFFFF"/>
                 </a:solidFill>
@@ -6310,11 +10502,6 @@
               </a:rPr>
               <a:t>Objetivos</a:t>
             </a:r>
-            <a:endParaRPr lang="pt-PT" sz="2400" dirty="0">
-              <a:solidFill>
-                <a:srgbClr val="FFFFFF"/>
-              </a:solidFill>
-            </a:endParaRPr>
           </a:p>
           <a:p>
             <a:pPr marL="285750" indent="-228600">
@@ -6328,14 +10515,14 @@
               <a:buChar char="•"/>
             </a:pPr>
             <a:r>
-              <a:rPr lang="pt-PT" sz="2400" dirty="0">
+              <a:rPr lang="pt-PT" sz="2000">
                 <a:solidFill>
                   <a:srgbClr val="FFFFFF"/>
                 </a:solidFill>
               </a:rPr>
               <a:t>Cronograma inicial</a:t>
             </a:r>
-            <a:endParaRPr lang="pt-PT" sz="2400" dirty="0">
+            <a:endParaRPr lang="pt-PT" sz="2000">
               <a:solidFill>
                 <a:srgbClr val="FFFFFF"/>
               </a:solidFill>
@@ -6354,14 +10541,14 @@
               <a:buChar char="•"/>
             </a:pPr>
             <a:r>
-              <a:rPr lang="pt-PT" sz="2400" dirty="0">
+              <a:rPr lang="pt-PT" sz="2000">
                 <a:solidFill>
                   <a:srgbClr val="FFFFFF"/>
                 </a:solidFill>
               </a:rPr>
-              <a:t>Redes</a:t>
+              <a:t>Redes </a:t>
             </a:r>
-            <a:endParaRPr lang="pt-PT" sz="2400" dirty="0">
+            <a:endParaRPr lang="pt-PT" sz="2000">
               <a:solidFill>
                 <a:srgbClr val="FFFFFF"/>
               </a:solidFill>
@@ -6380,45 +10567,14 @@
               <a:buChar char="•"/>
             </a:pPr>
             <a:r>
-              <a:rPr lang="pt-PT" sz="2400" dirty="0">
+              <a:rPr lang="pt-PT" sz="2000">
                 <a:solidFill>
                   <a:srgbClr val="FFFFFF"/>
                 </a:solidFill>
+                <a:cs typeface="Calibri"/>
               </a:rPr>
-              <a:t>Site cliente</a:t>
+              <a:t>SGBD</a:t>
             </a:r>
-            <a:endParaRPr lang="pt-PT" sz="2400" dirty="0">
-              <a:solidFill>
-                <a:srgbClr val="FFFFFF"/>
-              </a:solidFill>
-              <a:cs typeface="Calibri"/>
-            </a:endParaRPr>
-          </a:p>
-          <a:p>
-            <a:pPr marL="742950" lvl="1" indent="-228600">
-              <a:lnSpc>
-                <a:spcPct val="90000"/>
-              </a:lnSpc>
-              <a:spcAft>
-                <a:spcPts val="600"/>
-              </a:spcAft>
-              <a:buFont typeface="Arial" panose="020B0604020202020204" pitchFamily="34" charset="0"/>
-              <a:buChar char="•"/>
-            </a:pPr>
-            <a:r>
-              <a:rPr lang="pt-PT" sz="2400" dirty="0">
-                <a:solidFill>
-                  <a:srgbClr val="FFFFFF"/>
-                </a:solidFill>
-              </a:rPr>
-              <a:t>Site cliente(Demonstração)</a:t>
-            </a:r>
-            <a:endParaRPr lang="pt-PT" sz="2400" dirty="0">
-              <a:solidFill>
-                <a:srgbClr val="FFFFFF"/>
-              </a:solidFill>
-              <a:cs typeface="Calibri"/>
-            </a:endParaRPr>
           </a:p>
           <a:p>
             <a:pPr marL="285750" indent="-228600">
@@ -6432,40 +10588,15 @@
               <a:buChar char="•"/>
             </a:pPr>
             <a:r>
-              <a:rPr lang="pt-PT" sz="2400" dirty="0">
+              <a:rPr lang="pt-PT" sz="2000">
                 <a:solidFill>
                   <a:srgbClr val="FFFFFF"/>
                 </a:solidFill>
+                <a:cs typeface="Calibri"/>
               </a:rPr>
-              <a:t>Aplicação Funcionário</a:t>
+              <a:t>Diagrama</a:t>
             </a:r>
-            <a:endParaRPr lang="pt-PT" sz="2400" dirty="0">
-              <a:solidFill>
-                <a:srgbClr val="FFFFFF"/>
-              </a:solidFill>
-              <a:cs typeface="Calibri"/>
-            </a:endParaRPr>
-          </a:p>
-          <a:p>
-            <a:pPr marL="742950" lvl="1" indent="-228600">
-              <a:lnSpc>
-                <a:spcPct val="90000"/>
-              </a:lnSpc>
-              <a:spcAft>
-                <a:spcPts val="600"/>
-              </a:spcAft>
-              <a:buFont typeface="Arial" panose="020B0604020202020204" pitchFamily="34" charset="0"/>
-              <a:buChar char="•"/>
-            </a:pPr>
-            <a:r>
-              <a:rPr lang="pt-PT" sz="2400" dirty="0">
-                <a:solidFill>
-                  <a:srgbClr val="FFFFFF"/>
-                </a:solidFill>
-              </a:rPr>
-              <a:t>Aplicação Funcionário(Demonstração)</a:t>
-            </a:r>
-            <a:endParaRPr lang="pt-PT" sz="2400" dirty="0">
+            <a:endParaRPr lang="pt-PT" sz="2000" dirty="0">
               <a:solidFill>
                 <a:srgbClr val="FFFFFF"/>
               </a:solidFill>
@@ -6484,19 +10615,14 @@
               <a:buChar char="•"/>
             </a:pPr>
             <a:r>
-              <a:rPr lang="pt-PT" sz="2400" dirty="0">
+              <a:rPr lang="pt-PT" sz="2000">
                 <a:solidFill>
                   <a:srgbClr val="FFFFFF"/>
                 </a:solidFill>
+                <a:cs typeface="Calibri"/>
               </a:rPr>
-              <a:t>SQL relações</a:t>
+              <a:t>Website</a:t>
             </a:r>
-            <a:endParaRPr lang="pt-PT" sz="2400" dirty="0">
-              <a:solidFill>
-                <a:srgbClr val="FFFFFF"/>
-              </a:solidFill>
-              <a:cs typeface="Calibri"/>
-            </a:endParaRPr>
           </a:p>
           <a:p>
             <a:pPr marL="285750" indent="-228600">
@@ -6510,14 +10636,14 @@
               <a:buChar char="•"/>
             </a:pPr>
             <a:r>
-              <a:rPr lang="pt-PT" sz="2400" dirty="0">
+              <a:rPr lang="pt-PT" sz="2000">
                 <a:solidFill>
                   <a:srgbClr val="FFFFFF"/>
                 </a:solidFill>
               </a:rPr>
-              <a:t>Cronograma final</a:t>
+              <a:t>Aplicação Admin</a:t>
             </a:r>
-            <a:endParaRPr lang="pt-PT" sz="2400" dirty="0">
+            <a:endParaRPr lang="pt-PT" sz="2000">
               <a:solidFill>
                 <a:srgbClr val="FFFFFF"/>
               </a:solidFill>
@@ -6536,14 +10662,14 @@
               <a:buChar char="•"/>
             </a:pPr>
             <a:r>
-              <a:rPr lang="pt-PT" sz="2400" dirty="0">
+              <a:rPr lang="pt-PT" sz="2000">
                 <a:solidFill>
                   <a:srgbClr val="FFFFFF"/>
                 </a:solidFill>
               </a:rPr>
-              <a:t>Conclusão</a:t>
+              <a:t>Cronograma final</a:t>
             </a:r>
-            <a:endParaRPr lang="pt-PT" sz="2400" dirty="0">
+            <a:endParaRPr lang="pt-PT" sz="2000">
               <a:solidFill>
                 <a:srgbClr val="FFFFFF"/>
               </a:solidFill>
@@ -6562,14 +10688,40 @@
               <a:buChar char="•"/>
             </a:pPr>
             <a:r>
-              <a:rPr lang="pt-PT" sz="2400" dirty="0">
+              <a:rPr lang="pt-PT" sz="2000">
+                <a:solidFill>
+                  <a:srgbClr val="FFFFFF"/>
+                </a:solidFill>
+              </a:rPr>
+              <a:t>Conclusão</a:t>
+            </a:r>
+            <a:endParaRPr lang="pt-PT" sz="2000">
+              <a:solidFill>
+                <a:srgbClr val="FFFFFF"/>
+              </a:solidFill>
+              <a:cs typeface="Calibri"/>
+            </a:endParaRPr>
+          </a:p>
+          <a:p>
+            <a:pPr marL="285750" indent="-228600">
+              <a:lnSpc>
+                <a:spcPct val="90000"/>
+              </a:lnSpc>
+              <a:spcAft>
+                <a:spcPts val="600"/>
+              </a:spcAft>
+              <a:buFont typeface="Arial" panose="020B0604020202020204" pitchFamily="34" charset="0"/>
+              <a:buChar char="•"/>
+            </a:pPr>
+            <a:r>
+              <a:rPr lang="pt-PT" sz="2000">
                 <a:solidFill>
                   <a:srgbClr val="FFFFFF"/>
                 </a:solidFill>
               </a:rPr>
               <a:t>Web grafia</a:t>
             </a:r>
-            <a:endParaRPr lang="pt-PT" sz="2400" dirty="0">
+            <a:endParaRPr lang="pt-PT" sz="2000">
               <a:solidFill>
                 <a:srgbClr val="FFFFFF"/>
               </a:solidFill>
@@ -6651,21 +10803,65 @@
           <a:chExt cx="0" cy="0"/>
         </a:xfrm>
       </p:grpSpPr>
-      <p:cxnSp>
-        <p:nvCxnSpPr>
-          <p:cNvPr id="14" name="Straight Connector 13">
+      <p:sp>
+        <p:nvSpPr>
+          <p:cNvPr id="2" name="Título 1">
             <a:extLst>
               <a:ext uri="{FF2B5EF4-FFF2-40B4-BE49-F238E27FC236}">
-                <a16:creationId xmlns:a16="http://schemas.microsoft.com/office/drawing/2014/main" id="{D2E961F1-4A28-4A5F-BBD4-6E400E5E6C75}"/>
+                <a16:creationId xmlns:a16="http://schemas.microsoft.com/office/drawing/2014/main" id="{7F67D9C1-C9EA-4292-A872-82D3AE37C7E6}"/>
+              </a:ext>
+            </a:extLst>
+          </p:cNvPr>
+          <p:cNvSpPr>
+            <a:spLocks noGrp="1"/>
+          </p:cNvSpPr>
+          <p:nvPr>
+            <p:ph type="title"/>
+          </p:nvPr>
+        </p:nvSpPr>
+        <p:spPr>
+          <a:xfrm>
+            <a:off x="1380723" y="5373407"/>
+            <a:ext cx="8082447" cy="802111"/>
+          </a:xfrm>
+        </p:spPr>
+        <p:txBody>
+          <a:bodyPr vert="horz" lIns="91440" tIns="45720" rIns="91440" bIns="45720" rtlCol="0" anchor="ctr">
+            <a:normAutofit/>
+          </a:bodyPr>
+          <a:lstStyle/>
+          <a:p>
+            <a:pPr algn="ctr"/>
+            <a:r>
+              <a:rPr lang="pt-PT" kern="1200">
+                <a:latin typeface="+mj-lt"/>
+                <a:ea typeface="+mj-ea"/>
+                <a:cs typeface="+mj-cs"/>
+              </a:rPr>
+              <a:t>Recursos Utilizados </a:t>
+            </a:r>
+            <a:endParaRPr lang="pt-PT">
+              <a:ea typeface="+mj-ea"/>
+              <a:cs typeface="+mj-cs"/>
+            </a:endParaRPr>
+          </a:p>
+        </p:txBody>
+      </p:sp>
+      <p:sp>
+        <p:nvSpPr>
+          <p:cNvPr id="44" name="Rectangle 43">
+            <a:extLst>
+              <a:ext uri="{FF2B5EF4-FFF2-40B4-BE49-F238E27FC236}">
+                <a16:creationId xmlns:a16="http://schemas.microsoft.com/office/drawing/2014/main" id="{26882C51-76F9-4F99-997D-31FA6242A805}"/>
               </a:ext>
               <a:ext uri="{C183D7F6-B498-43B3-948B-1728B52AA6E4}">
                 <adec:decorative xmlns:adec="http://schemas.microsoft.com/office/drawing/2017/decorative" val="1"/>
               </a:ext>
             </a:extLst>
           </p:cNvPr>
-          <p:cNvCxnSpPr>
-            <a:cxnSpLocks noGrp="1" noRot="1" noChangeAspect="1" noMove="1" noResize="1" noEditPoints="1" noAdjustHandles="1" noChangeArrowheads="1" noChangeShapeType="1"/>
-          </p:cNvCxnSpPr>
+          <p:cNvSpPr>
+            <a:spLocks noGrp="1" noRot="1" noChangeAspect="1" noMove="1" noResize="1" noEditPoints="1" noAdjustHandles="1" noChangeArrowheads="1" noChangeShapeType="1" noTextEdit="1"/>
+          </p:cNvSpPr>
           <p:nvPr>
             <p:extLst>
               <p:ext uri="{386F3935-93C4-4BCD-93E2-E3B085C9AB24}">
@@ -6673,45 +10869,53 @@
               </p:ext>
             </p:extLst>
           </p:nvPr>
-        </p:nvCxnSpPr>
-        <p:spPr bwMode="white">
+        </p:nvSpPr>
+        <p:spPr>
           <a:xfrm>
-            <a:off x="0" y="272357"/>
-            <a:ext cx="12188824" cy="0"/>
+            <a:off x="630126" y="629042"/>
+            <a:ext cx="1217216" cy="859536"/>
           </a:xfrm>
-          <a:prstGeom prst="line">
+          <a:prstGeom prst="rect">
             <a:avLst/>
           </a:prstGeom>
-          <a:ln w="50800">
-            <a:solidFill>
-              <a:schemeClr val="tx1">
-                <a:lumMod val="75000"/>
-                <a:lumOff val="25000"/>
-              </a:schemeClr>
-            </a:solidFill>
+          <a:solidFill>
+            <a:srgbClr val="FFFFFF"/>
+          </a:solidFill>
+          <a:ln>
+            <a:noFill/>
           </a:ln>
         </p:spPr>
         <p:style>
-          <a:lnRef idx="1">
-            <a:schemeClr val="accent1"/>
+          <a:lnRef idx="2">
+            <a:schemeClr val="accent1">
+              <a:shade val="50000"/>
+            </a:schemeClr>
           </a:lnRef>
-          <a:fillRef idx="0">
+          <a:fillRef idx="1">
             <a:schemeClr val="accent1"/>
           </a:fillRef>
           <a:effectRef idx="0">
             <a:schemeClr val="accent1"/>
           </a:effectRef>
           <a:fontRef idx="minor">
-            <a:schemeClr val="tx1"/>
+            <a:schemeClr val="lt1"/>
           </a:fontRef>
         </p:style>
-      </p:cxnSp>
+        <p:txBody>
+          <a:bodyPr rtlCol="0" anchor="ctr"/>
+          <a:lstStyle/>
+          <a:p>
+            <a:pPr algn="ctr"/>
+            <a:endParaRPr lang="en-US"/>
+          </a:p>
+        </p:txBody>
+      </p:sp>
       <p:sp>
         <p:nvSpPr>
-          <p:cNvPr id="16" name="Rectangle 15">
+          <p:cNvPr id="46" name="Right Triangle 45">
             <a:extLst>
               <a:ext uri="{FF2B5EF4-FFF2-40B4-BE49-F238E27FC236}">
-                <a16:creationId xmlns:a16="http://schemas.microsoft.com/office/drawing/2014/main" id="{7F57BEA8-497D-4AA8-8A18-BDCD696B25FE}"/>
+                <a16:creationId xmlns:a16="http://schemas.microsoft.com/office/drawing/2014/main" id="{61FFFC16-86E2-4B9A-BC6D-213DC2654765}"/>
               </a:ext>
               <a:ext uri="{C183D7F6-B498-43B3-948B-1728B52AA6E4}">
                 <adec:decorative xmlns:adec="http://schemas.microsoft.com/office/drawing/2017/decorative" val="1"/>
@@ -6731,16 +10935,15 @@
         </p:nvSpPr>
         <p:spPr>
           <a:xfrm>
-            <a:off x="0" y="368596"/>
-            <a:ext cx="12192000" cy="1735555"/>
+            <a:off x="1843683" y="635538"/>
+            <a:ext cx="680408" cy="849747"/>
           </a:xfrm>
-          <a:prstGeom prst="rect">
+          <a:prstGeom prst="rtTriangle">
             <a:avLst/>
           </a:prstGeom>
           <a:solidFill>
-            <a:schemeClr val="tx1">
-              <a:lumMod val="75000"/>
-              <a:lumOff val="25000"/>
+            <a:schemeClr val="bg2">
+              <a:lumMod val="90000"/>
             </a:schemeClr>
           </a:solidFill>
           <a:ln>
@@ -6767,107 +10970,55 @@
           <a:bodyPr rtlCol="0" anchor="ctr"/>
           <a:lstStyle/>
           <a:p>
-            <a:pPr algn="ctr"/>
-            <a:endParaRPr lang="en-US"/>
+            <a:pPr marL="0" marR="0" lvl="0" indent="0" algn="ctr" defTabSz="914400" rtl="0" eaLnBrk="1" fontAlgn="auto" latinLnBrk="0" hangingPunct="1">
+              <a:lnSpc>
+                <a:spcPct val="100000"/>
+              </a:lnSpc>
+              <a:spcBef>
+                <a:spcPts val="0"/>
+              </a:spcBef>
+              <a:spcAft>
+                <a:spcPts val="0"/>
+              </a:spcAft>
+              <a:buClrTx/>
+              <a:buSzTx/>
+              <a:buFontTx/>
+              <a:buNone/>
+              <a:tabLst/>
+              <a:defRPr/>
+            </a:pPr>
+            <a:endParaRPr kumimoji="0" lang="en-US" sz="1800" b="0" i="0" u="none" strike="noStrike" kern="1200" cap="none" spc="0" normalizeH="0" baseline="0" noProof="0">
+              <a:ln>
+                <a:noFill/>
+              </a:ln>
+              <a:solidFill>
+                <a:prstClr val="white"/>
+              </a:solidFill>
+              <a:effectLst/>
+              <a:uLnTx/>
+              <a:uFillTx/>
+              <a:latin typeface="Calibri" panose="020F0502020204030204"/>
+              <a:ea typeface="+mn-ea"/>
+              <a:cs typeface="+mn-cs"/>
+            </a:endParaRPr>
           </a:p>
         </p:txBody>
       </p:sp>
       <p:sp>
         <p:nvSpPr>
-          <p:cNvPr id="2" name="Título 1">
+          <p:cNvPr id="48" name="Freeform: Shape 47">
             <a:extLst>
               <a:ext uri="{FF2B5EF4-FFF2-40B4-BE49-F238E27FC236}">
-                <a16:creationId xmlns:a16="http://schemas.microsoft.com/office/drawing/2014/main" id="{37D3A3F6-199F-4EFB-A223-07B8C9DC716F}"/>
+                <a16:creationId xmlns:a16="http://schemas.microsoft.com/office/drawing/2014/main" id="{DD3524E0-C87C-4F38-9FC7-E969C15A7906}"/>
+              </a:ext>
+              <a:ext uri="{C183D7F6-B498-43B3-948B-1728B52AA6E4}">
+                <adec:decorative xmlns:adec="http://schemas.microsoft.com/office/drawing/2017/decorative" val="1"/>
               </a:ext>
             </a:extLst>
           </p:cNvPr>
           <p:cNvSpPr>
-            <a:spLocks noGrp="1"/>
+            <a:spLocks noGrp="1" noRot="1" noChangeAspect="1" noMove="1" noResize="1" noEditPoints="1" noAdjustHandles="1" noChangeArrowheads="1" noChangeShapeType="1" noTextEdit="1"/>
           </p:cNvSpPr>
-          <p:nvPr>
-            <p:ph type="title"/>
-          </p:nvPr>
-        </p:nvSpPr>
-        <p:spPr>
-          <a:xfrm>
-            <a:off x="612337" y="1265816"/>
-            <a:ext cx="11139854" cy="930447"/>
-          </a:xfrm>
-        </p:spPr>
-        <p:txBody>
-          <a:bodyPr vert="horz" lIns="91440" tIns="45720" rIns="91440" bIns="45720" rtlCol="0" anchor="b">
-            <a:normAutofit/>
-          </a:bodyPr>
-          <a:lstStyle/>
-          <a:p>
-            <a:pPr algn="ctr"/>
-            <a:r>
-              <a:rPr lang="en-US" sz="5400" kern="1200" dirty="0" err="1">
-                <a:solidFill>
-                  <a:schemeClr val="bg1"/>
-                </a:solidFill>
-                <a:latin typeface="+mj-lt"/>
-                <a:ea typeface="+mj-ea"/>
-                <a:cs typeface="+mj-cs"/>
-              </a:rPr>
-              <a:t>Cronograma</a:t>
-            </a:r>
-            <a:r>
-              <a:rPr lang="en-US" sz="5400" kern="1200" dirty="0">
-                <a:solidFill>
-                  <a:schemeClr val="bg1"/>
-                </a:solidFill>
-                <a:latin typeface="+mj-lt"/>
-                <a:ea typeface="+mj-ea"/>
-                <a:cs typeface="+mj-cs"/>
-              </a:rPr>
-              <a:t> </a:t>
-            </a:r>
-            <a:r>
-              <a:rPr lang="en-US" sz="5400" dirty="0">
-                <a:solidFill>
-                  <a:schemeClr val="bg1"/>
-                </a:solidFill>
-              </a:rPr>
-              <a:t>Final</a:t>
-            </a:r>
-            <a:endParaRPr lang="en-US" sz="5400" kern="1200" dirty="0">
-              <a:solidFill>
-                <a:schemeClr val="bg1"/>
-              </a:solidFill>
-              <a:latin typeface="+mj-lt"/>
-              <a:ea typeface="+mj-ea"/>
-              <a:cs typeface="+mj-cs"/>
-            </a:endParaRPr>
-          </a:p>
-          <a:p>
-            <a:pPr algn="ctr"/>
-            <a:endParaRPr lang="en-US" sz="5400" kern="1200">
-              <a:solidFill>
-                <a:schemeClr val="bg1"/>
-              </a:solidFill>
-              <a:latin typeface="+mj-lt"/>
-              <a:ea typeface="+mj-ea"/>
-              <a:cs typeface="+mj-cs"/>
-            </a:endParaRPr>
-          </a:p>
-        </p:txBody>
-      </p:sp>
-      <p:cxnSp>
-        <p:nvCxnSpPr>
-          <p:cNvPr id="18" name="Straight Connector 17">
-            <a:extLst>
-              <a:ext uri="{FF2B5EF4-FFF2-40B4-BE49-F238E27FC236}">
-                <a16:creationId xmlns:a16="http://schemas.microsoft.com/office/drawing/2014/main" id="{A82415D3-DDE5-4D63-8CB3-23A5EC581B27}"/>
-              </a:ext>
-              <a:ext uri="{C183D7F6-B498-43B3-948B-1728B52AA6E4}">
-                <adec:decorative xmlns:adec="http://schemas.microsoft.com/office/drawing/2017/decorative" val="1"/>
-              </a:ext>
-            </a:extLst>
-          </p:cNvPr>
-          <p:cNvCxnSpPr>
-            <a:cxnSpLocks noGrp="1" noRot="1" noChangeAspect="1" noMove="1" noResize="1" noEditPoints="1" noAdjustHandles="1" noChangeArrowheads="1" noChangeShapeType="1"/>
-          </p:cNvCxnSpPr>
           <p:nvPr>
             <p:extLst>
               <p:ext uri="{386F3935-93C4-4BCD-93E2-E3B085C9AB24}">
@@ -6875,53 +11026,186 @@
               </p:ext>
             </p:extLst>
           </p:nvPr>
-        </p:nvCxnSpPr>
+        </p:nvSpPr>
         <p:spPr>
-          <a:xfrm>
-            <a:off x="4724400" y="1479733"/>
-            <a:ext cx="2743200" cy="0"/>
+          <a:xfrm rot="16200000" flipH="1">
+            <a:off x="1114143" y="991883"/>
+            <a:ext cx="1371600" cy="2356777"/>
           </a:xfrm>
-          <a:prstGeom prst="line">
+          <a:custGeom>
             <a:avLst/>
-          </a:prstGeom>
-          <a:ln w="19050">
-            <a:solidFill>
-              <a:schemeClr val="bg1">
-                <a:alpha val="75000"/>
-              </a:schemeClr>
-            </a:solidFill>
+            <a:gdLst>
+              <a:gd name="connsiteX0" fmla="*/ 0 w 1371600"/>
+              <a:gd name="connsiteY0" fmla="*/ 0 h 2356777"/>
+              <a:gd name="connsiteX1" fmla="*/ 0 w 1371600"/>
+              <a:gd name="connsiteY1" fmla="*/ 1216152 h 2356777"/>
+              <a:gd name="connsiteX2" fmla="*/ 4495 w 1371600"/>
+              <a:gd name="connsiteY2" fmla="*/ 1216152 h 2356777"/>
+              <a:gd name="connsiteX3" fmla="*/ 4495 w 1371600"/>
+              <a:gd name="connsiteY3" fmla="*/ 2356777 h 2356777"/>
+              <a:gd name="connsiteX4" fmla="*/ 1367105 w 1371600"/>
+              <a:gd name="connsiteY4" fmla="*/ 2356777 h 2356777"/>
+              <a:gd name="connsiteX5" fmla="*/ 1367105 w 1371600"/>
+              <a:gd name="connsiteY5" fmla="*/ 1216152 h 2356777"/>
+              <a:gd name="connsiteX6" fmla="*/ 1371600 w 1371600"/>
+              <a:gd name="connsiteY6" fmla="*/ 1216152 h 2356777"/>
+              <a:gd name="connsiteX7" fmla="*/ 1367105 w 1371600"/>
+              <a:gd name="connsiteY7" fmla="*/ 1212166 h 2356777"/>
+              <a:gd name="connsiteX8" fmla="*/ 1367105 w 1371600"/>
+              <a:gd name="connsiteY8" fmla="*/ 1210176 h 2356777"/>
+              <a:gd name="connsiteX9" fmla="*/ 1364860 w 1371600"/>
+              <a:gd name="connsiteY9" fmla="*/ 1210176 h 2356777"/>
+            </a:gdLst>
+            <a:ahLst/>
+            <a:cxnLst>
+              <a:cxn ang="0">
+                <a:pos x="connsiteX0" y="connsiteY0"/>
+              </a:cxn>
+              <a:cxn ang="0">
+                <a:pos x="connsiteX1" y="connsiteY1"/>
+              </a:cxn>
+              <a:cxn ang="0">
+                <a:pos x="connsiteX2" y="connsiteY2"/>
+              </a:cxn>
+              <a:cxn ang="0">
+                <a:pos x="connsiteX3" y="connsiteY3"/>
+              </a:cxn>
+              <a:cxn ang="0">
+                <a:pos x="connsiteX4" y="connsiteY4"/>
+              </a:cxn>
+              <a:cxn ang="0">
+                <a:pos x="connsiteX5" y="connsiteY5"/>
+              </a:cxn>
+              <a:cxn ang="0">
+                <a:pos x="connsiteX6" y="connsiteY6"/>
+              </a:cxn>
+              <a:cxn ang="0">
+                <a:pos x="connsiteX7" y="connsiteY7"/>
+              </a:cxn>
+              <a:cxn ang="0">
+                <a:pos x="connsiteX8" y="connsiteY8"/>
+              </a:cxn>
+              <a:cxn ang="0">
+                <a:pos x="connsiteX9" y="connsiteY9"/>
+              </a:cxn>
+            </a:cxnLst>
+            <a:rect l="l" t="t" r="r" b="b"/>
+            <a:pathLst>
+              <a:path w="1371600" h="2356777">
+                <a:moveTo>
+                  <a:pt x="0" y="0"/>
+                </a:moveTo>
+                <a:lnTo>
+                  <a:pt x="0" y="1216152"/>
+                </a:lnTo>
+                <a:lnTo>
+                  <a:pt x="4495" y="1216152"/>
+                </a:lnTo>
+                <a:lnTo>
+                  <a:pt x="4495" y="2356777"/>
+                </a:lnTo>
+                <a:lnTo>
+                  <a:pt x="1367105" y="2356777"/>
+                </a:lnTo>
+                <a:lnTo>
+                  <a:pt x="1367105" y="1216152"/>
+                </a:lnTo>
+                <a:lnTo>
+                  <a:pt x="1371600" y="1216152"/>
+                </a:lnTo>
+                <a:lnTo>
+                  <a:pt x="1367105" y="1212166"/>
+                </a:lnTo>
+                <a:lnTo>
+                  <a:pt x="1367105" y="1210176"/>
+                </a:lnTo>
+                <a:lnTo>
+                  <a:pt x="1364860" y="1210176"/>
+                </a:lnTo>
+                <a:close/>
+              </a:path>
+            </a:pathLst>
+          </a:custGeom>
+          <a:solidFill>
+            <a:schemeClr val="tx2">
+              <a:lumMod val="75000"/>
+            </a:schemeClr>
+          </a:solidFill>
+          <a:ln>
+            <a:noFill/>
           </a:ln>
         </p:spPr>
         <p:style>
-          <a:lnRef idx="1">
-            <a:schemeClr val="accent1"/>
+          <a:lnRef idx="2">
+            <a:schemeClr val="accent1">
+              <a:shade val="50000"/>
+            </a:schemeClr>
           </a:lnRef>
-          <a:fillRef idx="0">
+          <a:fillRef idx="1">
             <a:schemeClr val="accent1"/>
           </a:fillRef>
           <a:effectRef idx="0">
             <a:schemeClr val="accent1"/>
           </a:effectRef>
           <a:fontRef idx="minor">
-            <a:schemeClr val="tx1"/>
+            <a:schemeClr val="lt1"/>
           </a:fontRef>
         </p:style>
-      </p:cxnSp>
-      <p:cxnSp>
-        <p:nvCxnSpPr>
-          <p:cNvPr id="20" name="Straight Connector 19">
+        <p:txBody>
+          <a:bodyPr wrap="square" rtlCol="0" anchor="ctr">
+            <a:noAutofit/>
+          </a:bodyPr>
+          <a:lstStyle/>
+          <a:p>
+            <a:pPr marL="0" marR="0" lvl="0" indent="0" algn="ctr" defTabSz="914400" rtl="0" eaLnBrk="1" fontAlgn="auto" latinLnBrk="0" hangingPunct="1">
+              <a:lnSpc>
+                <a:spcPct val="100000"/>
+              </a:lnSpc>
+              <a:spcBef>
+                <a:spcPts val="0"/>
+              </a:spcBef>
+              <a:spcAft>
+                <a:spcPts val="0"/>
+              </a:spcAft>
+              <a:buClrTx/>
+              <a:buSzTx/>
+              <a:buFontTx/>
+              <a:buNone/>
+              <a:tabLst/>
+              <a:defRPr/>
+            </a:pPr>
+            <a:endParaRPr kumimoji="0" lang="en-US" sz="1800" b="0" i="0" u="none" strike="noStrike" kern="1200" cap="none" spc="0" normalizeH="0" baseline="0" noProof="0">
+              <a:ln>
+                <a:noFill/>
+              </a:ln>
+              <a:solidFill>
+                <a:prstClr val="white"/>
+              </a:solidFill>
+              <a:effectLst/>
+              <a:uLnTx/>
+              <a:uFillTx/>
+              <a:latin typeface="Calibri" panose="020F0502020204030204"/>
+              <a:ea typeface="+mn-ea"/>
+              <a:cs typeface="+mn-cs"/>
+            </a:endParaRPr>
+          </a:p>
+        </p:txBody>
+      </p:sp>
+      <p:sp>
+        <p:nvSpPr>
+          <p:cNvPr id="50" name="Right Triangle 49">
             <a:extLst>
               <a:ext uri="{FF2B5EF4-FFF2-40B4-BE49-F238E27FC236}">
-                <a16:creationId xmlns:a16="http://schemas.microsoft.com/office/drawing/2014/main" id="{AD7193FB-6AE6-4B3B-8F89-56B55DD63B4D}"/>
+                <a16:creationId xmlns:a16="http://schemas.microsoft.com/office/drawing/2014/main" id="{F1ED1DF4-DDDE-4464-8ABC-ED1F633CCEC1}"/>
               </a:ext>
               <a:ext uri="{C183D7F6-B498-43B3-948B-1728B52AA6E4}">
                 <adec:decorative xmlns:adec="http://schemas.microsoft.com/office/drawing/2017/decorative" val="1"/>
               </a:ext>
             </a:extLst>
           </p:cNvPr>
-          <p:cNvCxnSpPr>
-            <a:cxnSpLocks noGrp="1" noRot="1" noChangeAspect="1" noMove="1" noResize="1" noEditPoints="1" noAdjustHandles="1" noChangeArrowheads="1" noChangeShapeType="1"/>
-          </p:cNvCxnSpPr>
+          <p:cNvSpPr>
+            <a:spLocks noGrp="1" noRot="1" noChangeAspect="1" noMove="1" noResize="1" noEditPoints="1" noAdjustHandles="1" noChangeArrowheads="1" noChangeShapeType="1" noTextEdit="1"/>
+          </p:cNvSpPr>
           <p:nvPr>
             <p:extLst>
               <p:ext uri="{386F3935-93C4-4BCD-93E2-E3B085C9AB24}">
@@ -6929,140 +11213,19 @@
               </p:ext>
             </p:extLst>
           </p:nvPr>
-        </p:nvCxnSpPr>
-        <p:spPr bwMode="white">
-          <a:xfrm>
-            <a:off x="0" y="2201402"/>
-            <a:ext cx="12188824" cy="0"/>
-          </a:xfrm>
-          <a:prstGeom prst="line">
-            <a:avLst/>
-          </a:prstGeom>
-          <a:ln w="50800">
-            <a:solidFill>
-              <a:schemeClr val="tx1">
-                <a:lumMod val="75000"/>
-                <a:lumOff val="25000"/>
-              </a:schemeClr>
-            </a:solidFill>
-          </a:ln>
-        </p:spPr>
-        <p:style>
-          <a:lnRef idx="1">
-            <a:schemeClr val="accent1"/>
-          </a:lnRef>
-          <a:fillRef idx="0">
-            <a:schemeClr val="accent1"/>
-          </a:fillRef>
-          <a:effectRef idx="0">
-            <a:schemeClr val="accent1"/>
-          </a:effectRef>
-          <a:fontRef idx="minor">
-            <a:schemeClr val="tx1"/>
-          </a:fontRef>
-        </p:style>
-      </p:cxnSp>
-      <p:pic>
-        <p:nvPicPr>
-          <p:cNvPr id="4" name="Imagem 4">
-            <a:extLst>
-              <a:ext uri="{FF2B5EF4-FFF2-40B4-BE49-F238E27FC236}">
-                <a16:creationId xmlns:a16="http://schemas.microsoft.com/office/drawing/2014/main" id="{1E772048-E545-4991-AE94-FEBC6AC06C7A}"/>
-              </a:ext>
-            </a:extLst>
-          </p:cNvPr>
-          <p:cNvPicPr>
-            <a:picLocks noChangeAspect="1"/>
-          </p:cNvPicPr>
-          <p:nvPr/>
-        </p:nvPicPr>
-        <p:blipFill>
-          <a:blip r:embed="rId2"/>
-          <a:stretch>
-            <a:fillRect/>
-          </a:stretch>
-        </p:blipFill>
-        <p:spPr>
-          <a:xfrm>
-            <a:off x="677012" y="2269390"/>
-            <a:ext cx="10826009" cy="4342693"/>
-          </a:xfrm>
-          <a:prstGeom prst="rect">
-            <a:avLst/>
-          </a:prstGeom>
-        </p:spPr>
-      </p:pic>
-    </p:spTree>
-    <p:extLst>
-      <p:ext uri="{BB962C8B-B14F-4D97-AF65-F5344CB8AC3E}">
-        <p14:creationId xmlns:p14="http://schemas.microsoft.com/office/powerpoint/2010/main" val="756450214"/>
-      </p:ext>
-    </p:extLst>
-  </p:cSld>
-  <p:clrMapOvr>
-    <a:masterClrMapping/>
-  </p:clrMapOvr>
-</p:sld>
-</file>
-
-<file path=ppt/slides/slide21.xml><?xml version="1.0" encoding="utf-8"?>
-<p:sld xmlns:a="http://schemas.openxmlformats.org/drawingml/2006/main" xmlns:r="http://schemas.openxmlformats.org/officeDocument/2006/relationships" xmlns:p="http://schemas.openxmlformats.org/presentationml/2006/main">
-  <p:cSld>
-    <p:bg>
-      <p:bgPr>
-        <a:solidFill>
-          <a:schemeClr val="bg1"/>
-        </a:solidFill>
-        <a:effectLst/>
-      </p:bgPr>
-    </p:bg>
-    <p:spTree>
-      <p:nvGrpSpPr>
-        <p:cNvPr id="1" name=""/>
-        <p:cNvGrpSpPr/>
-        <p:nvPr/>
-      </p:nvGrpSpPr>
-      <p:grpSpPr>
-        <a:xfrm>
-          <a:off x="0" y="0"/>
-          <a:ext cx="0" cy="0"/>
-          <a:chOff x="0" y="0"/>
-          <a:chExt cx="0" cy="0"/>
-        </a:xfrm>
-      </p:grpSpPr>
-      <p:sp>
-        <p:nvSpPr>
-          <p:cNvPr id="14" name="Rectangle 13">
-            <a:extLst>
-              <a:ext uri="{FF2B5EF4-FFF2-40B4-BE49-F238E27FC236}">
-                <a16:creationId xmlns:a16="http://schemas.microsoft.com/office/drawing/2014/main" id="{A4AC5506-6312-4701-8D3C-40187889A947}"/>
-              </a:ext>
-              <a:ext uri="{C183D7F6-B498-43B3-948B-1728B52AA6E4}">
-                <adec:decorative xmlns:adec="http://schemas.microsoft.com/office/drawing/2017/decorative" val="1"/>
-              </a:ext>
-            </a:extLst>
-          </p:cNvPr>
-          <p:cNvSpPr>
-            <a:spLocks noGrp="1" noRot="1" noChangeAspect="1" noMove="1" noResize="1" noEditPoints="1" noAdjustHandles="1" noChangeArrowheads="1" noChangeShapeType="1" noTextEdit="1"/>
-          </p:cNvSpPr>
-          <p:nvPr>
-            <p:extLst>
-              <p:ext uri="{386F3935-93C4-4BCD-93E2-E3B085C9AB24}">
-                <p16:designElem xmlns:p16="http://schemas.microsoft.com/office/powerpoint/2015/main" val="1"/>
-              </p:ext>
-            </p:extLst>
-          </p:nvPr>
         </p:nvSpPr>
         <p:spPr>
           <a:xfrm>
-            <a:off x="0" y="651752"/>
-            <a:ext cx="12192000" cy="736551"/>
+            <a:off x="4955916" y="1477941"/>
+            <a:ext cx="1092260" cy="1371600"/>
           </a:xfrm>
-          <a:prstGeom prst="rect">
+          <a:prstGeom prst="rtTriangle">
             <a:avLst/>
           </a:prstGeom>
           <a:solidFill>
-            <a:schemeClr val="tx1"/>
+            <a:schemeClr val="bg2">
+              <a:lumMod val="90000"/>
+            </a:schemeClr>
           </a:solidFill>
           <a:ln>
             <a:noFill/>
@@ -7088,6 +11251,255 @@
           <a:bodyPr rtlCol="0" anchor="ctr"/>
           <a:lstStyle/>
           <a:p>
+            <a:pPr marL="0" marR="0" lvl="0" indent="0" algn="ctr" defTabSz="914400" rtl="0" eaLnBrk="1" fontAlgn="auto" latinLnBrk="0" hangingPunct="1">
+              <a:lnSpc>
+                <a:spcPct val="100000"/>
+              </a:lnSpc>
+              <a:spcBef>
+                <a:spcPts val="0"/>
+              </a:spcBef>
+              <a:spcAft>
+                <a:spcPts val="0"/>
+              </a:spcAft>
+              <a:buClrTx/>
+              <a:buSzTx/>
+              <a:buFontTx/>
+              <a:buNone/>
+              <a:tabLst/>
+              <a:defRPr/>
+            </a:pPr>
+            <a:endParaRPr kumimoji="0" lang="en-US" sz="1800" b="0" i="0" u="none" strike="noStrike" kern="1200" cap="none" spc="0" normalizeH="0" baseline="0" noProof="0">
+              <a:ln>
+                <a:noFill/>
+              </a:ln>
+              <a:solidFill>
+                <a:prstClr val="white"/>
+              </a:solidFill>
+              <a:effectLst/>
+              <a:uLnTx/>
+              <a:uFillTx/>
+              <a:latin typeface="Calibri" panose="020F0502020204030204"/>
+              <a:ea typeface="+mn-ea"/>
+              <a:cs typeface="+mn-cs"/>
+            </a:endParaRPr>
+          </a:p>
+        </p:txBody>
+      </p:sp>
+      <p:sp>
+        <p:nvSpPr>
+          <p:cNvPr id="52" name="Rectangle 51">
+            <a:extLst>
+              <a:ext uri="{FF2B5EF4-FFF2-40B4-BE49-F238E27FC236}">
+                <a16:creationId xmlns:a16="http://schemas.microsoft.com/office/drawing/2014/main" id="{E7E01BF7-4F45-4B6D-82BF-5A5DB30A627B}"/>
+              </a:ext>
+              <a:ext uri="{C183D7F6-B498-43B3-948B-1728B52AA6E4}">
+                <adec:decorative xmlns:adec="http://schemas.microsoft.com/office/drawing/2017/decorative" val="1"/>
+              </a:ext>
+            </a:extLst>
+          </p:cNvPr>
+          <p:cNvSpPr>
+            <a:spLocks noGrp="1" noRot="1" noChangeAspect="1" noMove="1" noResize="1" noEditPoints="1" noAdjustHandles="1" noChangeArrowheads="1" noChangeShapeType="1" noTextEdit="1"/>
+          </p:cNvSpPr>
+          <p:nvPr>
+            <p:extLst>
+              <p:ext uri="{386F3935-93C4-4BCD-93E2-E3B085C9AB24}">
+                <p16:designElem xmlns:p16="http://schemas.microsoft.com/office/powerpoint/2015/main" val="1"/>
+              </p:ext>
+            </p:extLst>
+          </p:nvPr>
+        </p:nvSpPr>
+        <p:spPr>
+          <a:xfrm>
+            <a:off x="645541" y="2856071"/>
+            <a:ext cx="2340073" cy="1911095"/>
+          </a:xfrm>
+          <a:prstGeom prst="rect">
+            <a:avLst/>
+          </a:prstGeom>
+          <a:solidFill>
+            <a:srgbClr val="FFFFFF"/>
+          </a:solidFill>
+          <a:ln>
+            <a:noFill/>
+          </a:ln>
+        </p:spPr>
+        <p:style>
+          <a:lnRef idx="2">
+            <a:schemeClr val="accent1">
+              <a:shade val="50000"/>
+            </a:schemeClr>
+          </a:lnRef>
+          <a:fillRef idx="1">
+            <a:schemeClr val="accent1"/>
+          </a:fillRef>
+          <a:effectRef idx="0">
+            <a:schemeClr val="accent1"/>
+          </a:effectRef>
+          <a:fontRef idx="minor">
+            <a:schemeClr val="lt1"/>
+          </a:fontRef>
+        </p:style>
+        <p:txBody>
+          <a:bodyPr rtlCol="0" anchor="ctr"/>
+          <a:lstStyle/>
+          <a:p>
+            <a:pPr algn="ctr"/>
+            <a:endParaRPr lang="en-US"/>
+          </a:p>
+        </p:txBody>
+      </p:sp>
+      <p:sp>
+        <p:nvSpPr>
+          <p:cNvPr id="54" name="Right Triangle 53">
+            <a:extLst>
+              <a:ext uri="{FF2B5EF4-FFF2-40B4-BE49-F238E27FC236}">
+                <a16:creationId xmlns:a16="http://schemas.microsoft.com/office/drawing/2014/main" id="{F2FC5C7B-261A-4268-BA85-C29488A8BED3}"/>
+              </a:ext>
+              <a:ext uri="{C183D7F6-B498-43B3-948B-1728B52AA6E4}">
+                <adec:decorative xmlns:adec="http://schemas.microsoft.com/office/drawing/2017/decorative" val="1"/>
+              </a:ext>
+            </a:extLst>
+          </p:cNvPr>
+          <p:cNvSpPr>
+            <a:spLocks noGrp="1" noRot="1" noChangeAspect="1" noMove="1" noResize="1" noEditPoints="1" noAdjustHandles="1" noChangeArrowheads="1" noChangeShapeType="1" noTextEdit="1"/>
+          </p:cNvSpPr>
+          <p:nvPr>
+            <p:extLst>
+              <p:ext uri="{386F3935-93C4-4BCD-93E2-E3B085C9AB24}">
+                <p16:designElem xmlns:p16="http://schemas.microsoft.com/office/powerpoint/2015/main" val="1"/>
+              </p:ext>
+            </p:extLst>
+          </p:nvPr>
+        </p:nvSpPr>
+        <p:spPr>
+          <a:xfrm rot="5400000">
+            <a:off x="6810520" y="2798992"/>
+            <a:ext cx="1911096" cy="1980472"/>
+          </a:xfrm>
+          <a:prstGeom prst="rtTriangle">
+            <a:avLst/>
+          </a:prstGeom>
+          <a:solidFill>
+            <a:schemeClr val="accent3">
+              <a:alpha val="80000"/>
+            </a:schemeClr>
+          </a:solidFill>
+          <a:ln>
+            <a:noFill/>
+          </a:ln>
+        </p:spPr>
+        <p:style>
+          <a:lnRef idx="2">
+            <a:schemeClr val="accent1">
+              <a:shade val="50000"/>
+            </a:schemeClr>
+          </a:lnRef>
+          <a:fillRef idx="1">
+            <a:schemeClr val="accent1"/>
+          </a:fillRef>
+          <a:effectRef idx="0">
+            <a:schemeClr val="accent1"/>
+          </a:effectRef>
+          <a:fontRef idx="minor">
+            <a:schemeClr val="lt1"/>
+          </a:fontRef>
+        </p:style>
+        <p:txBody>
+          <a:bodyPr rtlCol="0" anchor="ctr"/>
+          <a:lstStyle/>
+          <a:p>
+            <a:pPr marL="0" marR="0" lvl="0" indent="0" algn="ctr" defTabSz="914400" rtl="0" eaLnBrk="1" fontAlgn="auto" latinLnBrk="0" hangingPunct="1">
+              <a:lnSpc>
+                <a:spcPct val="100000"/>
+              </a:lnSpc>
+              <a:spcBef>
+                <a:spcPts val="0"/>
+              </a:spcBef>
+              <a:spcAft>
+                <a:spcPts val="0"/>
+              </a:spcAft>
+              <a:buClrTx/>
+              <a:buSzTx/>
+              <a:buFontTx/>
+              <a:buNone/>
+              <a:tabLst/>
+              <a:defRPr/>
+            </a:pPr>
+            <a:endParaRPr kumimoji="0" lang="en-US" sz="1800" b="0" i="0" u="none" strike="noStrike" kern="1200" cap="none" spc="0" normalizeH="0" baseline="0" noProof="0">
+              <a:ln>
+                <a:noFill/>
+              </a:ln>
+              <a:solidFill>
+                <a:prstClr val="white"/>
+              </a:solidFill>
+              <a:effectLst/>
+              <a:uLnTx/>
+              <a:uFillTx/>
+              <a:latin typeface="Calibri" panose="020F0502020204030204"/>
+              <a:ea typeface="+mn-ea"/>
+              <a:cs typeface="+mn-cs"/>
+            </a:endParaRPr>
+          </a:p>
+        </p:txBody>
+      </p:sp>
+      <p:sp>
+        <p:nvSpPr>
+          <p:cNvPr id="56" name="Rectangle 55">
+            <a:extLst>
+              <a:ext uri="{FF2B5EF4-FFF2-40B4-BE49-F238E27FC236}">
+                <a16:creationId xmlns:a16="http://schemas.microsoft.com/office/drawing/2014/main" id="{5CB4E315-91F2-4710-B866-B119037ED97C}"/>
+              </a:ext>
+              <a:ext uri="{C183D7F6-B498-43B3-948B-1728B52AA6E4}">
+                <adec:decorative xmlns:adec="http://schemas.microsoft.com/office/drawing/2017/decorative" val="1"/>
+              </a:ext>
+            </a:extLst>
+          </p:cNvPr>
+          <p:cNvSpPr>
+            <a:spLocks noGrp="1" noRot="1" noChangeAspect="1" noMove="1" noResize="1" noEditPoints="1" noAdjustHandles="1" noChangeArrowheads="1" noChangeShapeType="1" noTextEdit="1"/>
+          </p:cNvSpPr>
+          <p:nvPr>
+            <p:extLst>
+              <p:ext uri="{386F3935-93C4-4BCD-93E2-E3B085C9AB24}">
+                <p16:designElem xmlns:p16="http://schemas.microsoft.com/office/powerpoint/2015/main" val="1"/>
+              </p:ext>
+            </p:extLst>
+          </p:nvPr>
+        </p:nvSpPr>
+        <p:spPr>
+          <a:xfrm>
+            <a:off x="6785769" y="673132"/>
+            <a:ext cx="1980472" cy="2164649"/>
+          </a:xfrm>
+          <a:prstGeom prst="rect">
+            <a:avLst/>
+          </a:prstGeom>
+          <a:solidFill>
+            <a:srgbClr val="FFFFFF"/>
+          </a:solidFill>
+          <a:ln>
+            <a:noFill/>
+          </a:ln>
+        </p:spPr>
+        <p:style>
+          <a:lnRef idx="2">
+            <a:schemeClr val="accent1">
+              <a:shade val="50000"/>
+            </a:schemeClr>
+          </a:lnRef>
+          <a:fillRef idx="1">
+            <a:schemeClr val="accent1"/>
+          </a:fillRef>
+          <a:effectRef idx="0">
+            <a:schemeClr val="accent1"/>
+          </a:effectRef>
+          <a:fontRef idx="minor">
+            <a:schemeClr val="lt1"/>
+          </a:fontRef>
+        </p:style>
+        <p:txBody>
+          <a:bodyPr rtlCol="0" anchor="ctr"/>
+          <a:lstStyle/>
+          <a:p>
             <a:pPr algn="ctr"/>
             <a:endParaRPr lang="en-US"/>
           </a:p>
@@ -7095,10 +11507,10 @@
       </p:sp>
       <p:pic>
         <p:nvPicPr>
-          <p:cNvPr id="8" name="Picture 8" descr="Icon&#10;&#10;Description automatically generated">
+          <p:cNvPr id="11" name="Imagem 11">
             <a:extLst>
               <a:ext uri="{FF2B5EF4-FFF2-40B4-BE49-F238E27FC236}">
-                <a16:creationId xmlns:a16="http://schemas.microsoft.com/office/drawing/2014/main" id="{82EC4EBD-2D34-434D-A326-F15F5C3C67CE}"/>
+                <a16:creationId xmlns:a16="http://schemas.microsoft.com/office/drawing/2014/main" id="{5CD04BFC-51CB-4B34-B742-EEA257E37D74}"/>
               </a:ext>
             </a:extLst>
           </p:cNvPr>
@@ -7115,14 +11527,108 @@
         </p:blipFill>
         <p:spPr>
           <a:xfrm>
-            <a:off x="642938" y="1701800"/>
-            <a:ext cx="2373313" cy="2376488"/>
+            <a:off x="6993927" y="838606"/>
+            <a:ext cx="1564155" cy="1845611"/>
           </a:xfrm>
           <a:prstGeom prst="rect">
             <a:avLst/>
           </a:prstGeom>
         </p:spPr>
       </p:pic>
+      <p:sp>
+        <p:nvSpPr>
+          <p:cNvPr id="58" name="Right Triangle 57">
+            <a:extLst>
+              <a:ext uri="{FF2B5EF4-FFF2-40B4-BE49-F238E27FC236}">
+                <a16:creationId xmlns:a16="http://schemas.microsoft.com/office/drawing/2014/main" id="{569BABC0-B0CC-4E7B-838A-F6E644779E18}"/>
+              </a:ext>
+              <a:ext uri="{C183D7F6-B498-43B3-948B-1728B52AA6E4}">
+                <adec:decorative xmlns:adec="http://schemas.microsoft.com/office/drawing/2017/decorative" val="1"/>
+              </a:ext>
+            </a:extLst>
+          </p:cNvPr>
+          <p:cNvSpPr>
+            <a:spLocks noGrp="1" noRot="1" noChangeAspect="1" noMove="1" noResize="1" noEditPoints="1" noAdjustHandles="1" noChangeArrowheads="1" noChangeShapeType="1" noTextEdit="1"/>
+          </p:cNvSpPr>
+          <p:nvPr>
+            <p:extLst>
+              <p:ext uri="{386F3935-93C4-4BCD-93E2-E3B085C9AB24}">
+                <p16:designElem xmlns:p16="http://schemas.microsoft.com/office/powerpoint/2015/main" val="1"/>
+              </p:ext>
+            </p:extLst>
+          </p:nvPr>
+        </p:nvSpPr>
+        <p:spPr>
+          <a:xfrm rot="16200000" flipV="1">
+            <a:off x="8642224" y="795153"/>
+            <a:ext cx="1399032" cy="1150628"/>
+          </a:xfrm>
+          <a:prstGeom prst="rtTriangle">
+            <a:avLst/>
+          </a:prstGeom>
+          <a:solidFill>
+            <a:schemeClr val="accent3">
+              <a:alpha val="80000"/>
+            </a:schemeClr>
+          </a:solidFill>
+          <a:ln>
+            <a:noFill/>
+          </a:ln>
+        </p:spPr>
+        <p:style>
+          <a:lnRef idx="2">
+            <a:schemeClr val="accent1">
+              <a:shade val="50000"/>
+            </a:schemeClr>
+          </a:lnRef>
+          <a:fillRef idx="1">
+            <a:schemeClr val="accent1"/>
+          </a:fillRef>
+          <a:effectRef idx="0">
+            <a:schemeClr val="accent1"/>
+          </a:effectRef>
+          <a:fontRef idx="minor">
+            <a:schemeClr val="lt1"/>
+          </a:fontRef>
+        </p:style>
+        <p:txBody>
+          <a:bodyPr rtlCol="0" anchor="ctr"/>
+          <a:lstStyle/>
+          <a:p>
+            <a:pPr marL="0" marR="0" lvl="0" indent="0" algn="ctr" defTabSz="914400" rtl="0" eaLnBrk="1" fontAlgn="auto" latinLnBrk="0" hangingPunct="1">
+              <a:lnSpc>
+                <a:spcPct val="100000"/>
+              </a:lnSpc>
+              <a:spcBef>
+                <a:spcPts val="0"/>
+              </a:spcBef>
+              <a:spcAft>
+                <a:spcPts val="0"/>
+              </a:spcAft>
+              <a:buClrTx/>
+              <a:buSzTx/>
+              <a:buFontTx/>
+              <a:buNone/>
+              <a:tabLst/>
+              <a:defRPr/>
+            </a:pPr>
+            <a:endParaRPr kumimoji="0" lang="en-US" sz="1800" b="0" i="0" u="none" strike="noStrike" kern="1200" cap="none" spc="0" normalizeH="0" baseline="0" noProof="0">
+              <a:ln>
+                <a:noFill/>
+              </a:ln>
+              <a:solidFill>
+                <a:prstClr val="white"/>
+              </a:solidFill>
+              <a:effectLst/>
+              <a:uLnTx/>
+              <a:uFillTx/>
+              <a:latin typeface="Calibri" panose="020F0502020204030204"/>
+              <a:ea typeface="+mn-ea"/>
+              <a:cs typeface="+mn-cs"/>
+            </a:endParaRPr>
+          </a:p>
+        </p:txBody>
+      </p:sp>
       <p:pic>
         <p:nvPicPr>
           <p:cNvPr id="6" name="Picture 6" descr="Logo&#10;&#10;Description automatically generated">
@@ -7145,8 +11651,257 @@
         </p:blipFill>
         <p:spPr>
           <a:xfrm>
-            <a:off x="3090863" y="1701800"/>
-            <a:ext cx="2376488" cy="2376488"/>
+            <a:off x="1048458" y="3037579"/>
+            <a:ext cx="1554016" cy="1554016"/>
+          </a:xfrm>
+          <a:prstGeom prst="rect">
+            <a:avLst/>
+          </a:prstGeom>
+        </p:spPr>
+      </p:pic>
+      <p:sp>
+        <p:nvSpPr>
+          <p:cNvPr id="60" name="Rectangle 59">
+            <a:extLst>
+              <a:ext uri="{FF2B5EF4-FFF2-40B4-BE49-F238E27FC236}">
+                <a16:creationId xmlns:a16="http://schemas.microsoft.com/office/drawing/2014/main" id="{DCBE1B01-A27C-45C2-ADA4-AA13C3AC1F6A}"/>
+              </a:ext>
+              <a:ext uri="{C183D7F6-B498-43B3-948B-1728B52AA6E4}">
+                <adec:decorative xmlns:adec="http://schemas.microsoft.com/office/drawing/2017/decorative" val="1"/>
+              </a:ext>
+            </a:extLst>
+          </p:cNvPr>
+          <p:cNvSpPr>
+            <a:spLocks noGrp="1" noRot="1" noChangeAspect="1" noMove="1" noResize="1" noEditPoints="1" noAdjustHandles="1" noChangeArrowheads="1" noChangeShapeType="1" noTextEdit="1"/>
+          </p:cNvSpPr>
+          <p:nvPr>
+            <p:extLst>
+              <p:ext uri="{386F3935-93C4-4BCD-93E2-E3B085C9AB24}">
+                <p16:designElem xmlns:p16="http://schemas.microsoft.com/office/powerpoint/2015/main" val="1"/>
+              </p:ext>
+            </p:extLst>
+          </p:nvPr>
+        </p:nvSpPr>
+        <p:spPr>
+          <a:xfrm>
+            <a:off x="4061516" y="2850674"/>
+            <a:ext cx="2716145" cy="1901952"/>
+          </a:xfrm>
+          <a:prstGeom prst="rect">
+            <a:avLst/>
+          </a:prstGeom>
+          <a:solidFill>
+            <a:srgbClr val="FFFFFF"/>
+          </a:solidFill>
+          <a:ln>
+            <a:noFill/>
+          </a:ln>
+        </p:spPr>
+        <p:style>
+          <a:lnRef idx="2">
+            <a:schemeClr val="accent1">
+              <a:shade val="50000"/>
+            </a:schemeClr>
+          </a:lnRef>
+          <a:fillRef idx="1">
+            <a:schemeClr val="accent1"/>
+          </a:fillRef>
+          <a:effectRef idx="0">
+            <a:schemeClr val="accent1"/>
+          </a:effectRef>
+          <a:fontRef idx="minor">
+            <a:schemeClr val="lt1"/>
+          </a:fontRef>
+        </p:style>
+        <p:txBody>
+          <a:bodyPr rtlCol="0" anchor="ctr"/>
+          <a:lstStyle/>
+          <a:p>
+            <a:pPr algn="ctr"/>
+            <a:endParaRPr lang="en-US"/>
+          </a:p>
+        </p:txBody>
+      </p:sp>
+      <p:sp>
+        <p:nvSpPr>
+          <p:cNvPr id="62" name="Right Triangle 61">
+            <a:extLst>
+              <a:ext uri="{FF2B5EF4-FFF2-40B4-BE49-F238E27FC236}">
+                <a16:creationId xmlns:a16="http://schemas.microsoft.com/office/drawing/2014/main" id="{BE7E1DAA-43FB-4446-A354-9283DE6686C8}"/>
+              </a:ext>
+              <a:ext uri="{C183D7F6-B498-43B3-948B-1728B52AA6E4}">
+                <adec:decorative xmlns:adec="http://schemas.microsoft.com/office/drawing/2017/decorative" val="1"/>
+              </a:ext>
+            </a:extLst>
+          </p:cNvPr>
+          <p:cNvSpPr>
+            <a:spLocks noGrp="1" noRot="1" noChangeAspect="1" noMove="1" noResize="1" noEditPoints="1" noAdjustHandles="1" noChangeArrowheads="1" noChangeShapeType="1" noTextEdit="1"/>
+          </p:cNvSpPr>
+          <p:nvPr>
+            <p:extLst>
+              <p:ext uri="{386F3935-93C4-4BCD-93E2-E3B085C9AB24}">
+                <p16:designElem xmlns:p16="http://schemas.microsoft.com/office/powerpoint/2015/main" val="1"/>
+              </p:ext>
+            </p:extLst>
+          </p:nvPr>
+        </p:nvSpPr>
+        <p:spPr>
+          <a:xfrm rot="16200000" flipH="1">
+            <a:off x="2564669" y="3250084"/>
+            <a:ext cx="1911096" cy="1100751"/>
+          </a:xfrm>
+          <a:prstGeom prst="rtTriangle">
+            <a:avLst/>
+          </a:prstGeom>
+          <a:solidFill>
+            <a:schemeClr val="tx2">
+              <a:lumMod val="75000"/>
+            </a:schemeClr>
+          </a:solidFill>
+          <a:ln>
+            <a:noFill/>
+          </a:ln>
+        </p:spPr>
+        <p:style>
+          <a:lnRef idx="2">
+            <a:schemeClr val="accent1">
+              <a:shade val="50000"/>
+            </a:schemeClr>
+          </a:lnRef>
+          <a:fillRef idx="1">
+            <a:schemeClr val="accent1"/>
+          </a:fillRef>
+          <a:effectRef idx="0">
+            <a:schemeClr val="accent1"/>
+          </a:effectRef>
+          <a:fontRef idx="minor">
+            <a:schemeClr val="lt1"/>
+          </a:fontRef>
+        </p:style>
+        <p:txBody>
+          <a:bodyPr rtlCol="0" anchor="ctr"/>
+          <a:lstStyle/>
+          <a:p>
+            <a:pPr marL="0" marR="0" lvl="0" indent="0" algn="ctr" defTabSz="914400" rtl="0" eaLnBrk="1" fontAlgn="auto" latinLnBrk="0" hangingPunct="1">
+              <a:lnSpc>
+                <a:spcPct val="100000"/>
+              </a:lnSpc>
+              <a:spcBef>
+                <a:spcPts val="0"/>
+              </a:spcBef>
+              <a:spcAft>
+                <a:spcPts val="0"/>
+              </a:spcAft>
+              <a:buClrTx/>
+              <a:buSzTx/>
+              <a:buFontTx/>
+              <a:buNone/>
+              <a:tabLst/>
+              <a:defRPr/>
+            </a:pPr>
+            <a:endParaRPr kumimoji="0" lang="en-US" sz="1800" b="0" i="0" u="none" strike="noStrike" kern="1200" cap="none" spc="0" normalizeH="0" baseline="0" noProof="0">
+              <a:ln>
+                <a:noFill/>
+              </a:ln>
+              <a:solidFill>
+                <a:prstClr val="white"/>
+              </a:solidFill>
+              <a:effectLst/>
+              <a:uLnTx/>
+              <a:uFillTx/>
+              <a:latin typeface="Calibri" panose="020F0502020204030204"/>
+              <a:ea typeface="+mn-ea"/>
+              <a:cs typeface="+mn-cs"/>
+            </a:endParaRPr>
+          </a:p>
+        </p:txBody>
+      </p:sp>
+      <p:sp>
+        <p:nvSpPr>
+          <p:cNvPr id="64" name="Rectangle 63">
+            <a:extLst>
+              <a:ext uri="{FF2B5EF4-FFF2-40B4-BE49-F238E27FC236}">
+                <a16:creationId xmlns:a16="http://schemas.microsoft.com/office/drawing/2014/main" id="{F6FE5468-759E-4E83-828A-5587C7F58873}"/>
+              </a:ext>
+              <a:ext uri="{C183D7F6-B498-43B3-948B-1728B52AA6E4}">
+                <adec:decorative xmlns:adec="http://schemas.microsoft.com/office/drawing/2017/decorative" val="1"/>
+              </a:ext>
+            </a:extLst>
+          </p:cNvPr>
+          <p:cNvSpPr>
+            <a:spLocks noGrp="1" noRot="1" noChangeAspect="1" noMove="1" noResize="1" noEditPoints="1" noAdjustHandles="1" noChangeArrowheads="1" noChangeShapeType="1" noTextEdit="1"/>
+          </p:cNvSpPr>
+          <p:nvPr>
+            <p:extLst>
+              <p:ext uri="{386F3935-93C4-4BCD-93E2-E3B085C9AB24}">
+                <p16:designElem xmlns:p16="http://schemas.microsoft.com/office/powerpoint/2015/main" val="1"/>
+              </p:ext>
+            </p:extLst>
+          </p:nvPr>
+        </p:nvSpPr>
+        <p:spPr>
+          <a:xfrm>
+            <a:off x="2432111" y="1485831"/>
+            <a:ext cx="2537199" cy="1371600"/>
+          </a:xfrm>
+          <a:prstGeom prst="rect">
+            <a:avLst/>
+          </a:prstGeom>
+          <a:solidFill>
+            <a:srgbClr val="FFFFFF"/>
+          </a:solidFill>
+          <a:ln>
+            <a:noFill/>
+          </a:ln>
+        </p:spPr>
+        <p:style>
+          <a:lnRef idx="2">
+            <a:schemeClr val="accent1">
+              <a:shade val="50000"/>
+            </a:schemeClr>
+          </a:lnRef>
+          <a:fillRef idx="1">
+            <a:schemeClr val="accent1"/>
+          </a:fillRef>
+          <a:effectRef idx="0">
+            <a:schemeClr val="accent1"/>
+          </a:effectRef>
+          <a:fontRef idx="minor">
+            <a:schemeClr val="lt1"/>
+          </a:fontRef>
+        </p:style>
+        <p:txBody>
+          <a:bodyPr rtlCol="0" anchor="ctr"/>
+          <a:lstStyle/>
+          <a:p>
+            <a:pPr algn="ctr"/>
+            <a:endParaRPr lang="en-US"/>
+          </a:p>
+        </p:txBody>
+      </p:sp>
+      <p:pic>
+        <p:nvPicPr>
+          <p:cNvPr id="9" name="Picture 9" descr="Icon&#10;&#10;Description automatically generated">
+            <a:extLst>
+              <a:ext uri="{FF2B5EF4-FFF2-40B4-BE49-F238E27FC236}">
+                <a16:creationId xmlns:a16="http://schemas.microsoft.com/office/drawing/2014/main" id="{326BC1B6-4F3B-4C42-8CB2-1F2DD3925240}"/>
+              </a:ext>
+            </a:extLst>
+          </p:cNvPr>
+          <p:cNvPicPr>
+            <a:picLocks noChangeAspect="1"/>
+          </p:cNvPicPr>
+          <p:nvPr/>
+        </p:nvPicPr>
+        <p:blipFill rotWithShape="1">
+          <a:blip r:embed="rId4"/>
+          <a:srcRect l="30505" r="29358" b="-798"/>
+          <a:stretch/>
+        </p:blipFill>
+        <p:spPr>
+          <a:xfrm>
+            <a:off x="3193173" y="1639389"/>
+            <a:ext cx="1040108" cy="1044829"/>
           </a:xfrm>
           <a:prstGeom prst="rect">
             <a:avLst/>
@@ -7155,10 +11910,10 @@
       </p:pic>
       <p:pic>
         <p:nvPicPr>
-          <p:cNvPr id="9" name="Picture 9" descr="Icon&#10;&#10;Description automatically generated">
+          <p:cNvPr id="3" name="Imagem 6">
             <a:extLst>
               <a:ext uri="{FF2B5EF4-FFF2-40B4-BE49-F238E27FC236}">
-                <a16:creationId xmlns:a16="http://schemas.microsoft.com/office/drawing/2014/main" id="{326BC1B6-4F3B-4C42-8CB2-1F2DD3925240}"/>
+                <a16:creationId xmlns:a16="http://schemas.microsoft.com/office/drawing/2014/main" id="{93FE6C32-06D1-4F8D-9C9B-15AC7A37D373}"/>
               </a:ext>
             </a:extLst>
           </p:cNvPr>
@@ -7166,38 +11921,6 @@
             <a:picLocks noChangeAspect="1"/>
           </p:cNvPicPr>
           <p:nvPr/>
-        </p:nvPicPr>
-        <p:blipFill>
-          <a:blip r:embed="rId4"/>
-          <a:stretch>
-            <a:fillRect/>
-          </a:stretch>
-        </p:blipFill>
-        <p:spPr>
-          <a:xfrm>
-            <a:off x="642938" y="4151313"/>
-            <a:ext cx="4822825" cy="1887538"/>
-          </a:xfrm>
-          <a:prstGeom prst="rect">
-            <a:avLst/>
-          </a:prstGeom>
-        </p:spPr>
-      </p:pic>
-      <p:pic>
-        <p:nvPicPr>
-          <p:cNvPr id="4" name="Picture 4" descr="Logo, company name&#10;&#10;Description automatically generated">
-            <a:extLst>
-              <a:ext uri="{FF2B5EF4-FFF2-40B4-BE49-F238E27FC236}">
-                <a16:creationId xmlns:a16="http://schemas.microsoft.com/office/drawing/2014/main" id="{F2F0FF75-FFD9-48EC-B299-D37CBEE7D4AA}"/>
-              </a:ext>
-            </a:extLst>
-          </p:cNvPr>
-          <p:cNvPicPr>
-            <a:picLocks noGrp="1" noChangeAspect="1"/>
-          </p:cNvPicPr>
-          <p:nvPr>
-            <p:ph idx="1"/>
-          </p:nvPr>
         </p:nvPicPr>
         <p:blipFill>
           <a:blip r:embed="rId5"/>
@@ -7207,17 +11930,83 @@
         </p:blipFill>
         <p:spPr>
           <a:xfrm>
-            <a:off x="5541963" y="1701800"/>
-            <a:ext cx="6007100" cy="2311400"/>
+            <a:off x="4225834" y="3126693"/>
+            <a:ext cx="2396155" cy="1347837"/>
           </a:xfrm>
+          <a:prstGeom prst="rect">
+            <a:avLst/>
+          </a:prstGeom>
         </p:spPr>
       </p:pic>
+      <p:sp>
+        <p:nvSpPr>
+          <p:cNvPr id="66" name="Rectangle 65">
+            <a:extLst>
+              <a:ext uri="{FF2B5EF4-FFF2-40B4-BE49-F238E27FC236}">
+                <a16:creationId xmlns:a16="http://schemas.microsoft.com/office/drawing/2014/main" id="{99FE99BC-5F7D-47C3-AA1E-16D7DBDBD18F}"/>
+              </a:ext>
+              <a:ext uri="{C183D7F6-B498-43B3-948B-1728B52AA6E4}">
+                <adec:decorative xmlns:adec="http://schemas.microsoft.com/office/drawing/2017/decorative" val="1"/>
+              </a:ext>
+            </a:extLst>
+          </p:cNvPr>
+          <p:cNvSpPr>
+            <a:spLocks noGrp="1" noRot="1" noChangeAspect="1" noMove="1" noResize="1" noEditPoints="1" noAdjustHandles="1" noChangeArrowheads="1" noChangeShapeType="1" noTextEdit="1"/>
+          </p:cNvSpPr>
+          <p:nvPr>
+            <p:extLst>
+              <p:ext uri="{386F3935-93C4-4BCD-93E2-E3B085C9AB24}">
+                <p16:designElem xmlns:p16="http://schemas.microsoft.com/office/powerpoint/2015/main" val="1"/>
+              </p:ext>
+            </p:extLst>
+          </p:nvPr>
+        </p:nvSpPr>
+        <p:spPr>
+          <a:xfrm>
+            <a:off x="8756605" y="2069831"/>
+            <a:ext cx="2789854" cy="2636882"/>
+          </a:xfrm>
+          <a:prstGeom prst="rect">
+            <a:avLst/>
+          </a:prstGeom>
+          <a:solidFill>
+            <a:srgbClr val="FFFFFF"/>
+          </a:solidFill>
+          <a:ln>
+            <a:noFill/>
+          </a:ln>
+        </p:spPr>
+        <p:style>
+          <a:lnRef idx="2">
+            <a:schemeClr val="accent1">
+              <a:shade val="50000"/>
+            </a:schemeClr>
+          </a:lnRef>
+          <a:fillRef idx="1">
+            <a:schemeClr val="accent1"/>
+          </a:fillRef>
+          <a:effectRef idx="0">
+            <a:schemeClr val="accent1"/>
+          </a:effectRef>
+          <a:fontRef idx="minor">
+            <a:schemeClr val="lt1"/>
+          </a:fontRef>
+        </p:style>
+        <p:txBody>
+          <a:bodyPr rtlCol="0" anchor="ctr"/>
+          <a:lstStyle/>
+          <a:p>
+            <a:pPr algn="ctr"/>
+            <a:endParaRPr lang="en-US"/>
+          </a:p>
+        </p:txBody>
+      </p:sp>
       <p:pic>
         <p:nvPicPr>
-          <p:cNvPr id="5" name="Picture 5">
+          <p:cNvPr id="8" name="Picture 8" descr="Icon&#10;&#10;Description automatically generated">
             <a:extLst>
               <a:ext uri="{FF2B5EF4-FFF2-40B4-BE49-F238E27FC236}">
-                <a16:creationId xmlns:a16="http://schemas.microsoft.com/office/drawing/2014/main" id="{FFE84BD8-370D-4F78-AFDE-F1370273AACD}"/>
+                <a16:creationId xmlns:a16="http://schemas.microsoft.com/office/drawing/2014/main" id="{82EC4EBD-2D34-434D-A326-F15F5C3C67CE}"/>
               </a:ext>
             </a:extLst>
           </p:cNvPr>
@@ -7234,8 +12023,8 @@
         </p:blipFill>
         <p:spPr>
           <a:xfrm>
-            <a:off x="5541963" y="4087813"/>
-            <a:ext cx="6007100" cy="1951038"/>
+            <a:off x="9007328" y="2265082"/>
+            <a:ext cx="2288408" cy="2288408"/>
           </a:xfrm>
           <a:prstGeom prst="rect">
             <a:avLst/>
@@ -7244,47 +12033,126 @@
       </p:pic>
       <p:sp>
         <p:nvSpPr>
-          <p:cNvPr id="2" name="Título 1">
+          <p:cNvPr id="68" name="Right Triangle 67">
             <a:extLst>
               <a:ext uri="{FF2B5EF4-FFF2-40B4-BE49-F238E27FC236}">
-                <a16:creationId xmlns:a16="http://schemas.microsoft.com/office/drawing/2014/main" id="{7F67D9C1-C9EA-4292-A872-82D3AE37C7E6}"/>
+                <a16:creationId xmlns:a16="http://schemas.microsoft.com/office/drawing/2014/main" id="{27400BAF-FCE6-4296-8A0E-9B595ADC09A4}"/>
+              </a:ext>
+              <a:ext uri="{C183D7F6-B498-43B3-948B-1728B52AA6E4}">
+                <adec:decorative xmlns:adec="http://schemas.microsoft.com/office/drawing/2017/decorative" val="1"/>
               </a:ext>
             </a:extLst>
           </p:cNvPr>
           <p:cNvSpPr>
-            <a:spLocks noGrp="1"/>
+            <a:spLocks noGrp="1" noRot="1" noChangeAspect="1" noMove="1" noResize="1" noEditPoints="1" noAdjustHandles="1" noChangeArrowheads="1" noChangeShapeType="1" noTextEdit="1"/>
           </p:cNvSpPr>
           <p:nvPr>
-            <p:ph type="title"/>
+            <p:extLst>
+              <p:ext uri="{386F3935-93C4-4BCD-93E2-E3B085C9AB24}">
+                <p16:designElem xmlns:p16="http://schemas.microsoft.com/office/powerpoint/2015/main" val="1"/>
+              </p:ext>
+            </p:extLst>
           </p:nvPr>
         </p:nvSpPr>
         <p:spPr>
-          <a:xfrm>
-            <a:off x="556532" y="643467"/>
-            <a:ext cx="11210925" cy="744836"/>
+          <a:xfrm flipH="1">
+            <a:off x="8432800" y="4724529"/>
+            <a:ext cx="325600" cy="406635"/>
           </a:xfrm>
+          <a:prstGeom prst="rtTriangle">
+            <a:avLst/>
+          </a:prstGeom>
+          <a:solidFill>
+            <a:srgbClr val="733AB9"/>
+          </a:solidFill>
+          <a:ln>
+            <a:noFill/>
+          </a:ln>
         </p:spPr>
+        <p:style>
+          <a:lnRef idx="2">
+            <a:schemeClr val="accent1">
+              <a:shade val="50000"/>
+            </a:schemeClr>
+          </a:lnRef>
+          <a:fillRef idx="1">
+            <a:schemeClr val="accent1"/>
+          </a:fillRef>
+          <a:effectRef idx="0">
+            <a:schemeClr val="accent1"/>
+          </a:effectRef>
+          <a:fontRef idx="minor">
+            <a:schemeClr val="lt1"/>
+          </a:fontRef>
+        </p:style>
         <p:txBody>
-          <a:bodyPr vert="horz" lIns="91440" tIns="45720" rIns="91440" bIns="45720" rtlCol="0" anchor="ctr">
-            <a:normAutofit/>
-          </a:bodyPr>
+          <a:bodyPr rtlCol="0" anchor="ctr"/>
           <a:lstStyle/>
           <a:p>
-            <a:pPr algn="ctr"/>
-            <a:r>
-              <a:rPr lang="en-US" sz="3200" kern="1200">
-                <a:solidFill>
-                  <a:schemeClr val="bg1"/>
-                </a:solidFill>
-                <a:latin typeface="+mj-lt"/>
-                <a:ea typeface="+mj-ea"/>
-                <a:cs typeface="+mj-cs"/>
-              </a:rPr>
-              <a:t>Recursos Utilizados </a:t>
-            </a:r>
+            <a:pPr marL="0" marR="0" lvl="0" indent="0" algn="ctr" defTabSz="914400" rtl="0" eaLnBrk="1" fontAlgn="auto" latinLnBrk="0" hangingPunct="1">
+              <a:lnSpc>
+                <a:spcPct val="100000"/>
+              </a:lnSpc>
+              <a:spcBef>
+                <a:spcPts val="0"/>
+              </a:spcBef>
+              <a:spcAft>
+                <a:spcPts val="0"/>
+              </a:spcAft>
+              <a:buClrTx/>
+              <a:buSzTx/>
+              <a:buFontTx/>
+              <a:buNone/>
+              <a:tabLst/>
+              <a:defRPr/>
+            </a:pPr>
+            <a:endParaRPr kumimoji="0" lang="en-US" sz="1800" b="0" i="0" u="none" strike="noStrike" kern="1200" cap="none" spc="0" normalizeH="0" baseline="0" noProof="0">
+              <a:ln>
+                <a:noFill/>
+              </a:ln>
+              <a:solidFill>
+                <a:prstClr val="white"/>
+              </a:solidFill>
+              <a:effectLst/>
+              <a:uLnTx/>
+              <a:uFillTx/>
+              <a:latin typeface="Calibri" panose="020F0502020204030204"/>
+              <a:ea typeface="+mn-ea"/>
+              <a:cs typeface="+mn-cs"/>
+            </a:endParaRPr>
           </a:p>
         </p:txBody>
       </p:sp>
+      <p:pic>
+        <p:nvPicPr>
+          <p:cNvPr id="13" name="Imagem 14">
+            <a:extLst>
+              <a:ext uri="{FF2B5EF4-FFF2-40B4-BE49-F238E27FC236}">
+                <a16:creationId xmlns:a16="http://schemas.microsoft.com/office/drawing/2014/main" id="{7E40BAAC-5437-4D5F-A61A-55ADEFFF2CA1}"/>
+              </a:ext>
+            </a:extLst>
+          </p:cNvPr>
+          <p:cNvPicPr>
+            <a:picLocks noChangeAspect="1"/>
+          </p:cNvPicPr>
+          <p:nvPr/>
+        </p:nvPicPr>
+        <p:blipFill>
+          <a:blip r:embed="rId7"/>
+          <a:stretch>
+            <a:fillRect/>
+          </a:stretch>
+        </p:blipFill>
+        <p:spPr>
+          <a:xfrm>
+            <a:off x="626852" y="705640"/>
+            <a:ext cx="1219201" cy="716569"/>
+          </a:xfrm>
+          <a:prstGeom prst="rect">
+            <a:avLst/>
+          </a:prstGeom>
+        </p:spPr>
+      </p:pic>
     </p:spTree>
     <p:extLst>
       <p:ext uri="{BB962C8B-B14F-4D97-AF65-F5344CB8AC3E}">
@@ -7293,12 +12161,12 @@
     </p:extLst>
   </p:cSld>
   <p:clrMapOvr>
-    <a:masterClrMapping/>
+    <a:overrideClrMapping bg1="dk1" tx1="lt1" bg2="dk2" tx2="lt2" accent1="accent1" accent2="accent2" accent3="accent3" accent4="accent4" accent5="accent5" accent6="accent6" hlink="hlink" folHlink="folHlink"/>
   </p:clrMapOvr>
 </p:sld>
 </file>
 
-<file path=ppt/slides/slide22.xml><?xml version="1.0" encoding="utf-8"?>
+<file path=ppt/slides/slide21.xml><?xml version="1.0" encoding="utf-8"?>
 <p:sld xmlns:a="http://schemas.openxmlformats.org/drawingml/2006/main" xmlns:r="http://schemas.openxmlformats.org/officeDocument/2006/relationships" xmlns:p="http://schemas.openxmlformats.org/presentationml/2006/main">
   <p:cSld>
     <p:bg>
@@ -7445,7 +12313,7 @@
           <a:p>
             <a:pPr algn="ctr"/>
             <a:r>
-              <a:rPr lang="en-US" sz="6000" kern="1200">
+              <a:rPr lang="pt-PT" sz="6000" kern="1200">
                 <a:solidFill>
                   <a:srgbClr val="FFFFFF"/>
                 </a:solidFill>
@@ -7455,6 +12323,13 @@
               </a:rPr>
               <a:t>Conclusão</a:t>
             </a:r>
+            <a:endParaRPr lang="pt-PT" sz="6000" kern="1200">
+              <a:solidFill>
+                <a:srgbClr val="FFFFFF"/>
+              </a:solidFill>
+              <a:latin typeface="+mj-lt"/>
+              <a:cs typeface="Calibri Light"/>
+            </a:endParaRPr>
           </a:p>
         </p:txBody>
       </p:sp>
@@ -7748,7 +12623,7 @@
           <a:lstStyle/>
           <a:p>
             <a:pPr algn="ctr"/>
-            <a:endParaRPr lang="en-US" dirty="0"/>
+            <a:endParaRPr lang="en-US"/>
           </a:p>
         </p:txBody>
       </p:sp>
@@ -7847,16 +12722,17 @@
           <a:lstStyle/>
           <a:p>
             <a:r>
-              <a:rPr lang="en-US" sz="11500" kern="1200">
-                <a:solidFill>
-                  <a:schemeClr val="tx1"/>
-                </a:solidFill>
+              <a:rPr lang="pt-PT" sz="11500" kern="1200">
                 <a:latin typeface="+mj-lt"/>
                 <a:ea typeface="+mj-ea"/>
                 <a:cs typeface="+mj-cs"/>
               </a:rPr>
               <a:t>Introdução</a:t>
             </a:r>
+            <a:endParaRPr lang="pt-PT" sz="11500" kern="1200">
+              <a:latin typeface="+mj-lt"/>
+              <a:cs typeface="Calibri Light"/>
+            </a:endParaRPr>
           </a:p>
         </p:txBody>
       </p:sp>
@@ -7876,6 +12752,14 @@
 <file path=ppt/slides/slide4.xml><?xml version="1.0" encoding="utf-8"?>
 <p:sld xmlns:a="http://schemas.openxmlformats.org/drawingml/2006/main" xmlns:r="http://schemas.openxmlformats.org/officeDocument/2006/relationships" xmlns:p="http://schemas.openxmlformats.org/presentationml/2006/main">
   <p:cSld>
+    <p:bg>
+      <p:bgPr>
+        <a:solidFill>
+          <a:schemeClr val="bg1"/>
+        </a:solidFill>
+        <a:effectLst/>
+      </p:bgPr>
+    </p:bg>
     <p:spTree>
       <p:nvGrpSpPr>
         <p:cNvPr id="1" name=""/>
@@ -7890,6 +12774,66 @@
           <a:chExt cx="0" cy="0"/>
         </a:xfrm>
       </p:grpSpPr>
+      <p:sp useBgFill="1">
+        <p:nvSpPr>
+          <p:cNvPr id="9" name="Rectangle 8">
+            <a:extLst>
+              <a:ext uri="{FF2B5EF4-FFF2-40B4-BE49-F238E27FC236}">
+                <a16:creationId xmlns:a16="http://schemas.microsoft.com/office/drawing/2014/main" id="{2E442304-DDBD-4F7B-8017-36BCC863FB40}"/>
+              </a:ext>
+              <a:ext uri="{C183D7F6-B498-43B3-948B-1728B52AA6E4}">
+                <adec:decorative xmlns:adec="http://schemas.microsoft.com/office/drawing/2017/decorative" val="1"/>
+              </a:ext>
+            </a:extLst>
+          </p:cNvPr>
+          <p:cNvSpPr>
+            <a:spLocks noGrp="1" noRot="1" noChangeAspect="1" noMove="1" noResize="1" noEditPoints="1" noAdjustHandles="1" noChangeArrowheads="1" noChangeShapeType="1" noTextEdit="1"/>
+          </p:cNvSpPr>
+          <p:nvPr>
+            <p:extLst>
+              <p:ext uri="{386F3935-93C4-4BCD-93E2-E3B085C9AB24}">
+                <p16:designElem xmlns:p16="http://schemas.microsoft.com/office/powerpoint/2015/main" val="1"/>
+              </p:ext>
+            </p:extLst>
+          </p:nvPr>
+        </p:nvSpPr>
+        <p:spPr>
+          <a:xfrm>
+            <a:off x="0" y="0"/>
+            <a:ext cx="12188952" cy="6858000"/>
+          </a:xfrm>
+          <a:prstGeom prst="rect">
+            <a:avLst/>
+          </a:prstGeom>
+          <a:ln>
+            <a:noFill/>
+          </a:ln>
+        </p:spPr>
+        <p:style>
+          <a:lnRef idx="2">
+            <a:schemeClr val="accent1">
+              <a:shade val="50000"/>
+            </a:schemeClr>
+          </a:lnRef>
+          <a:fillRef idx="1">
+            <a:schemeClr val="accent1"/>
+          </a:fillRef>
+          <a:effectRef idx="0">
+            <a:schemeClr val="accent1"/>
+          </a:effectRef>
+          <a:fontRef idx="minor">
+            <a:schemeClr val="lt1"/>
+          </a:fontRef>
+        </p:style>
+        <p:txBody>
+          <a:bodyPr rtlCol="0" anchor="ctr"/>
+          <a:lstStyle/>
+          <a:p>
+            <a:pPr algn="ctr"/>
+            <a:endParaRPr lang="en-US"/>
+          </a:p>
+        </p:txBody>
+      </p:sp>
       <p:sp>
         <p:nvSpPr>
           <p:cNvPr id="2" name="Título 1">
@@ -7906,134 +12850,432 @@
             <p:ph type="title"/>
           </p:nvPr>
         </p:nvSpPr>
-        <p:spPr/>
+        <p:spPr>
+          <a:xfrm>
+            <a:off x="635000" y="640823"/>
+            <a:ext cx="3418659" cy="5583148"/>
+          </a:xfrm>
+        </p:spPr>
         <p:txBody>
-          <a:bodyPr/>
+          <a:bodyPr anchor="ctr">
+            <a:normAutofit/>
+          </a:bodyPr>
           <a:lstStyle/>
           <a:p>
             <a:r>
-              <a:rPr lang="pt-PT">
+              <a:rPr lang="pt-PT" sz="5400">
                 <a:cs typeface="Calibri Light"/>
               </a:rPr>
               <a:t>Objetivos</a:t>
             </a:r>
-            <a:endParaRPr lang="pt-PT"/>
+            <a:endParaRPr lang="pt-PT" sz="5400"/>
           </a:p>
         </p:txBody>
       </p:sp>
       <p:sp>
         <p:nvSpPr>
-          <p:cNvPr id="3" name="Marcador de Posição de Conteúdo 2">
+          <p:cNvPr id="11" name="sketch line">
             <a:extLst>
               <a:ext uri="{FF2B5EF4-FFF2-40B4-BE49-F238E27FC236}">
-                <a16:creationId xmlns:a16="http://schemas.microsoft.com/office/drawing/2014/main" id="{6F3A59BA-DBC3-40AB-94AD-F939A581495C}"/>
+                <a16:creationId xmlns:a16="http://schemas.microsoft.com/office/drawing/2014/main" id="{5E107275-3853-46FD-A241-DE4355A42675}"/>
+              </a:ext>
+              <a:ext uri="{C183D7F6-B498-43B3-948B-1728B52AA6E4}">
+                <adec:decorative xmlns:adec="http://schemas.microsoft.com/office/drawing/2017/decorative" val="1"/>
               </a:ext>
             </a:extLst>
           </p:cNvPr>
           <p:cNvSpPr>
-            <a:spLocks noGrp="1"/>
+            <a:spLocks noGrp="1" noRot="1" noChangeAspect="1" noMove="1" noResize="1" noEditPoints="1" noAdjustHandles="1" noChangeArrowheads="1" noChangeShapeType="1" noTextEdit="1"/>
           </p:cNvSpPr>
           <p:nvPr>
-            <p:ph idx="1"/>
+            <p:extLst>
+              <p:ext uri="{386F3935-93C4-4BCD-93E2-E3B085C9AB24}">
+                <p16:designElem xmlns:p16="http://schemas.microsoft.com/office/powerpoint/2015/main" val="1"/>
+              </p:ext>
+            </p:extLst>
           </p:nvPr>
         </p:nvSpPr>
         <p:spPr>
-          <a:xfrm>
-            <a:off x="838199" y="1825626"/>
-            <a:ext cx="10515600" cy="4351338"/>
+          <a:xfrm rot="5400000">
+            <a:off x="1627450" y="3462719"/>
+            <a:ext cx="5410200" cy="18288"/>
           </a:xfrm>
+          <a:custGeom>
+            <a:avLst/>
+            <a:gdLst>
+              <a:gd name="connsiteX0" fmla="*/ 0 w 5410200"/>
+              <a:gd name="connsiteY0" fmla="*/ 0 h 18288"/>
+              <a:gd name="connsiteX1" fmla="*/ 568071 w 5410200"/>
+              <a:gd name="connsiteY1" fmla="*/ 0 h 18288"/>
+              <a:gd name="connsiteX2" fmla="*/ 1298448 w 5410200"/>
+              <a:gd name="connsiteY2" fmla="*/ 0 h 18288"/>
+              <a:gd name="connsiteX3" fmla="*/ 1920621 w 5410200"/>
+              <a:gd name="connsiteY3" fmla="*/ 0 h 18288"/>
+              <a:gd name="connsiteX4" fmla="*/ 2488692 w 5410200"/>
+              <a:gd name="connsiteY4" fmla="*/ 0 h 18288"/>
+              <a:gd name="connsiteX5" fmla="*/ 3219069 w 5410200"/>
+              <a:gd name="connsiteY5" fmla="*/ 0 h 18288"/>
+              <a:gd name="connsiteX6" fmla="*/ 3895344 w 5410200"/>
+              <a:gd name="connsiteY6" fmla="*/ 0 h 18288"/>
+              <a:gd name="connsiteX7" fmla="*/ 4571619 w 5410200"/>
+              <a:gd name="connsiteY7" fmla="*/ 0 h 18288"/>
+              <a:gd name="connsiteX8" fmla="*/ 5410200 w 5410200"/>
+              <a:gd name="connsiteY8" fmla="*/ 0 h 18288"/>
+              <a:gd name="connsiteX9" fmla="*/ 5410200 w 5410200"/>
+              <a:gd name="connsiteY9" fmla="*/ 18288 h 18288"/>
+              <a:gd name="connsiteX10" fmla="*/ 4842129 w 5410200"/>
+              <a:gd name="connsiteY10" fmla="*/ 18288 h 18288"/>
+              <a:gd name="connsiteX11" fmla="*/ 4328160 w 5410200"/>
+              <a:gd name="connsiteY11" fmla="*/ 18288 h 18288"/>
+              <a:gd name="connsiteX12" fmla="*/ 3597783 w 5410200"/>
+              <a:gd name="connsiteY12" fmla="*/ 18288 h 18288"/>
+              <a:gd name="connsiteX13" fmla="*/ 3029712 w 5410200"/>
+              <a:gd name="connsiteY13" fmla="*/ 18288 h 18288"/>
+              <a:gd name="connsiteX14" fmla="*/ 2299335 w 5410200"/>
+              <a:gd name="connsiteY14" fmla="*/ 18288 h 18288"/>
+              <a:gd name="connsiteX15" fmla="*/ 1514856 w 5410200"/>
+              <a:gd name="connsiteY15" fmla="*/ 18288 h 18288"/>
+              <a:gd name="connsiteX16" fmla="*/ 892683 w 5410200"/>
+              <a:gd name="connsiteY16" fmla="*/ 18288 h 18288"/>
+              <a:gd name="connsiteX17" fmla="*/ 0 w 5410200"/>
+              <a:gd name="connsiteY17" fmla="*/ 18288 h 18288"/>
+              <a:gd name="connsiteX18" fmla="*/ 0 w 5410200"/>
+              <a:gd name="connsiteY18" fmla="*/ 0 h 18288"/>
+            </a:gdLst>
+            <a:ahLst/>
+            <a:cxnLst>
+              <a:cxn ang="0">
+                <a:pos x="connsiteX0" y="connsiteY0"/>
+              </a:cxn>
+              <a:cxn ang="0">
+                <a:pos x="connsiteX1" y="connsiteY1"/>
+              </a:cxn>
+              <a:cxn ang="0">
+                <a:pos x="connsiteX2" y="connsiteY2"/>
+              </a:cxn>
+              <a:cxn ang="0">
+                <a:pos x="connsiteX3" y="connsiteY3"/>
+              </a:cxn>
+              <a:cxn ang="0">
+                <a:pos x="connsiteX4" y="connsiteY4"/>
+              </a:cxn>
+              <a:cxn ang="0">
+                <a:pos x="connsiteX5" y="connsiteY5"/>
+              </a:cxn>
+              <a:cxn ang="0">
+                <a:pos x="connsiteX6" y="connsiteY6"/>
+              </a:cxn>
+              <a:cxn ang="0">
+                <a:pos x="connsiteX7" y="connsiteY7"/>
+              </a:cxn>
+              <a:cxn ang="0">
+                <a:pos x="connsiteX8" y="connsiteY8"/>
+              </a:cxn>
+              <a:cxn ang="0">
+                <a:pos x="connsiteX9" y="connsiteY9"/>
+              </a:cxn>
+              <a:cxn ang="0">
+                <a:pos x="connsiteX10" y="connsiteY10"/>
+              </a:cxn>
+              <a:cxn ang="0">
+                <a:pos x="connsiteX11" y="connsiteY11"/>
+              </a:cxn>
+              <a:cxn ang="0">
+                <a:pos x="connsiteX12" y="connsiteY12"/>
+              </a:cxn>
+              <a:cxn ang="0">
+                <a:pos x="connsiteX13" y="connsiteY13"/>
+              </a:cxn>
+              <a:cxn ang="0">
+                <a:pos x="connsiteX14" y="connsiteY14"/>
+              </a:cxn>
+              <a:cxn ang="0">
+                <a:pos x="connsiteX15" y="connsiteY15"/>
+              </a:cxn>
+              <a:cxn ang="0">
+                <a:pos x="connsiteX16" y="connsiteY16"/>
+              </a:cxn>
+              <a:cxn ang="0">
+                <a:pos x="connsiteX17" y="connsiteY17"/>
+              </a:cxn>
+              <a:cxn ang="0">
+                <a:pos x="connsiteX18" y="connsiteY18"/>
+              </a:cxn>
+            </a:cxnLst>
+            <a:rect l="l" t="t" r="r" b="b"/>
+            <a:pathLst>
+              <a:path w="5410200" h="18288" fill="none" extrusionOk="0">
+                <a:moveTo>
+                  <a:pt x="0" y="0"/>
+                </a:moveTo>
+                <a:cubicBezTo>
+                  <a:pt x="163050" y="-18707"/>
+                  <a:pt x="319321" y="-16364"/>
+                  <a:pt x="568071" y="0"/>
+                </a:cubicBezTo>
+                <a:cubicBezTo>
+                  <a:pt x="816821" y="16364"/>
+                  <a:pt x="1013224" y="-7268"/>
+                  <a:pt x="1298448" y="0"/>
+                </a:cubicBezTo>
+                <a:cubicBezTo>
+                  <a:pt x="1583672" y="7268"/>
+                  <a:pt x="1631711" y="-3367"/>
+                  <a:pt x="1920621" y="0"/>
+                </a:cubicBezTo>
+                <a:cubicBezTo>
+                  <a:pt x="2209531" y="3367"/>
+                  <a:pt x="2364420" y="-19184"/>
+                  <a:pt x="2488692" y="0"/>
+                </a:cubicBezTo>
+                <a:cubicBezTo>
+                  <a:pt x="2612964" y="19184"/>
+                  <a:pt x="3023298" y="-34627"/>
+                  <a:pt x="3219069" y="0"/>
+                </a:cubicBezTo>
+                <a:cubicBezTo>
+                  <a:pt x="3414840" y="34627"/>
+                  <a:pt x="3656810" y="24043"/>
+                  <a:pt x="3895344" y="0"/>
+                </a:cubicBezTo>
+                <a:cubicBezTo>
+                  <a:pt x="4133879" y="-24043"/>
+                  <a:pt x="4393984" y="-19577"/>
+                  <a:pt x="4571619" y="0"/>
+                </a:cubicBezTo>
+                <a:cubicBezTo>
+                  <a:pt x="4749255" y="19577"/>
+                  <a:pt x="5179928" y="-6281"/>
+                  <a:pt x="5410200" y="0"/>
+                </a:cubicBezTo>
+                <a:cubicBezTo>
+                  <a:pt x="5410730" y="6954"/>
+                  <a:pt x="5410934" y="12839"/>
+                  <a:pt x="5410200" y="18288"/>
+                </a:cubicBezTo>
+                <a:cubicBezTo>
+                  <a:pt x="5139060" y="6751"/>
+                  <a:pt x="5121593" y="31035"/>
+                  <a:pt x="4842129" y="18288"/>
+                </a:cubicBezTo>
+                <a:cubicBezTo>
+                  <a:pt x="4562665" y="5541"/>
+                  <a:pt x="4448273" y="9487"/>
+                  <a:pt x="4328160" y="18288"/>
+                </a:cubicBezTo>
+                <a:cubicBezTo>
+                  <a:pt x="4208047" y="27089"/>
+                  <a:pt x="3760936" y="22567"/>
+                  <a:pt x="3597783" y="18288"/>
+                </a:cubicBezTo>
+                <a:cubicBezTo>
+                  <a:pt x="3434630" y="14009"/>
+                  <a:pt x="3299718" y="33213"/>
+                  <a:pt x="3029712" y="18288"/>
+                </a:cubicBezTo>
+                <a:cubicBezTo>
+                  <a:pt x="2759706" y="3363"/>
+                  <a:pt x="2640159" y="27394"/>
+                  <a:pt x="2299335" y="18288"/>
+                </a:cubicBezTo>
+                <a:cubicBezTo>
+                  <a:pt x="1958511" y="9182"/>
+                  <a:pt x="1801186" y="28985"/>
+                  <a:pt x="1514856" y="18288"/>
+                </a:cubicBezTo>
+                <a:cubicBezTo>
+                  <a:pt x="1228526" y="7591"/>
+                  <a:pt x="1063509" y="-5305"/>
+                  <a:pt x="892683" y="18288"/>
+                </a:cubicBezTo>
+                <a:cubicBezTo>
+                  <a:pt x="721857" y="41881"/>
+                  <a:pt x="186945" y="-20897"/>
+                  <a:pt x="0" y="18288"/>
+                </a:cubicBezTo>
+                <a:cubicBezTo>
+                  <a:pt x="-570" y="9279"/>
+                  <a:pt x="132" y="5100"/>
+                  <a:pt x="0" y="0"/>
+                </a:cubicBezTo>
+                <a:close/>
+              </a:path>
+              <a:path w="5410200" h="18288" stroke="0" extrusionOk="0">
+                <a:moveTo>
+                  <a:pt x="0" y="0"/>
+                </a:moveTo>
+                <a:cubicBezTo>
+                  <a:pt x="285096" y="-4925"/>
+                  <a:pt x="376456" y="22268"/>
+                  <a:pt x="622173" y="0"/>
+                </a:cubicBezTo>
+                <a:cubicBezTo>
+                  <a:pt x="867890" y="-22268"/>
+                  <a:pt x="1031392" y="7228"/>
+                  <a:pt x="1136142" y="0"/>
+                </a:cubicBezTo>
+                <a:cubicBezTo>
+                  <a:pt x="1240892" y="-7228"/>
+                  <a:pt x="1561853" y="9877"/>
+                  <a:pt x="1920621" y="0"/>
+                </a:cubicBezTo>
+                <a:cubicBezTo>
+                  <a:pt x="2279389" y="-9877"/>
+                  <a:pt x="2367255" y="19546"/>
+                  <a:pt x="2542794" y="0"/>
+                </a:cubicBezTo>
+                <a:cubicBezTo>
+                  <a:pt x="2718333" y="-19546"/>
+                  <a:pt x="2866732" y="-22226"/>
+                  <a:pt x="3164967" y="0"/>
+                </a:cubicBezTo>
+                <a:cubicBezTo>
+                  <a:pt x="3463202" y="22226"/>
+                  <a:pt x="3568055" y="-2765"/>
+                  <a:pt x="3949446" y="0"/>
+                </a:cubicBezTo>
+                <a:cubicBezTo>
+                  <a:pt x="4330837" y="2765"/>
+                  <a:pt x="4287895" y="10557"/>
+                  <a:pt x="4517517" y="0"/>
+                </a:cubicBezTo>
+                <a:cubicBezTo>
+                  <a:pt x="4747139" y="-10557"/>
+                  <a:pt x="5149588" y="8716"/>
+                  <a:pt x="5410200" y="0"/>
+                </a:cubicBezTo>
+                <a:cubicBezTo>
+                  <a:pt x="5409517" y="5414"/>
+                  <a:pt x="5409480" y="12510"/>
+                  <a:pt x="5410200" y="18288"/>
+                </a:cubicBezTo>
+                <a:cubicBezTo>
+                  <a:pt x="5163327" y="41494"/>
+                  <a:pt x="5008749" y="10693"/>
+                  <a:pt x="4842129" y="18288"/>
+                </a:cubicBezTo>
+                <a:cubicBezTo>
+                  <a:pt x="4675509" y="25883"/>
+                  <a:pt x="4433401" y="-615"/>
+                  <a:pt x="4165854" y="18288"/>
+                </a:cubicBezTo>
+                <a:cubicBezTo>
+                  <a:pt x="3898308" y="37191"/>
+                  <a:pt x="3809032" y="-8710"/>
+                  <a:pt x="3543681" y="18288"/>
+                </a:cubicBezTo>
+                <a:cubicBezTo>
+                  <a:pt x="3278330" y="45286"/>
+                  <a:pt x="3073876" y="-15917"/>
+                  <a:pt x="2759202" y="18288"/>
+                </a:cubicBezTo>
+                <a:cubicBezTo>
+                  <a:pt x="2444528" y="52493"/>
+                  <a:pt x="2204144" y="3372"/>
+                  <a:pt x="1974723" y="18288"/>
+                </a:cubicBezTo>
+                <a:cubicBezTo>
+                  <a:pt x="1745302" y="33204"/>
+                  <a:pt x="1602335" y="31490"/>
+                  <a:pt x="1406652" y="18288"/>
+                </a:cubicBezTo>
+                <a:cubicBezTo>
+                  <a:pt x="1210969" y="5086"/>
+                  <a:pt x="923948" y="3161"/>
+                  <a:pt x="730377" y="18288"/>
+                </a:cubicBezTo>
+                <a:cubicBezTo>
+                  <a:pt x="536806" y="33415"/>
+                  <a:pt x="336496" y="-141"/>
+                  <a:pt x="0" y="18288"/>
+                </a:cubicBezTo>
+                <a:cubicBezTo>
+                  <a:pt x="-306" y="11061"/>
+                  <a:pt x="-655" y="7751"/>
+                  <a:pt x="0" y="0"/>
+                </a:cubicBezTo>
+                <a:close/>
+              </a:path>
+            </a:pathLst>
+          </a:custGeom>
+          <a:solidFill>
+            <a:schemeClr val="accent2"/>
+          </a:solidFill>
+          <a:ln w="41275" cap="rnd">
+            <a:solidFill>
+              <a:schemeClr val="accent2"/>
+            </a:solidFill>
+            <a:round/>
+            <a:extLst>
+              <a:ext uri="{C807C97D-BFC1-408E-A445-0C87EB9F89A2}">
+                <ask:lineSketchStyleProps xmlns:ask="http://schemas.microsoft.com/office/drawing/2018/sketchyshapes" sd="1219033472">
+                  <a:prstGeom prst="rect">
+                    <a:avLst/>
+                  </a:prstGeom>
+                  <ask:type>
+                    <ask:lineSketchFreehand/>
+                  </ask:type>
+                </ask:lineSketchStyleProps>
+              </a:ext>
+            </a:extLst>
+          </a:ln>
         </p:spPr>
+        <p:style>
+          <a:lnRef idx="2">
+            <a:schemeClr val="accent1">
+              <a:shade val="50000"/>
+            </a:schemeClr>
+          </a:lnRef>
+          <a:fillRef idx="1">
+            <a:schemeClr val="accent1"/>
+          </a:fillRef>
+          <a:effectRef idx="0">
+            <a:schemeClr val="accent1"/>
+          </a:effectRef>
+          <a:fontRef idx="minor">
+            <a:schemeClr val="lt1"/>
+          </a:fontRef>
+        </p:style>
         <p:txBody>
-          <a:bodyPr vert="horz" lIns="91440" tIns="45720" rIns="91440" bIns="45720" rtlCol="0" anchor="t">
-            <a:normAutofit fontScale="92500" lnSpcReduction="20000"/>
-          </a:bodyPr>
+          <a:bodyPr rtlCol="0" anchor="ctr"/>
           <a:lstStyle/>
           <a:p>
-            <a:r>
-              <a:rPr lang="pt-PT">
-                <a:ea typeface="+mn-lt"/>
-                <a:cs typeface="+mn-lt"/>
-              </a:rPr>
-              <a:t>Criar um site de gestão em ASP.NET para gerir funcionários, produtos e encomendas. </a:t>
-            </a:r>
-          </a:p>
-          <a:p>
-            <a:r>
-              <a:rPr lang="pt-PT">
-                <a:ea typeface="+mn-lt"/>
-                <a:cs typeface="+mn-lt"/>
-              </a:rPr>
-              <a:t>Encriptar palavras-chave com o RSA no C#; </a:t>
-            </a:r>
-          </a:p>
-          <a:p>
-            <a:r>
-              <a:rPr lang="pt-PT">
-                <a:ea typeface="+mn-lt"/>
-                <a:cs typeface="+mn-lt"/>
-              </a:rPr>
-              <a:t>Desenvolver uma base de dados em SQL server. </a:t>
-            </a:r>
-          </a:p>
-          <a:p>
-            <a:r>
-              <a:rPr lang="pt-PT">
-                <a:ea typeface="+mn-lt"/>
-                <a:cs typeface="+mn-lt"/>
-              </a:rPr>
-              <a:t>Criar uma rede para os dois edifícios da empresa Veste Bem. </a:t>
-            </a:r>
-          </a:p>
-          <a:p>
-            <a:r>
-              <a:rPr lang="pt-PT">
-                <a:ea typeface="+mn-lt"/>
-                <a:cs typeface="+mn-lt"/>
-              </a:rPr>
-              <a:t>Criar uma rede virtual para interligar os dois edifícios. </a:t>
-            </a:r>
-          </a:p>
-          <a:p>
-            <a:r>
-              <a:rPr lang="pt-PT">
-                <a:ea typeface="+mn-lt"/>
-                <a:cs typeface="+mn-lt"/>
-              </a:rPr>
-              <a:t>Desenvolver com recurso ao Cisco Packet Tracer o diagrama da rede. </a:t>
-            </a:r>
-          </a:p>
-          <a:p>
-            <a:r>
-              <a:rPr lang="pt-PT">
-                <a:ea typeface="+mn-lt"/>
-                <a:cs typeface="+mn-lt"/>
-              </a:rPr>
-              <a:t>Atribuir os IPs a cada ponto de rede. </a:t>
-            </a:r>
-          </a:p>
-          <a:p>
-            <a:r>
-              <a:rPr lang="pt-PT">
-                <a:ea typeface="+mn-lt"/>
-                <a:cs typeface="+mn-lt"/>
-              </a:rPr>
-              <a:t>Criar Vlans entre os departamentos da sede de Secção de Vendas e a Direção. </a:t>
-            </a:r>
-          </a:p>
-          <a:p>
-            <a:r>
-              <a:rPr lang="pt-PT">
-                <a:ea typeface="+mn-lt"/>
-                <a:cs typeface="+mn-lt"/>
-              </a:rPr>
-              <a:t>Estabelecer a ligação entre a sede e a sucursal de setúbal. </a:t>
-            </a:r>
-            <a:endParaRPr lang="pt-PT">
-              <a:cs typeface="Calibri"/>
-            </a:endParaRPr>
+            <a:pPr algn="ctr"/>
+            <a:endParaRPr lang="en-US"/>
           </a:p>
         </p:txBody>
       </p:sp>
+      <p:graphicFrame>
+        <p:nvGraphicFramePr>
+          <p:cNvPr id="5" name="Marcador de Posição de Conteúdo 2">
+            <a:extLst>
+              <a:ext uri="{FF2B5EF4-FFF2-40B4-BE49-F238E27FC236}">
+                <a16:creationId xmlns:a16="http://schemas.microsoft.com/office/drawing/2014/main" id="{10A92F94-CB50-4364-AF37-C9D1BA8CD371}"/>
+              </a:ext>
+            </a:extLst>
+          </p:cNvPr>
+          <p:cNvGraphicFramePr>
+            <a:graphicFrameLocks noGrp="1"/>
+          </p:cNvGraphicFramePr>
+          <p:nvPr>
+            <p:ph idx="1"/>
+            <p:extLst>
+              <p:ext uri="{D42A27DB-BD31-4B8C-83A1-F6EECF244321}">
+                <p14:modId xmlns:p14="http://schemas.microsoft.com/office/powerpoint/2010/main" val="2537041051"/>
+              </p:ext>
+            </p:extLst>
+          </p:nvPr>
+        </p:nvGraphicFramePr>
+        <p:xfrm>
+          <a:off x="4648018" y="640822"/>
+          <a:ext cx="6900512" cy="5536141"/>
+        </p:xfrm>
+        <a:graphic>
+          <a:graphicData uri="http://schemas.openxmlformats.org/drawingml/2006/diagram">
+            <dgm:relIds xmlns:dgm="http://schemas.openxmlformats.org/drawingml/2006/diagram" xmlns:r="http://schemas.openxmlformats.org/officeDocument/2006/relationships" r:dm="rId2" r:lo="rId3" r:qs="rId4" r:cs="rId5"/>
+          </a:graphicData>
+        </a:graphic>
+      </p:graphicFrame>
     </p:spTree>
     <p:extLst>
       <p:ext uri="{BB962C8B-B14F-4D97-AF65-F5344CB8AC3E}">
@@ -8223,7 +13465,7 @@
           <a:p>
             <a:pPr algn="ctr"/>
             <a:r>
-              <a:rPr lang="pt-PT" sz="5400" kern="1200" dirty="0">
+              <a:rPr lang="pt-PT" sz="5400" kern="1200">
                 <a:solidFill>
                   <a:schemeClr val="bg1"/>
                 </a:solidFill>
@@ -8233,7 +13475,7 @@
               </a:rPr>
               <a:t>Cronograma inicial</a:t>
             </a:r>
-            <a:endParaRPr lang="pt-PT" sz="5400" kern="1200" dirty="0">
+            <a:endParaRPr lang="pt-PT" sz="5400" kern="1200">
               <a:solidFill>
                 <a:schemeClr val="bg1"/>
               </a:solidFill>
@@ -8243,7 +13485,7 @@
           </a:p>
           <a:p>
             <a:pPr marL="571500" indent="-571500" algn="ctr"/>
-            <a:endParaRPr lang="pt-PT" sz="5400" kern="1200" dirty="0">
+            <a:endParaRPr lang="pt-PT" sz="5400" kern="1200">
               <a:solidFill>
                 <a:schemeClr val="bg1"/>
               </a:solidFill>
@@ -8458,7 +13700,7 @@
               <a:t>Redes</a:t>
             </a:r>
             <a:br>
-              <a:rPr lang="pt-PT" dirty="0">
+              <a:rPr lang="pt-PT">
                 <a:cs typeface="Calibri Light"/>
               </a:rPr>
             </a:br>
@@ -8537,9 +13779,6 @@
               </a:rPr>
               <a:t>Vantagens:</a:t>
             </a:r>
-            <a:endParaRPr lang="pt-PT" sz="2400" dirty="0">
-              <a:cs typeface="Calibri"/>
-            </a:endParaRPr>
           </a:p>
           <a:p>
             <a:pPr marL="800100" lvl="1" indent="-342900">
@@ -8551,9 +13790,6 @@
               </a:rPr>
               <a:t>Limita o impacto de falhas</a:t>
             </a:r>
-            <a:endParaRPr lang="pt-PT" sz="2400" dirty="0">
-              <a:cs typeface="Calibri"/>
-            </a:endParaRPr>
           </a:p>
           <a:p>
             <a:pPr marL="800100" lvl="1" indent="-342900">
@@ -8565,9 +13801,6 @@
               </a:rPr>
               <a:t>Gestão centralizada</a:t>
             </a:r>
-            <a:endParaRPr lang="pt-PT" sz="2400" dirty="0">
-              <a:cs typeface="Calibri"/>
-            </a:endParaRPr>
           </a:p>
           <a:p>
             <a:pPr marL="800100" lvl="1" indent="-342900">
@@ -8579,15 +13812,12 @@
               </a:rPr>
               <a:t>Maior desempenho e segurança</a:t>
             </a:r>
-            <a:endParaRPr lang="pt-PT" sz="2400" dirty="0">
-              <a:cs typeface="Calibri"/>
-            </a:endParaRPr>
           </a:p>
           <a:p>
             <a:pPr marL="342900" indent="-342900">
               <a:buAutoNum type="arabicPeriod"/>
             </a:pPr>
-            <a:endParaRPr lang="pt-PT" sz="2400" dirty="0">
+            <a:endParaRPr lang="pt-PT" sz="2400">
               <a:cs typeface="Calibri"/>
             </a:endParaRPr>
           </a:p>
@@ -8598,9 +13828,6 @@
               </a:rPr>
               <a:t>Desvantagens:</a:t>
             </a:r>
-            <a:endParaRPr lang="pt-PT" sz="2400" dirty="0">
-              <a:cs typeface="Calibri"/>
-            </a:endParaRPr>
           </a:p>
           <a:p>
             <a:pPr marL="800100" lvl="1" indent="-342900">
@@ -8612,9 +13839,6 @@
               </a:rPr>
               <a:t>Maior custo</a:t>
             </a:r>
-            <a:endParaRPr lang="pt-PT" sz="2400" dirty="0">
-              <a:cs typeface="Calibri"/>
-            </a:endParaRPr>
           </a:p>
           <a:p>
             <a:pPr marL="800100" lvl="1" indent="-342900">
@@ -8624,7 +13848,7 @@
               <a:rPr lang="pt-PT" sz="2400">
                 <a:cs typeface="Calibri"/>
               </a:rPr>
-              <a:t>Dependencia do dispositivo central</a:t>
+              <a:t>Dependência do dispositivo central</a:t>
             </a:r>
           </a:p>
         </p:txBody>
@@ -8818,7 +14042,7 @@
           <a:lstStyle/>
           <a:p>
             <a:pPr algn="ctr"/>
-            <a:endParaRPr lang="en-US" dirty="0"/>
+            <a:endParaRPr lang="en-US"/>
           </a:p>
         </p:txBody>
       </p:sp>
@@ -8917,7 +14141,7 @@
           <a:lstStyle/>
           <a:p>
             <a:r>
-              <a:rPr lang="en-US" sz="7200" kern="1200" dirty="0">
+              <a:rPr lang="en-US" sz="7200" kern="1200">
                 <a:latin typeface="+mj-lt"/>
                 <a:ea typeface="+mj-ea"/>
                 <a:cs typeface="+mj-cs"/>
@@ -8925,23 +14149,17 @@
               <a:t>Tabela de Ips</a:t>
             </a:r>
             <a:br>
-              <a:rPr lang="en-US" sz="7200" dirty="0">
+              <a:rPr lang="en-US" sz="7200">
                 <a:cs typeface="Calibri Light"/>
               </a:rPr>
             </a:br>
             <a:r>
-              <a:rPr lang="en-US" sz="7200" dirty="0">
-                <a:cs typeface="Calibri Light"/>
-              </a:rPr>
-              <a:t>Sta . </a:t>
-            </a:r>
-            <a:r>
               <a:rPr lang="en-US" sz="7200">
                 <a:cs typeface="Calibri Light"/>
               </a:rPr>
-              <a:t>Maria da Feira</a:t>
+              <a:t>Sta . Maria da Feira</a:t>
             </a:r>
-            <a:endParaRPr lang="en-US" sz="7200" kern="1200" dirty="0">
+            <a:endParaRPr lang="en-US" sz="7200" kern="1200">
               <a:latin typeface="+mj-lt"/>
               <a:cs typeface="Calibri Light"/>
             </a:endParaRPr>
@@ -9105,7 +14323,7 @@
           <a:lstStyle/>
           <a:p>
             <a:pPr algn="ctr"/>
-            <a:endParaRPr lang="en-US" dirty="0"/>
+            <a:endParaRPr lang="en-US"/>
           </a:p>
         </p:txBody>
       </p:sp>
@@ -9204,7 +14422,7 @@
           <a:lstStyle/>
           <a:p>
             <a:r>
-              <a:rPr lang="en-US" sz="7200" kern="1200" dirty="0">
+              <a:rPr lang="en-US" sz="7200" kern="1200">
                 <a:latin typeface="+mj-lt"/>
                 <a:ea typeface="+mj-ea"/>
                 <a:cs typeface="+mj-cs"/>
@@ -9212,12 +14430,8 @@
               <a:t>Tabela de Ips</a:t>
             </a:r>
             <a:r>
-              <a:rPr lang="en-US" sz="7200" dirty="0"/>
-              <a:t> </a:t>
-            </a:r>
-            <a:r>
               <a:rPr lang="en-US" sz="7200"/>
-              <a:t>Setúbal</a:t>
+              <a:t> Setúbal</a:t>
             </a:r>
             <a:endParaRPr lang="en-US" sz="7200" kern="1200">
               <a:solidFill>
@@ -9390,25 +14604,14 @@
           <a:p>
             <a:pPr algn="ctr"/>
             <a:r>
-              <a:rPr lang="pt-PT" sz="3200" kern="1200" dirty="0">
-                <a:solidFill>
-                  <a:schemeClr val="bg1"/>
-                </a:solidFill>
-                <a:latin typeface="+mj-lt"/>
-                <a:ea typeface="+mj-ea"/>
-                <a:cs typeface="+mj-cs"/>
-              </a:rPr>
-              <a:t>Redes</a:t>
-            </a:r>
-            <a:r>
-              <a:rPr lang="pt-PT" sz="3200" dirty="0">
+              <a:rPr lang="pt-PT" sz="3200">
                 <a:solidFill>
                   <a:schemeClr val="bg1"/>
                 </a:solidFill>
               </a:rPr>
-              <a:t> – Mapeamento da delegação de Sta. Maria da Feira</a:t>
+              <a:t>Mapeamento da delegação de Sta. Maria da Feira</a:t>
             </a:r>
-            <a:endParaRPr lang="pt-PT" sz="3200" kern="1200" dirty="0">
+            <a:endParaRPr lang="pt-PT" sz="3200" kern="1200">
               <a:solidFill>
                 <a:schemeClr val="bg1"/>
               </a:solidFill>
